--- a/Planungspraesentation-Mitte Juni/Planungspräsentation V. 1.pptx
+++ b/Planungspraesentation-Mitte Juni/Planungspräsentation V. 1.pptx
@@ -203,7 +203,7 @@
           <a:p>
             <a:fld id="{B4FF162B-CE6F-6948-9E4E-CF339F017EF0}" type="datetime1">
               <a:rPr lang="de-DE" smtClean="0"/>
-              <a:t>15.06.15</a:t>
+              <a:t>17.06.15</a:t>
             </a:fld>
             <a:endParaRPr lang="de-DE"/>
           </a:p>
@@ -369,7 +369,7 @@
           <a:p>
             <a:fld id="{F8F687C1-49B9-FC43-A5F5-4E2CAE8623DA}" type="datetime1">
               <a:rPr lang="de-DE" smtClean="0"/>
-              <a:t>15.06.15</a:t>
+              <a:t>17.06.15</a:t>
             </a:fld>
             <a:endParaRPr lang="de-DE"/>
           </a:p>
@@ -903,7 +903,7 @@
           <a:p>
             <a:fld id="{1DACE3BB-339C-AD47-A52D-662320F7C205}" type="datetime1">
               <a:rPr lang="de-DE" smtClean="0"/>
-              <a:t>15.06.15</a:t>
+              <a:t>17.06.15</a:t>
             </a:fld>
             <a:endParaRPr lang="de-DE"/>
           </a:p>
@@ -1073,7 +1073,7 @@
           <a:p>
             <a:fld id="{F42559F4-B3EB-344D-B633-69F007223D30}" type="datetime1">
               <a:rPr lang="de-DE" smtClean="0"/>
-              <a:t>15.06.15</a:t>
+              <a:t>17.06.15</a:t>
             </a:fld>
             <a:endParaRPr lang="de-DE"/>
           </a:p>
@@ -1253,7 +1253,7 @@
           <a:p>
             <a:fld id="{42AF2205-F992-9F41-987F-7238F8B9F0B5}" type="datetime1">
               <a:rPr lang="de-DE" smtClean="0"/>
-              <a:t>15.06.15</a:t>
+              <a:t>17.06.15</a:t>
             </a:fld>
             <a:endParaRPr lang="de-DE"/>
           </a:p>
@@ -1423,7 +1423,7 @@
           <a:p>
             <a:fld id="{FF84A754-A284-FB40-B909-6C25294AD20F}" type="datetime1">
               <a:rPr lang="de-DE" smtClean="0"/>
-              <a:t>15.06.15</a:t>
+              <a:t>17.06.15</a:t>
             </a:fld>
             <a:endParaRPr lang="de-DE"/>
           </a:p>
@@ -1669,7 +1669,7 @@
           <a:p>
             <a:fld id="{CA605955-6352-BD4C-B0F3-ECEE8C6EE720}" type="datetime1">
               <a:rPr lang="de-DE" smtClean="0"/>
-              <a:t>15.06.15</a:t>
+              <a:t>17.06.15</a:t>
             </a:fld>
             <a:endParaRPr lang="de-DE"/>
           </a:p>
@@ -1957,7 +1957,7 @@
           <a:p>
             <a:fld id="{C86AEEF6-0385-0844-9861-D3417F6C1E98}" type="datetime1">
               <a:rPr lang="de-DE" smtClean="0"/>
-              <a:t>15.06.15</a:t>
+              <a:t>17.06.15</a:t>
             </a:fld>
             <a:endParaRPr lang="de-DE"/>
           </a:p>
@@ -2379,7 +2379,7 @@
           <a:p>
             <a:fld id="{84A495D8-31AC-6141-A708-923E383D2969}" type="datetime1">
               <a:rPr lang="de-DE" smtClean="0"/>
-              <a:t>15.06.15</a:t>
+              <a:t>17.06.15</a:t>
             </a:fld>
             <a:endParaRPr lang="de-DE"/>
           </a:p>
@@ -2497,7 +2497,7 @@
           <a:p>
             <a:fld id="{6B9BBFBE-94A6-EE41-BDE2-C36DF8BDD6AC}" type="datetime1">
               <a:rPr lang="de-DE" smtClean="0"/>
-              <a:t>15.06.15</a:t>
+              <a:t>17.06.15</a:t>
             </a:fld>
             <a:endParaRPr lang="de-DE"/>
           </a:p>
@@ -2592,7 +2592,7 @@
           <a:p>
             <a:fld id="{8A3BDDF1-32E1-AA48-AD7E-B28DB9397AA4}" type="datetime1">
               <a:rPr lang="de-DE" smtClean="0"/>
-              <a:t>15.06.15</a:t>
+              <a:t>17.06.15</a:t>
             </a:fld>
             <a:endParaRPr lang="de-DE"/>
           </a:p>
@@ -2869,7 +2869,7 @@
           <a:p>
             <a:fld id="{BF30ED29-63A2-654D-9D7C-1CB6D6E00183}" type="datetime1">
               <a:rPr lang="de-DE" smtClean="0"/>
-              <a:t>15.06.15</a:t>
+              <a:t>17.06.15</a:t>
             </a:fld>
             <a:endParaRPr lang="de-DE"/>
           </a:p>
@@ -3122,7 +3122,7 @@
           <a:p>
             <a:fld id="{4FB359BF-9004-C740-93E9-376A57F77EA5}" type="datetime1">
               <a:rPr lang="de-DE" smtClean="0"/>
-              <a:t>15.06.15</a:t>
+              <a:t>17.06.15</a:t>
             </a:fld>
             <a:endParaRPr lang="de-DE"/>
           </a:p>
@@ -3335,7 +3335,7 @@
           <a:p>
             <a:fld id="{88615D7D-6342-384A-A16F-53E369E57F7B}" type="datetime1">
               <a:rPr lang="de-DE" smtClean="0"/>
-              <a:t>15.06.15</a:t>
+              <a:t>17.06.15</a:t>
             </a:fld>
             <a:endParaRPr lang="de-DE"/>
           </a:p>
@@ -3732,8 +3732,12 @@
           <a:lstStyle/>
           <a:p>
             <a:r>
-              <a:rPr lang="de-DE" dirty="0" err="1" smtClean="0"/>
-              <a:t>NoName</a:t>
+              <a:rPr lang="de-DE" dirty="0"/>
+              <a:t>404 Not </a:t>
+            </a:r>
+            <a:r>
+              <a:rPr lang="de-DE" dirty="0" err="1"/>
+              <a:t>Found</a:t>
             </a:r>
             <a:endParaRPr lang="de-DE" dirty="0"/>
           </a:p>
@@ -3764,11 +3768,7 @@
             <a:pPr algn="l"/>
             <a:r>
               <a:rPr lang="de-DE" sz="2000" dirty="0" smtClean="0"/>
-              <a:t>Teammitglieder: Ram</a:t>
-            </a:r>
-            <a:r>
-              <a:rPr lang="de-DE" sz="2000" dirty="0" smtClean="0"/>
-              <a:t>ón </a:t>
+              <a:t>Teammitglieder: Ramón </a:t>
             </a:r>
             <a:r>
               <a:rPr lang="de-DE" sz="2000" dirty="0" err="1" smtClean="0"/>

--- a/Planungspraesentation-Mitte Juni/Planungspräsentation V. 1.pptx
+++ b/Planungspraesentation-Mitte Juni/Planungspräsentation V. 1.pptx
@@ -5,10 +5,10 @@
     <p:sldMasterId id="2147483648" r:id="rId1"/>
   </p:sldMasterIdLst>
   <p:notesMasterIdLst>
-    <p:notesMasterId r:id="rId11"/>
+    <p:notesMasterId r:id="rId10"/>
   </p:notesMasterIdLst>
   <p:handoutMasterIdLst>
-    <p:handoutMasterId r:id="rId12"/>
+    <p:handoutMasterId r:id="rId11"/>
   </p:handoutMasterIdLst>
   <p:sldIdLst>
     <p:sldId id="256" r:id="rId2"/>
@@ -16,10 +16,9 @@
     <p:sldId id="258" r:id="rId4"/>
     <p:sldId id="259" r:id="rId5"/>
     <p:sldId id="260" r:id="rId6"/>
-    <p:sldId id="261" r:id="rId7"/>
-    <p:sldId id="262" r:id="rId8"/>
-    <p:sldId id="263" r:id="rId9"/>
-    <p:sldId id="264" r:id="rId10"/>
+    <p:sldId id="262" r:id="rId7"/>
+    <p:sldId id="263" r:id="rId8"/>
+    <p:sldId id="264" r:id="rId9"/>
   </p:sldIdLst>
   <p:sldSz cx="9144000" cy="6858000" type="screen4x3"/>
   <p:notesSz cx="6858000" cy="9144000"/>
@@ -203,7 +202,7 @@
           <a:p>
             <a:fld id="{B4FF162B-CE6F-6948-9E4E-CF339F017EF0}" type="datetime1">
               <a:rPr lang="de-DE" smtClean="0"/>
-              <a:t>17.06.15</a:t>
+              <a:t>19.06.15</a:t>
             </a:fld>
             <a:endParaRPr lang="de-DE"/>
           </a:p>
@@ -369,7 +368,7 @@
           <a:p>
             <a:fld id="{F8F687C1-49B9-FC43-A5F5-4E2CAE8623DA}" type="datetime1">
               <a:rPr lang="de-DE" smtClean="0"/>
-              <a:t>17.06.15</a:t>
+              <a:t>19.06.15</a:t>
             </a:fld>
             <a:endParaRPr lang="de-DE"/>
           </a:p>
@@ -903,7 +902,7 @@
           <a:p>
             <a:fld id="{1DACE3BB-339C-AD47-A52D-662320F7C205}" type="datetime1">
               <a:rPr lang="de-DE" smtClean="0"/>
-              <a:t>17.06.15</a:t>
+              <a:t>19.06.15</a:t>
             </a:fld>
             <a:endParaRPr lang="de-DE"/>
           </a:p>
@@ -1073,7 +1072,7 @@
           <a:p>
             <a:fld id="{F42559F4-B3EB-344D-B633-69F007223D30}" type="datetime1">
               <a:rPr lang="de-DE" smtClean="0"/>
-              <a:t>17.06.15</a:t>
+              <a:t>19.06.15</a:t>
             </a:fld>
             <a:endParaRPr lang="de-DE"/>
           </a:p>
@@ -1253,7 +1252,7 @@
           <a:p>
             <a:fld id="{42AF2205-F992-9F41-987F-7238F8B9F0B5}" type="datetime1">
               <a:rPr lang="de-DE" smtClean="0"/>
-              <a:t>17.06.15</a:t>
+              <a:t>19.06.15</a:t>
             </a:fld>
             <a:endParaRPr lang="de-DE"/>
           </a:p>
@@ -1423,7 +1422,7 @@
           <a:p>
             <a:fld id="{FF84A754-A284-FB40-B909-6C25294AD20F}" type="datetime1">
               <a:rPr lang="de-DE" smtClean="0"/>
-              <a:t>17.06.15</a:t>
+              <a:t>19.06.15</a:t>
             </a:fld>
             <a:endParaRPr lang="de-DE"/>
           </a:p>
@@ -1669,7 +1668,7 @@
           <a:p>
             <a:fld id="{CA605955-6352-BD4C-B0F3-ECEE8C6EE720}" type="datetime1">
               <a:rPr lang="de-DE" smtClean="0"/>
-              <a:t>17.06.15</a:t>
+              <a:t>19.06.15</a:t>
             </a:fld>
             <a:endParaRPr lang="de-DE"/>
           </a:p>
@@ -1957,7 +1956,7 @@
           <a:p>
             <a:fld id="{C86AEEF6-0385-0844-9861-D3417F6C1E98}" type="datetime1">
               <a:rPr lang="de-DE" smtClean="0"/>
-              <a:t>17.06.15</a:t>
+              <a:t>19.06.15</a:t>
             </a:fld>
             <a:endParaRPr lang="de-DE"/>
           </a:p>
@@ -2379,7 +2378,7 @@
           <a:p>
             <a:fld id="{84A495D8-31AC-6141-A708-923E383D2969}" type="datetime1">
               <a:rPr lang="de-DE" smtClean="0"/>
-              <a:t>17.06.15</a:t>
+              <a:t>19.06.15</a:t>
             </a:fld>
             <a:endParaRPr lang="de-DE"/>
           </a:p>
@@ -2497,7 +2496,7 @@
           <a:p>
             <a:fld id="{6B9BBFBE-94A6-EE41-BDE2-C36DF8BDD6AC}" type="datetime1">
               <a:rPr lang="de-DE" smtClean="0"/>
-              <a:t>17.06.15</a:t>
+              <a:t>19.06.15</a:t>
             </a:fld>
             <a:endParaRPr lang="de-DE"/>
           </a:p>
@@ -2592,7 +2591,7 @@
           <a:p>
             <a:fld id="{8A3BDDF1-32E1-AA48-AD7E-B28DB9397AA4}" type="datetime1">
               <a:rPr lang="de-DE" smtClean="0"/>
-              <a:t>17.06.15</a:t>
+              <a:t>19.06.15</a:t>
             </a:fld>
             <a:endParaRPr lang="de-DE"/>
           </a:p>
@@ -2869,7 +2868,7 @@
           <a:p>
             <a:fld id="{BF30ED29-63A2-654D-9D7C-1CB6D6E00183}" type="datetime1">
               <a:rPr lang="de-DE" smtClean="0"/>
-              <a:t>17.06.15</a:t>
+              <a:t>19.06.15</a:t>
             </a:fld>
             <a:endParaRPr lang="de-DE"/>
           </a:p>
@@ -3122,7 +3121,7 @@
           <a:p>
             <a:fld id="{4FB359BF-9004-C740-93E9-376A57F77EA5}" type="datetime1">
               <a:rPr lang="de-DE" smtClean="0"/>
-              <a:t>17.06.15</a:t>
+              <a:t>19.06.15</a:t>
             </a:fld>
             <a:endParaRPr lang="de-DE"/>
           </a:p>
@@ -3335,7 +3334,7 @@
           <a:p>
             <a:fld id="{88615D7D-6342-384A-A16F-53E369E57F7B}" type="datetime1">
               <a:rPr lang="de-DE" smtClean="0"/>
-              <a:t>17.06.15</a:t>
+              <a:t>19.06.15</a:t>
             </a:fld>
             <a:endParaRPr lang="de-DE"/>
           </a:p>
@@ -4292,10 +4291,38 @@
         </p:nvSpPr>
         <p:spPr/>
         <p:txBody>
-          <a:bodyPr/>
-          <a:lstStyle/>
-          <a:p>
-            <a:endParaRPr lang="de-DE"/>
+          <a:bodyPr>
+            <a:normAutofit lnSpcReduction="10000"/>
+          </a:bodyPr>
+          <a:lstStyle/>
+          <a:p>
+            <a:r>
+              <a:rPr lang="de-DE" dirty="0"/>
+              <a:t>Die kleine Schlange Nimmersatt braucht deine Hilfe, sie findet ihr Futter nicht in dieser riesen großen Welt. Führe sie zu ihrem Futter, doch gib acht es liegt auch ab und an was auf dem Weg, was Nimmersatt nicht verträgt! </a:t>
+            </a:r>
+          </a:p>
+          <a:p>
+            <a:r>
+              <a:rPr lang="de-DE" dirty="0"/>
+              <a:t>404-Not </a:t>
+            </a:r>
+            <a:r>
+              <a:rPr lang="de-DE" dirty="0" err="1"/>
+              <a:t>Found</a:t>
+            </a:r>
+            <a:r>
+              <a:rPr lang="de-DE" dirty="0"/>
+              <a:t> Group bringt das historisch bekannte Spiel </a:t>
+            </a:r>
+            <a:r>
+              <a:rPr lang="de-DE" dirty="0" err="1"/>
+              <a:t>Snake</a:t>
+            </a:r>
+            <a:r>
+              <a:rPr lang="de-DE" dirty="0"/>
+              <a:t> wieder auf den Markt. Mit neuen Features wird das Spiel zu einem kleinen Abenteuer.</a:t>
+            </a:r>
+            <a:endParaRPr lang="de-DE" dirty="0"/>
           </a:p>
         </p:txBody>
       </p:sp>
@@ -4411,25 +4438,36 @@
           </a:p>
         </p:txBody>
       </p:sp>
-      <p:sp>
-        <p:nvSpPr>
-          <p:cNvPr id="3" name="Inhaltsplatzhalter 2"/>
-          <p:cNvSpPr>
-            <a:spLocks noGrp="1"/>
-          </p:cNvSpPr>
+      <p:pic>
+        <p:nvPicPr>
+          <p:cNvPr id="4" name="Inhaltsplatzhalter 3" descr="SkizzeV1.png"/>
+          <p:cNvPicPr>
+            <a:picLocks noGrp="1" noChangeAspect="1"/>
+          </p:cNvPicPr>
           <p:nvPr>
             <p:ph idx="1"/>
           </p:nvPr>
-        </p:nvSpPr>
-        <p:spPr/>
-        <p:txBody>
-          <a:bodyPr/>
-          <a:lstStyle/>
-          <a:p>
-            <a:endParaRPr lang="de-DE"/>
-          </a:p>
-        </p:txBody>
-      </p:sp>
+        </p:nvPicPr>
+        <p:blipFill>
+          <a:blip r:embed="rId2">
+            <a:extLst>
+              <a:ext uri="{28A0092B-C50C-407E-A947-70E740481C1C}">
+                <a14:useLocalDpi xmlns:a14="http://schemas.microsoft.com/office/drawing/2010/main" val="0"/>
+              </a:ext>
+            </a:extLst>
+          </a:blip>
+          <a:srcRect t="11104" b="11104"/>
+          <a:stretch>
+            <a:fillRect/>
+          </a:stretch>
+        </p:blipFill>
+        <p:spPr>
+          <a:xfrm>
+            <a:off x="322730" y="1196788"/>
+            <a:ext cx="8663772" cy="4764741"/>
+          </a:xfrm>
+        </p:spPr>
+      </p:pic>
       <p:sp>
         <p:nvSpPr>
           <p:cNvPr id="5" name="Foliennummernplatzhalter 4"/>
@@ -4527,40 +4565,392 @@
         <p:spPr/>
         <p:txBody>
           <a:bodyPr>
-            <a:normAutofit fontScale="90000"/>
+            <a:normAutofit/>
           </a:bodyPr>
           <a:lstStyle/>
           <a:p>
             <a:r>
-              <a:rPr lang="de-DE" dirty="0" smtClean="0"/>
+              <a:rPr lang="de-DE" sz="3200" dirty="0" smtClean="0"/>
               <a:t>Aufgabenverteilung </a:t>
             </a:r>
-            <a:br>
-              <a:rPr lang="de-DE" dirty="0" smtClean="0"/>
-            </a:br>
-            <a:endParaRPr lang="de-DE" dirty="0"/>
-          </a:p>
-        </p:txBody>
-      </p:sp>
-      <p:sp>
-        <p:nvSpPr>
-          <p:cNvPr id="3" name="Inhaltsplatzhalter 2"/>
-          <p:cNvSpPr>
-            <a:spLocks noGrp="1"/>
-          </p:cNvSpPr>
+            <a:r>
+              <a:rPr lang="de-DE" sz="3200" dirty="0" smtClean="0"/>
+              <a:t>und </a:t>
+            </a:r>
+            <a:r>
+              <a:rPr lang="de-DE" sz="3200" dirty="0" smtClean="0"/>
+              <a:t>Verantwortlichkeit</a:t>
+            </a:r>
+            <a:endParaRPr lang="de-DE" sz="3200" dirty="0"/>
+          </a:p>
+        </p:txBody>
+      </p:sp>
+      <p:graphicFrame>
+        <p:nvGraphicFramePr>
+          <p:cNvPr id="4" name="Inhaltsplatzhalter 3"/>
+          <p:cNvGraphicFramePr>
+            <a:graphicFrameLocks noGrp="1"/>
+          </p:cNvGraphicFramePr>
           <p:nvPr>
             <p:ph idx="1"/>
-          </p:nvPr>
-        </p:nvSpPr>
-        <p:spPr/>
-        <p:txBody>
-          <a:bodyPr/>
-          <a:lstStyle/>
-          <a:p>
-            <a:endParaRPr lang="de-DE"/>
-          </a:p>
-        </p:txBody>
-      </p:sp>
+            <p:extLst>
+              <p:ext uri="{D42A27DB-BD31-4B8C-83A1-F6EECF244321}">
+                <p14:modId xmlns:p14="http://schemas.microsoft.com/office/powerpoint/2010/main" val="3058144027"/>
+              </p:ext>
+            </p:extLst>
+          </p:nvPr>
+        </p:nvGraphicFramePr>
+        <p:xfrm>
+          <a:off x="457200" y="1271494"/>
+          <a:ext cx="8229600" cy="5308599"/>
+        </p:xfrm>
+        <a:graphic>
+          <a:graphicData uri="http://schemas.openxmlformats.org/drawingml/2006/table">
+            <a:tbl>
+              <a:tblPr firstRow="1" bandRow="1">
+                <a:tableStyleId>{5C22544A-7EE6-4342-B048-85BDC9FD1C3A}</a:tableStyleId>
+              </a:tblPr>
+              <a:tblGrid>
+                <a:gridCol w="4114800"/>
+                <a:gridCol w="4114800"/>
+              </a:tblGrid>
+              <a:tr h="370840">
+                <a:tc>
+                  <a:txBody>
+                    <a:bodyPr/>
+                    <a:lstStyle/>
+                    <a:p>
+                      <a:r>
+                        <a:rPr lang="de-DE" dirty="0" smtClean="0"/>
+                        <a:t>Aufgaben</a:t>
+                      </a:r>
+                      <a:endParaRPr lang="de-DE" dirty="0"/>
+                    </a:p>
+                  </a:txBody>
+                  <a:tcPr/>
+                </a:tc>
+                <a:tc>
+                  <a:txBody>
+                    <a:bodyPr/>
+                    <a:lstStyle/>
+                    <a:p>
+                      <a:r>
+                        <a:rPr lang="de-DE" dirty="0" smtClean="0"/>
+                        <a:t>Verantwortlicher </a:t>
+                      </a:r>
+                      <a:endParaRPr lang="de-DE" dirty="0"/>
+                    </a:p>
+                  </a:txBody>
+                  <a:tcPr/>
+                </a:tc>
+              </a:tr>
+              <a:tr h="370840">
+                <a:tc>
+                  <a:txBody>
+                    <a:bodyPr/>
+                    <a:lstStyle/>
+                    <a:p>
+                      <a:pPr marL="0" marR="0" indent="0" algn="l" defTabSz="457200" rtl="0" eaLnBrk="1" fontAlgn="auto" latinLnBrk="0" hangingPunct="1">
+                        <a:lnSpc>
+                          <a:spcPct val="100000"/>
+                        </a:lnSpc>
+                        <a:spcBef>
+                          <a:spcPts val="0"/>
+                        </a:spcBef>
+                        <a:spcAft>
+                          <a:spcPts val="0"/>
+                        </a:spcAft>
+                        <a:buClrTx/>
+                        <a:buSzTx/>
+                        <a:buFontTx/>
+                        <a:buNone/>
+                        <a:tabLst/>
+                        <a:defRPr/>
+                      </a:pPr>
+                      <a:r>
+                        <a:rPr lang="de-DE" dirty="0" smtClean="0"/>
+                        <a:t>Gerüst(Welt) entwickeln</a:t>
+                      </a:r>
+                    </a:p>
+                    <a:p>
+                      <a:pPr marL="0" marR="0" indent="0" algn="l" defTabSz="457200" rtl="0" eaLnBrk="1" fontAlgn="auto" latinLnBrk="0" hangingPunct="1">
+                        <a:lnSpc>
+                          <a:spcPct val="100000"/>
+                        </a:lnSpc>
+                        <a:spcBef>
+                          <a:spcPts val="0"/>
+                        </a:spcBef>
+                        <a:spcAft>
+                          <a:spcPts val="0"/>
+                        </a:spcAft>
+                        <a:buClrTx/>
+                        <a:buSzTx/>
+                        <a:buFontTx/>
+                        <a:buNone/>
+                        <a:tabLst/>
+                        <a:defRPr/>
+                      </a:pPr>
+                      <a:r>
+                        <a:rPr lang="de-DE" dirty="0" smtClean="0"/>
+                        <a:t>Gameinteraktion</a:t>
+                      </a:r>
+                    </a:p>
+                    <a:p>
+                      <a:pPr marL="0" marR="0" indent="0" algn="l" defTabSz="457200" rtl="0" eaLnBrk="1" fontAlgn="auto" latinLnBrk="0" hangingPunct="1">
+                        <a:lnSpc>
+                          <a:spcPct val="100000"/>
+                        </a:lnSpc>
+                        <a:spcBef>
+                          <a:spcPts val="0"/>
+                        </a:spcBef>
+                        <a:spcAft>
+                          <a:spcPts val="0"/>
+                        </a:spcAft>
+                        <a:buClrTx/>
+                        <a:buSzTx/>
+                        <a:buFontTx/>
+                        <a:buNone/>
+                        <a:tabLst/>
+                        <a:defRPr/>
+                      </a:pPr>
+                      <a:r>
+                        <a:rPr lang="de-DE" dirty="0" smtClean="0"/>
+                        <a:t>      -</a:t>
+                      </a:r>
+                      <a:r>
+                        <a:rPr lang="de-DE" baseline="0" dirty="0" smtClean="0"/>
+                        <a:t> Pause</a:t>
+                      </a:r>
+                    </a:p>
+                    <a:p>
+                      <a:pPr marL="0" marR="0" indent="0" algn="l" defTabSz="457200" rtl="0" eaLnBrk="1" fontAlgn="auto" latinLnBrk="0" hangingPunct="1">
+                        <a:lnSpc>
+                          <a:spcPct val="100000"/>
+                        </a:lnSpc>
+                        <a:spcBef>
+                          <a:spcPts val="0"/>
+                        </a:spcBef>
+                        <a:spcAft>
+                          <a:spcPts val="0"/>
+                        </a:spcAft>
+                        <a:buClrTx/>
+                        <a:buSzTx/>
+                        <a:buFontTx/>
+                        <a:buNone/>
+                        <a:tabLst/>
+                        <a:defRPr/>
+                      </a:pPr>
+                      <a:r>
+                        <a:rPr lang="de-DE" baseline="0" dirty="0" smtClean="0"/>
+                        <a:t>      - Start</a:t>
+                      </a:r>
+                      <a:endParaRPr lang="de-DE" dirty="0" smtClean="0"/>
+                    </a:p>
+                    <a:p>
+                      <a:pPr marL="0" marR="0" indent="0" algn="l" defTabSz="457200" rtl="0" eaLnBrk="1" fontAlgn="auto" latinLnBrk="0" hangingPunct="1">
+                        <a:lnSpc>
+                          <a:spcPct val="100000"/>
+                        </a:lnSpc>
+                        <a:spcBef>
+                          <a:spcPts val="0"/>
+                        </a:spcBef>
+                        <a:spcAft>
+                          <a:spcPts val="0"/>
+                        </a:spcAft>
+                        <a:buClrTx/>
+                        <a:buSzTx/>
+                        <a:buFontTx/>
+                        <a:buNone/>
+                        <a:tabLst/>
+                        <a:defRPr/>
+                      </a:pPr>
+                      <a:r>
+                        <a:rPr lang="de-DE" dirty="0" smtClean="0"/>
+                        <a:t>Schlange erstellen</a:t>
+                      </a:r>
+                    </a:p>
+                    <a:p>
+                      <a:pPr marL="0" marR="0" indent="0" algn="l" defTabSz="457200" rtl="0" eaLnBrk="1" fontAlgn="auto" latinLnBrk="0" hangingPunct="1">
+                        <a:lnSpc>
+                          <a:spcPct val="100000"/>
+                        </a:lnSpc>
+                        <a:spcBef>
+                          <a:spcPts val="0"/>
+                        </a:spcBef>
+                        <a:spcAft>
+                          <a:spcPts val="0"/>
+                        </a:spcAft>
+                        <a:buClrTx/>
+                        <a:buSzTx/>
+                        <a:buFontTx/>
+                        <a:buNone/>
+                        <a:tabLst/>
+                        <a:defRPr/>
+                      </a:pPr>
+                      <a:r>
+                        <a:rPr lang="de-DE" dirty="0" smtClean="0"/>
+                        <a:t>Essen erscheint</a:t>
+                      </a:r>
+                    </a:p>
+                  </a:txBody>
+                  <a:tcPr/>
+                </a:tc>
+                <a:tc>
+                  <a:txBody>
+                    <a:bodyPr/>
+                    <a:lstStyle/>
+                    <a:p>
+                      <a:r>
+                        <a:rPr lang="de-DE" dirty="0" smtClean="0"/>
+                        <a:t>Ram</a:t>
+                      </a:r>
+                      <a:r>
+                        <a:rPr lang="de-DE" dirty="0" smtClean="0"/>
+                        <a:t>ón</a:t>
+                      </a:r>
+                      <a:endParaRPr lang="de-DE" dirty="0"/>
+                    </a:p>
+                  </a:txBody>
+                  <a:tcPr/>
+                </a:tc>
+              </a:tr>
+              <a:tr h="370840">
+                <a:tc>
+                  <a:txBody>
+                    <a:bodyPr/>
+                    <a:lstStyle/>
+                    <a:p>
+                      <a:r>
+                        <a:rPr lang="de-DE" dirty="0" smtClean="0"/>
+                        <a:t>Navigation</a:t>
+                      </a:r>
+                    </a:p>
+                    <a:p>
+                      <a:r>
+                        <a:rPr lang="de-DE" dirty="0" smtClean="0"/>
+                        <a:t>     - Steuerung</a:t>
+                      </a:r>
+                      <a:endParaRPr lang="de-DE" baseline="0" dirty="0" smtClean="0"/>
+                    </a:p>
+                    <a:p>
+                      <a:r>
+                        <a:rPr lang="de-DE" dirty="0" smtClean="0"/>
+                        <a:t>    </a:t>
+                      </a:r>
+                      <a:r>
+                        <a:rPr lang="de-DE" baseline="0" dirty="0" smtClean="0"/>
+                        <a:t> - Springen</a:t>
+                      </a:r>
+                      <a:endParaRPr lang="de-DE" dirty="0" smtClean="0"/>
+                    </a:p>
+                    <a:p>
+                      <a:r>
+                        <a:rPr lang="de-DE" dirty="0" smtClean="0"/>
+                        <a:t>High </a:t>
+                      </a:r>
+                      <a:r>
+                        <a:rPr lang="de-DE" dirty="0" err="1" smtClean="0"/>
+                        <a:t>Scoure</a:t>
+                      </a:r>
+                      <a:endParaRPr lang="de-DE" dirty="0" smtClean="0"/>
+                    </a:p>
+                    <a:p>
+                      <a:r>
+                        <a:rPr lang="de-DE" dirty="0" smtClean="0"/>
+                        <a:t>     </a:t>
+                      </a:r>
+                      <a:r>
+                        <a:rPr lang="de-DE" baseline="0" dirty="0" smtClean="0"/>
+                        <a:t> - Essen zählen</a:t>
+                      </a:r>
+                      <a:endParaRPr lang="de-DE" dirty="0"/>
+                    </a:p>
+                  </a:txBody>
+                  <a:tcPr/>
+                </a:tc>
+                <a:tc>
+                  <a:txBody>
+                    <a:bodyPr/>
+                    <a:lstStyle/>
+                    <a:p>
+                      <a:r>
+                        <a:rPr lang="de-DE" dirty="0" smtClean="0"/>
+                        <a:t>Meltem</a:t>
+                      </a:r>
+                      <a:endParaRPr lang="de-DE" dirty="0"/>
+                    </a:p>
+                  </a:txBody>
+                  <a:tcPr/>
+                </a:tc>
+              </a:tr>
+              <a:tr h="370840">
+                <a:tc>
+                  <a:txBody>
+                    <a:bodyPr/>
+                    <a:lstStyle/>
+                    <a:p>
+                      <a:r>
+                        <a:rPr lang="de-DE" dirty="0" smtClean="0"/>
+                        <a:t>Kollision</a:t>
+                      </a:r>
+                    </a:p>
+                    <a:p>
+                      <a:r>
+                        <a:rPr lang="de-DE" dirty="0" smtClean="0"/>
+                        <a:t>     - Wand</a:t>
+                      </a:r>
+                    </a:p>
+                    <a:p>
+                      <a:r>
+                        <a:rPr lang="de-DE" dirty="0" smtClean="0"/>
+                        <a:t>     - Essen </a:t>
+                      </a:r>
+                    </a:p>
+                    <a:p>
+                      <a:r>
+                        <a:rPr lang="de-DE" dirty="0" smtClean="0"/>
+                        <a:t>Menü</a:t>
+                      </a:r>
+                    </a:p>
+                    <a:p>
+                      <a:r>
+                        <a:rPr lang="de-DE" dirty="0" smtClean="0"/>
+                        <a:t>     -</a:t>
+                      </a:r>
+                      <a:r>
+                        <a:rPr lang="de-DE" baseline="0" dirty="0" smtClean="0"/>
+                        <a:t> Anleitung</a:t>
+                      </a:r>
+                    </a:p>
+                    <a:p>
+                      <a:r>
+                        <a:rPr lang="de-DE" baseline="0" dirty="0" smtClean="0"/>
+                        <a:t>     - Start</a:t>
+                      </a:r>
+                      <a:endParaRPr lang="de-DE" dirty="0"/>
+                    </a:p>
+                  </a:txBody>
+                  <a:tcPr/>
+                </a:tc>
+                <a:tc>
+                  <a:txBody>
+                    <a:bodyPr/>
+                    <a:lstStyle/>
+                    <a:p>
+                      <a:r>
+                        <a:rPr lang="de-DE" dirty="0" smtClean="0"/>
+                        <a:t>Katharina</a:t>
+                      </a:r>
+                      <a:endParaRPr lang="de-DE" dirty="0"/>
+                    </a:p>
+                  </a:txBody>
+                  <a:tcPr/>
+                </a:tc>
+              </a:tr>
+            </a:tbl>
+          </a:graphicData>
+        </a:graphic>
+      </p:graphicFrame>
       <p:sp>
         <p:nvSpPr>
           <p:cNvPr id="5" name="Foliennummernplatzhalter 4"/>
@@ -4664,7 +5054,15 @@
           <a:p>
             <a:r>
               <a:rPr lang="de-DE" dirty="0" smtClean="0"/>
-              <a:t>Verantwortlichkeit</a:t>
+              <a:t>Zeitplan(</a:t>
+            </a:r>
+            <a:r>
+              <a:rPr lang="de-DE" dirty="0" err="1" smtClean="0"/>
+              <a:t>Wochenrytmus</a:t>
+            </a:r>
+            <a:r>
+              <a:rPr lang="de-DE" dirty="0" smtClean="0"/>
+              <a:t>)</a:t>
             </a:r>
             <a:br>
               <a:rPr lang="de-DE" dirty="0" smtClean="0"/>
@@ -4673,25 +5071,302 @@
           </a:p>
         </p:txBody>
       </p:sp>
-      <p:sp>
-        <p:nvSpPr>
-          <p:cNvPr id="3" name="Inhaltsplatzhalter 2"/>
-          <p:cNvSpPr>
-            <a:spLocks noGrp="1"/>
-          </p:cNvSpPr>
+      <p:graphicFrame>
+        <p:nvGraphicFramePr>
+          <p:cNvPr id="7" name="Inhaltsplatzhalter 6"/>
+          <p:cNvGraphicFramePr>
+            <a:graphicFrameLocks noGrp="1"/>
+          </p:cNvGraphicFramePr>
           <p:nvPr>
             <p:ph idx="1"/>
-          </p:nvPr>
-        </p:nvSpPr>
-        <p:spPr/>
-        <p:txBody>
-          <a:bodyPr/>
-          <a:lstStyle/>
-          <a:p>
-            <a:endParaRPr lang="de-DE"/>
-          </a:p>
-        </p:txBody>
-      </p:sp>
+            <p:extLst>
+              <p:ext uri="{D42A27DB-BD31-4B8C-83A1-F6EECF244321}">
+                <p14:modId xmlns:p14="http://schemas.microsoft.com/office/powerpoint/2010/main" val="496277167"/>
+              </p:ext>
+            </p:extLst>
+          </p:nvPr>
+        </p:nvGraphicFramePr>
+        <p:xfrm>
+          <a:off x="457200" y="1600200"/>
+          <a:ext cx="8229600" cy="2595880"/>
+        </p:xfrm>
+        <a:graphic>
+          <a:graphicData uri="http://schemas.openxmlformats.org/drawingml/2006/table">
+            <a:tbl>
+              <a:tblPr firstRow="1" bandRow="1">
+                <a:tableStyleId>{B301B821-A1FF-4177-AEE7-76D212191A09}</a:tableStyleId>
+              </a:tblPr>
+              <a:tblGrid>
+                <a:gridCol w="2142565"/>
+                <a:gridCol w="6087035"/>
+              </a:tblGrid>
+              <a:tr h="370840">
+                <a:tc>
+                  <a:txBody>
+                    <a:bodyPr/>
+                    <a:lstStyle/>
+                    <a:p>
+                      <a:r>
+                        <a:rPr lang="de-DE" dirty="0" smtClean="0"/>
+                        <a:t>Woche</a:t>
+                      </a:r>
+                      <a:endParaRPr lang="de-DE" dirty="0"/>
+                    </a:p>
+                  </a:txBody>
+                  <a:tcPr/>
+                </a:tc>
+                <a:tc>
+                  <a:txBody>
+                    <a:bodyPr/>
+                    <a:lstStyle/>
+                    <a:p>
+                      <a:r>
+                        <a:rPr lang="de-DE" dirty="0" smtClean="0"/>
+                        <a:t>Aufgabe</a:t>
+                      </a:r>
+                      <a:endParaRPr lang="de-DE" dirty="0"/>
+                    </a:p>
+                  </a:txBody>
+                  <a:tcPr/>
+                </a:tc>
+              </a:tr>
+              <a:tr h="370840">
+                <a:tc>
+                  <a:txBody>
+                    <a:bodyPr/>
+                    <a:lstStyle/>
+                    <a:p>
+                      <a:r>
+                        <a:rPr lang="de-DE" dirty="0" smtClean="0"/>
+                        <a:t>26 -28</a:t>
+                      </a:r>
+                      <a:endParaRPr lang="de-DE" dirty="0"/>
+                    </a:p>
+                  </a:txBody>
+                  <a:tcPr/>
+                </a:tc>
+                <a:tc>
+                  <a:txBody>
+                    <a:bodyPr/>
+                    <a:lstStyle/>
+                    <a:p>
+                      <a:r>
+                        <a:rPr lang="de-DE" dirty="0" smtClean="0"/>
+                        <a:t>1. Meilenstein</a:t>
+                      </a:r>
+                      <a:endParaRPr lang="de-DE" dirty="0"/>
+                    </a:p>
+                  </a:txBody>
+                  <a:tcPr/>
+                </a:tc>
+              </a:tr>
+              <a:tr h="370840">
+                <a:tc>
+                  <a:txBody>
+                    <a:bodyPr/>
+                    <a:lstStyle/>
+                    <a:p>
+                      <a:pPr marL="0" marR="0" indent="0" algn="l" defTabSz="457200" rtl="0" eaLnBrk="1" fontAlgn="auto" latinLnBrk="0" hangingPunct="1">
+                        <a:lnSpc>
+                          <a:spcPct val="100000"/>
+                        </a:lnSpc>
+                        <a:spcBef>
+                          <a:spcPts val="0"/>
+                        </a:spcBef>
+                        <a:spcAft>
+                          <a:spcPts val="0"/>
+                        </a:spcAft>
+                        <a:buClrTx/>
+                        <a:buSzTx/>
+                        <a:buFontTx/>
+                        <a:buNone/>
+                        <a:tabLst/>
+                        <a:defRPr/>
+                      </a:pPr>
+                      <a:r>
+                        <a:rPr lang="de-DE" dirty="0" smtClean="0"/>
+                        <a:t>29</a:t>
+                      </a:r>
+                      <a:r>
+                        <a:rPr lang="de-DE" baseline="0" dirty="0" smtClean="0"/>
+                        <a:t> – 31</a:t>
+                      </a:r>
+                      <a:endParaRPr lang="de-DE" dirty="0" smtClean="0"/>
+                    </a:p>
+                  </a:txBody>
+                  <a:tcPr/>
+                </a:tc>
+                <a:tc>
+                  <a:txBody>
+                    <a:bodyPr/>
+                    <a:lstStyle/>
+                    <a:p>
+                      <a:pPr marL="0" marR="0" indent="0" algn="l" defTabSz="457200" rtl="0" eaLnBrk="1" fontAlgn="auto" latinLnBrk="0" hangingPunct="1">
+                        <a:lnSpc>
+                          <a:spcPct val="100000"/>
+                        </a:lnSpc>
+                        <a:spcBef>
+                          <a:spcPts val="0"/>
+                        </a:spcBef>
+                        <a:spcAft>
+                          <a:spcPts val="0"/>
+                        </a:spcAft>
+                        <a:buClrTx/>
+                        <a:buSzTx/>
+                        <a:buFontTx/>
+                        <a:buNone/>
+                        <a:tabLst/>
+                        <a:defRPr/>
+                      </a:pPr>
+                      <a:r>
+                        <a:rPr lang="de-DE" dirty="0" smtClean="0"/>
+                        <a:t>Prüfungen</a:t>
+                      </a:r>
+                    </a:p>
+                  </a:txBody>
+                  <a:tcPr/>
+                </a:tc>
+              </a:tr>
+              <a:tr h="370840">
+                <a:tc>
+                  <a:txBody>
+                    <a:bodyPr/>
+                    <a:lstStyle/>
+                    <a:p>
+                      <a:r>
+                        <a:rPr lang="de-DE" dirty="0" smtClean="0"/>
+                        <a:t>32</a:t>
+                      </a:r>
+                      <a:r>
+                        <a:rPr lang="de-DE" baseline="0" dirty="0" smtClean="0"/>
+                        <a:t> – 34</a:t>
+                      </a:r>
+                      <a:endParaRPr lang="de-DE" dirty="0"/>
+                    </a:p>
+                  </a:txBody>
+                  <a:tcPr/>
+                </a:tc>
+                <a:tc>
+                  <a:txBody>
+                    <a:bodyPr/>
+                    <a:lstStyle/>
+                    <a:p>
+                      <a:r>
+                        <a:rPr lang="de-DE" dirty="0" smtClean="0"/>
+                        <a:t>2.</a:t>
+                      </a:r>
+                      <a:r>
+                        <a:rPr lang="de-DE" baseline="0" dirty="0" smtClean="0"/>
+                        <a:t> Meilenstein</a:t>
+                      </a:r>
+                      <a:endParaRPr lang="de-DE" dirty="0"/>
+                    </a:p>
+                  </a:txBody>
+                  <a:tcPr/>
+                </a:tc>
+              </a:tr>
+              <a:tr h="370840">
+                <a:tc>
+                  <a:txBody>
+                    <a:bodyPr/>
+                    <a:lstStyle/>
+                    <a:p>
+                      <a:r>
+                        <a:rPr lang="de-DE" dirty="0" smtClean="0"/>
+                        <a:t>35</a:t>
+                      </a:r>
+                      <a:r>
+                        <a:rPr lang="de-DE" baseline="0" dirty="0" smtClean="0"/>
+                        <a:t> – 37 </a:t>
+                      </a:r>
+                      <a:endParaRPr lang="de-DE" dirty="0"/>
+                    </a:p>
+                  </a:txBody>
+                  <a:tcPr/>
+                </a:tc>
+                <a:tc>
+                  <a:txBody>
+                    <a:bodyPr/>
+                    <a:lstStyle/>
+                    <a:p>
+                      <a:r>
+                        <a:rPr lang="de-DE" dirty="0" smtClean="0"/>
+                        <a:t>3.</a:t>
+                      </a:r>
+                      <a:r>
+                        <a:rPr lang="de-DE" baseline="0" dirty="0" smtClean="0"/>
+                        <a:t> Meilenstein</a:t>
+                      </a:r>
+                      <a:endParaRPr lang="de-DE" dirty="0"/>
+                    </a:p>
+                  </a:txBody>
+                  <a:tcPr/>
+                </a:tc>
+              </a:tr>
+              <a:tr h="370840">
+                <a:tc>
+                  <a:txBody>
+                    <a:bodyPr/>
+                    <a:lstStyle/>
+                    <a:p>
+                      <a:r>
+                        <a:rPr lang="de-DE" dirty="0" smtClean="0"/>
+                        <a:t>38 – 40</a:t>
+                      </a:r>
+                      <a:endParaRPr lang="de-DE" dirty="0"/>
+                    </a:p>
+                  </a:txBody>
+                  <a:tcPr/>
+                </a:tc>
+                <a:tc>
+                  <a:txBody>
+                    <a:bodyPr/>
+                    <a:lstStyle/>
+                    <a:p>
+                      <a:r>
+                        <a:rPr lang="de-DE" dirty="0" smtClean="0"/>
+                        <a:t>4. Meilenstein</a:t>
+                      </a:r>
+                      <a:endParaRPr lang="de-DE" dirty="0"/>
+                    </a:p>
+                  </a:txBody>
+                  <a:tcPr/>
+                </a:tc>
+              </a:tr>
+              <a:tr h="370840">
+                <a:tc>
+                  <a:txBody>
+                    <a:bodyPr/>
+                    <a:lstStyle/>
+                    <a:p>
+                      <a:r>
+                        <a:rPr lang="de-DE" dirty="0" smtClean="0"/>
+                        <a:t>41</a:t>
+                      </a:r>
+                      <a:endParaRPr lang="de-DE" dirty="0"/>
+                    </a:p>
+                  </a:txBody>
+                  <a:tcPr/>
+                </a:tc>
+                <a:tc>
+                  <a:txBody>
+                    <a:bodyPr/>
+                    <a:lstStyle/>
+                    <a:p>
+                      <a:r>
+                        <a:rPr lang="de-DE" dirty="0" smtClean="0"/>
+                        <a:t>Finale Präsentation</a:t>
+                      </a:r>
+                      <a:endParaRPr lang="de-DE" dirty="0"/>
+                    </a:p>
+                  </a:txBody>
+                  <a:tcPr/>
+                </a:tc>
+              </a:tr>
+            </a:tbl>
+          </a:graphicData>
+        </a:graphic>
+      </p:graphicFrame>
       <p:sp>
         <p:nvSpPr>
           <p:cNvPr id="5" name="Foliennummernplatzhalter 4"/>
@@ -4749,7 +5424,7 @@
     </p:spTree>
     <p:extLst>
       <p:ext uri="{BB962C8B-B14F-4D97-AF65-F5344CB8AC3E}">
-        <p14:creationId xmlns:p14="http://schemas.microsoft.com/office/powerpoint/2010/main" val="3505489395"/>
+        <p14:creationId xmlns:p14="http://schemas.microsoft.com/office/powerpoint/2010/main" val="4134927973"/>
       </p:ext>
     </p:extLst>
   </p:cSld>
@@ -4788,49 +5463,274 @@
         </p:nvSpPr>
         <p:spPr/>
         <p:txBody>
-          <a:bodyPr>
-            <a:normAutofit fontScale="90000"/>
-          </a:bodyPr>
+          <a:bodyPr/>
           <a:lstStyle/>
           <a:p>
             <a:r>
               <a:rPr lang="de-DE" dirty="0" smtClean="0"/>
-              <a:t>Zeitplan(</a:t>
-            </a:r>
-            <a:r>
-              <a:rPr lang="de-DE" dirty="0" err="1" smtClean="0"/>
-              <a:t>Wochenrytmus</a:t>
-            </a:r>
-            <a:r>
-              <a:rPr lang="de-DE" dirty="0" smtClean="0"/>
-              <a:t>)</a:t>
-            </a:r>
-            <a:br>
-              <a:rPr lang="de-DE" dirty="0" smtClean="0"/>
-            </a:br>
+              <a:t>Meilensteine</a:t>
+            </a:r>
             <a:endParaRPr lang="de-DE" dirty="0"/>
           </a:p>
         </p:txBody>
       </p:sp>
-      <p:sp>
-        <p:nvSpPr>
-          <p:cNvPr id="3" name="Inhaltsplatzhalter 2"/>
-          <p:cNvSpPr>
-            <a:spLocks noGrp="1"/>
-          </p:cNvSpPr>
+      <p:graphicFrame>
+        <p:nvGraphicFramePr>
+          <p:cNvPr id="4" name="Inhaltsplatzhalter 3"/>
+          <p:cNvGraphicFramePr>
+            <a:graphicFrameLocks noGrp="1"/>
+          </p:cNvGraphicFramePr>
           <p:nvPr>
             <p:ph idx="1"/>
-          </p:nvPr>
-        </p:nvSpPr>
-        <p:spPr/>
-        <p:txBody>
-          <a:bodyPr/>
-          <a:lstStyle/>
-          <a:p>
-            <a:endParaRPr lang="de-DE"/>
-          </a:p>
-        </p:txBody>
-      </p:sp>
+            <p:extLst>
+              <p:ext uri="{D42A27DB-BD31-4B8C-83A1-F6EECF244321}">
+                <p14:modId xmlns:p14="http://schemas.microsoft.com/office/powerpoint/2010/main" val="695649721"/>
+              </p:ext>
+            </p:extLst>
+          </p:nvPr>
+        </p:nvGraphicFramePr>
+        <p:xfrm>
+          <a:off x="457200" y="1600200"/>
+          <a:ext cx="8229600" cy="4577079"/>
+        </p:xfrm>
+        <a:graphic>
+          <a:graphicData uri="http://schemas.openxmlformats.org/drawingml/2006/table">
+            <a:tbl>
+              <a:tblPr firstRow="1" bandRow="1">
+                <a:tableStyleId>{5C22544A-7EE6-4342-B048-85BDC9FD1C3A}</a:tableStyleId>
+              </a:tblPr>
+              <a:tblGrid>
+                <a:gridCol w="708212"/>
+                <a:gridCol w="7521388"/>
+              </a:tblGrid>
+              <a:tr h="370840">
+                <a:tc>
+                  <a:txBody>
+                    <a:bodyPr/>
+                    <a:lstStyle/>
+                    <a:p>
+                      <a:endParaRPr lang="de-DE" dirty="0"/>
+                    </a:p>
+                  </a:txBody>
+                  <a:tcPr/>
+                </a:tc>
+                <a:tc>
+                  <a:txBody>
+                    <a:bodyPr/>
+                    <a:lstStyle/>
+                    <a:p>
+                      <a:endParaRPr lang="de-DE"/>
+                    </a:p>
+                  </a:txBody>
+                  <a:tcPr/>
+                </a:tc>
+              </a:tr>
+              <a:tr h="370840">
+                <a:tc>
+                  <a:txBody>
+                    <a:bodyPr/>
+                    <a:lstStyle/>
+                    <a:p>
+                      <a:r>
+                        <a:rPr lang="de-DE" dirty="0" smtClean="0"/>
+                        <a:t>1.</a:t>
+                      </a:r>
+                      <a:endParaRPr lang="de-DE" dirty="0"/>
+                    </a:p>
+                  </a:txBody>
+                  <a:tcPr/>
+                </a:tc>
+                <a:tc>
+                  <a:txBody>
+                    <a:bodyPr/>
+                    <a:lstStyle/>
+                    <a:p>
+                      <a:r>
+                        <a:rPr lang="de-DE" dirty="0" smtClean="0"/>
+                        <a:t>- Schauplatz</a:t>
+                      </a:r>
+                    </a:p>
+                    <a:p>
+                      <a:pPr marL="0" indent="0">
+                        <a:buFontTx/>
+                        <a:buNone/>
+                      </a:pPr>
+                      <a:r>
+                        <a:rPr lang="de-DE" dirty="0" smtClean="0"/>
+                        <a:t>- Schlange</a:t>
+                      </a:r>
+                    </a:p>
+                    <a:p>
+                      <a:pPr marL="0" indent="0">
+                        <a:buFontTx/>
+                        <a:buNone/>
+                      </a:pPr>
+                      <a:r>
+                        <a:rPr lang="de-DE" dirty="0" smtClean="0"/>
+                        <a:t>- HTML</a:t>
+                      </a:r>
+                      <a:endParaRPr lang="de-DE" dirty="0"/>
+                    </a:p>
+                  </a:txBody>
+                  <a:tcPr/>
+                </a:tc>
+              </a:tr>
+              <a:tr h="370840">
+                <a:tc>
+                  <a:txBody>
+                    <a:bodyPr/>
+                    <a:lstStyle/>
+                    <a:p>
+                      <a:r>
+                        <a:rPr lang="de-DE" dirty="0" smtClean="0"/>
+                        <a:t>2.</a:t>
+                      </a:r>
+                      <a:endParaRPr lang="de-DE" dirty="0"/>
+                    </a:p>
+                  </a:txBody>
+                  <a:tcPr/>
+                </a:tc>
+                <a:tc>
+                  <a:txBody>
+                    <a:bodyPr/>
+                    <a:lstStyle/>
+                    <a:p>
+                      <a:r>
+                        <a:rPr lang="de-DE" dirty="0" smtClean="0"/>
+                        <a:t>- Navigation</a:t>
+                      </a:r>
+                      <a:r>
+                        <a:rPr lang="de-DE" baseline="0" dirty="0" smtClean="0"/>
+                        <a:t> u. Steuerung</a:t>
+                      </a:r>
+                    </a:p>
+                    <a:p>
+                      <a:r>
+                        <a:rPr lang="de-DE" baseline="0" dirty="0" smtClean="0"/>
+                        <a:t>- Wachsen u. Schrumpfen </a:t>
+                      </a:r>
+                    </a:p>
+                    <a:p>
+                      <a:r>
+                        <a:rPr lang="de-DE" baseline="0" dirty="0" smtClean="0"/>
+                        <a:t>- Essen</a:t>
+                      </a:r>
+                      <a:endParaRPr lang="de-DE" dirty="0"/>
+                    </a:p>
+                  </a:txBody>
+                  <a:tcPr/>
+                </a:tc>
+              </a:tr>
+              <a:tr h="370840">
+                <a:tc>
+                  <a:txBody>
+                    <a:bodyPr/>
+                    <a:lstStyle/>
+                    <a:p>
+                      <a:r>
+                        <a:rPr lang="de-DE" dirty="0" smtClean="0"/>
+                        <a:t>3.</a:t>
+                      </a:r>
+                      <a:endParaRPr lang="de-DE" dirty="0"/>
+                    </a:p>
+                  </a:txBody>
+                  <a:tcPr/>
+                </a:tc>
+                <a:tc>
+                  <a:txBody>
+                    <a:bodyPr/>
+                    <a:lstStyle/>
+                    <a:p>
+                      <a:r>
+                        <a:rPr lang="de-DE" dirty="0" smtClean="0"/>
+                        <a:t>- Menü</a:t>
+                      </a:r>
+                    </a:p>
+                    <a:p>
+                      <a:r>
+                        <a:rPr lang="de-DE" dirty="0" smtClean="0"/>
+                        <a:t>- Start</a:t>
+                      </a:r>
+                      <a:r>
+                        <a:rPr lang="de-DE" baseline="0" dirty="0" smtClean="0"/>
+                        <a:t> u. Pause</a:t>
+                      </a:r>
+                    </a:p>
+                    <a:p>
+                      <a:r>
+                        <a:rPr lang="de-DE" baseline="0" dirty="0" smtClean="0"/>
+                        <a:t>- Spielstand</a:t>
+                      </a:r>
+                    </a:p>
+                    <a:p>
+                      <a:r>
+                        <a:rPr lang="de-DE" baseline="0" dirty="0" smtClean="0"/>
+                        <a:t>- Wände Portalfunktion</a:t>
+                      </a:r>
+                      <a:endParaRPr lang="de-DE" dirty="0"/>
+                    </a:p>
+                  </a:txBody>
+                  <a:tcPr/>
+                </a:tc>
+              </a:tr>
+              <a:tr h="370840">
+                <a:tc>
+                  <a:txBody>
+                    <a:bodyPr/>
+                    <a:lstStyle/>
+                    <a:p>
+                      <a:r>
+                        <a:rPr lang="de-DE" dirty="0" smtClean="0"/>
+                        <a:t>4</a:t>
+                      </a:r>
+                      <a:endParaRPr lang="de-DE" dirty="0"/>
+                    </a:p>
+                  </a:txBody>
+                  <a:tcPr/>
+                </a:tc>
+                <a:tc>
+                  <a:txBody>
+                    <a:bodyPr/>
+                    <a:lstStyle/>
+                    <a:p>
+                      <a:r>
+                        <a:rPr lang="de-DE" dirty="0" err="1" smtClean="0"/>
+                        <a:t>Testing</a:t>
+                      </a:r>
+                      <a:endParaRPr lang="de-DE" dirty="0" smtClean="0"/>
+                    </a:p>
+                    <a:p>
+                      <a:r>
+                        <a:rPr lang="de-DE" dirty="0" err="1" smtClean="0"/>
+                        <a:t>Bugfix</a:t>
+                      </a:r>
+                      <a:endParaRPr lang="de-DE" dirty="0" smtClean="0"/>
+                    </a:p>
+                    <a:p>
+                      <a:r>
+                        <a:rPr lang="de-DE" dirty="0" smtClean="0"/>
+                        <a:t>Logo</a:t>
+                      </a:r>
+                    </a:p>
+                    <a:p>
+                      <a:r>
+                        <a:rPr lang="de-DE" dirty="0" smtClean="0"/>
+                        <a:t>Finale</a:t>
+                      </a:r>
+                      <a:r>
+                        <a:rPr lang="de-DE" baseline="0" dirty="0" smtClean="0"/>
+                        <a:t> Präsentation</a:t>
+                      </a:r>
+                      <a:endParaRPr lang="de-DE" dirty="0" smtClean="0"/>
+                    </a:p>
+                  </a:txBody>
+                  <a:tcPr/>
+                </a:tc>
+              </a:tr>
+            </a:tbl>
+          </a:graphicData>
+        </a:graphic>
+      </p:graphicFrame>
       <p:sp>
         <p:nvSpPr>
           <p:cNvPr id="5" name="Foliennummernplatzhalter 4"/>
@@ -4888,7 +5788,7 @@
     </p:spTree>
     <p:extLst>
       <p:ext uri="{BB962C8B-B14F-4D97-AF65-F5344CB8AC3E}">
-        <p14:creationId xmlns:p14="http://schemas.microsoft.com/office/powerpoint/2010/main" val="4134927973"/>
+        <p14:creationId xmlns:p14="http://schemas.microsoft.com/office/powerpoint/2010/main" val="550613992"/>
       </p:ext>
     </p:extLst>
   </p:cSld>
@@ -4932,7 +5832,7 @@
           <a:p>
             <a:r>
               <a:rPr lang="de-DE" dirty="0" smtClean="0"/>
-              <a:t>Meilensteine</a:t>
+              <a:t>Risiko</a:t>
             </a:r>
             <a:endParaRPr lang="de-DE" dirty="0"/>
           </a:p>
@@ -4953,7 +5853,55 @@
           <a:bodyPr/>
           <a:lstStyle/>
           <a:p>
-            <a:endParaRPr lang="de-DE"/>
+            <a:r>
+              <a:rPr lang="de-DE" dirty="0" err="1" smtClean="0"/>
+              <a:t>Three</a:t>
+            </a:r>
+            <a:r>
+              <a:rPr lang="de-DE" dirty="0" err="1" smtClean="0"/>
+              <a:t>.js</a:t>
+            </a:r>
+            <a:r>
+              <a:rPr lang="de-DE" dirty="0" smtClean="0"/>
+              <a:t> nicht verstehen</a:t>
+            </a:r>
+          </a:p>
+          <a:p>
+            <a:r>
+              <a:rPr lang="de-DE" dirty="0" smtClean="0"/>
+              <a:t>Fehler in der Programmierung</a:t>
+            </a:r>
+          </a:p>
+          <a:p>
+            <a:r>
+              <a:rPr lang="de-DE" dirty="0" smtClean="0"/>
+              <a:t>Gruppe demotiviert</a:t>
+            </a:r>
+          </a:p>
+          <a:p>
+            <a:r>
+              <a:rPr lang="de-DE" dirty="0" smtClean="0"/>
+              <a:t>Überschätz</a:t>
+            </a:r>
+          </a:p>
+          <a:p>
+            <a:r>
+              <a:rPr lang="de-DE" dirty="0" smtClean="0"/>
+              <a:t>Technikausfall</a:t>
+            </a:r>
+          </a:p>
+          <a:p>
+            <a:r>
+              <a:rPr lang="de-DE" dirty="0" smtClean="0"/>
+              <a:t>Krankheitsausfälle</a:t>
+            </a:r>
+          </a:p>
+          <a:p>
+            <a:r>
+              <a:rPr lang="de-DE" smtClean="0"/>
+              <a:t>Schönes Wetter </a:t>
+            </a:r>
+            <a:endParaRPr lang="de-DE" dirty="0"/>
           </a:p>
         </p:txBody>
       </p:sp>
@@ -5002,132 +5950,6 @@
             <a:fld id="{0A097ED9-F555-3646-97DF-32BC18C12F43}" type="slidenum">
               <a:rPr lang="de-DE" smtClean="0"/>
               <a:t>8</a:t>
-            </a:fld>
-            <a:r>
-              <a:rPr lang="de-DE" dirty="0" smtClean="0"/>
-              <a:t> von </a:t>
-            </a:r>
-            <a:endParaRPr lang="de-DE" dirty="0"/>
-          </a:p>
-        </p:txBody>
-      </p:sp>
-    </p:spTree>
-    <p:extLst>
-      <p:ext uri="{BB962C8B-B14F-4D97-AF65-F5344CB8AC3E}">
-        <p14:creationId xmlns:p14="http://schemas.microsoft.com/office/powerpoint/2010/main" val="550613992"/>
-      </p:ext>
-    </p:extLst>
-  </p:cSld>
-  <p:clrMapOvr>
-    <a:masterClrMapping/>
-  </p:clrMapOvr>
-</p:sld>
-</file>
-
-<file path=ppt/slides/slide9.xml><?xml version="1.0" encoding="utf-8"?>
-<p:sld xmlns:a="http://schemas.openxmlformats.org/drawingml/2006/main" xmlns:r="http://schemas.openxmlformats.org/officeDocument/2006/relationships" xmlns:p="http://schemas.openxmlformats.org/presentationml/2006/main">
-  <p:cSld>
-    <p:spTree>
-      <p:nvGrpSpPr>
-        <p:cNvPr id="1" name=""/>
-        <p:cNvGrpSpPr/>
-        <p:nvPr/>
-      </p:nvGrpSpPr>
-      <p:grpSpPr>
-        <a:xfrm>
-          <a:off x="0" y="0"/>
-          <a:ext cx="0" cy="0"/>
-          <a:chOff x="0" y="0"/>
-          <a:chExt cx="0" cy="0"/>
-        </a:xfrm>
-      </p:grpSpPr>
-      <p:sp>
-        <p:nvSpPr>
-          <p:cNvPr id="2" name="Titel 1"/>
-          <p:cNvSpPr>
-            <a:spLocks noGrp="1"/>
-          </p:cNvSpPr>
-          <p:nvPr>
-            <p:ph type="title"/>
-          </p:nvPr>
-        </p:nvSpPr>
-        <p:spPr/>
-        <p:txBody>
-          <a:bodyPr/>
-          <a:lstStyle/>
-          <a:p>
-            <a:r>
-              <a:rPr lang="de-DE" dirty="0" smtClean="0"/>
-              <a:t>Risiko</a:t>
-            </a:r>
-            <a:endParaRPr lang="de-DE" dirty="0"/>
-          </a:p>
-        </p:txBody>
-      </p:sp>
-      <p:sp>
-        <p:nvSpPr>
-          <p:cNvPr id="3" name="Inhaltsplatzhalter 2"/>
-          <p:cNvSpPr>
-            <a:spLocks noGrp="1"/>
-          </p:cNvSpPr>
-          <p:nvPr>
-            <p:ph idx="1"/>
-          </p:nvPr>
-        </p:nvSpPr>
-        <p:spPr/>
-        <p:txBody>
-          <a:bodyPr/>
-          <a:lstStyle/>
-          <a:p>
-            <a:endParaRPr lang="de-DE"/>
-          </a:p>
-        </p:txBody>
-      </p:sp>
-      <p:sp>
-        <p:nvSpPr>
-          <p:cNvPr id="5" name="Foliennummernplatzhalter 4"/>
-          <p:cNvSpPr>
-            <a:spLocks noGrp="1"/>
-          </p:cNvSpPr>
-          <p:nvPr>
-            <p:ph type="sldNum" sz="quarter" idx="12"/>
-          </p:nvPr>
-        </p:nvSpPr>
-        <p:spPr/>
-        <p:txBody>
-          <a:bodyPr/>
-          <a:lstStyle/>
-          <a:p>
-            <a:fld id="{8C23CA4F-E948-324D-AE99-93DD634CB28D}" type="slidenum">
-              <a:rPr lang="de-DE" smtClean="0"/>
-              <a:t>9</a:t>
-            </a:fld>
-            <a:endParaRPr lang="de-DE"/>
-          </a:p>
-        </p:txBody>
-      </p:sp>
-      <p:sp>
-        <p:nvSpPr>
-          <p:cNvPr id="6" name="Fußzeilenplatzhalter 5"/>
-          <p:cNvSpPr>
-            <a:spLocks noGrp="1"/>
-          </p:cNvSpPr>
-          <p:nvPr>
-            <p:ph type="ftr" sz="quarter" idx="11"/>
-          </p:nvPr>
-        </p:nvSpPr>
-        <p:spPr/>
-        <p:txBody>
-          <a:bodyPr/>
-          <a:lstStyle/>
-          <a:p>
-            <a:r>
-              <a:rPr lang="de-DE" dirty="0" smtClean="0"/>
-              <a:t>Seite </a:t>
-            </a:r>
-            <a:fld id="{0A097ED9-F555-3646-97DF-32BC18C12F43}" type="slidenum">
-              <a:rPr lang="de-DE" smtClean="0"/>
-              <a:t>9</a:t>
             </a:fld>
             <a:r>
               <a:rPr lang="de-DE" dirty="0" smtClean="0"/>

--- a/Planungspraesentation-Mitte Juni/Planungspräsentation V. 1.pptx
+++ b/Planungspraesentation-Mitte Juni/Planungspräsentation V. 1.pptx
@@ -118,6 +118,22 @@
       </a:defRPr>
     </a:lvl9pPr>
   </p:defaultTextStyle>
+  <p:extLst>
+    <p:ext uri="{EFAFB233-063F-42B5-8137-9DF3F51BA10A}">
+      <p15:sldGuideLst xmlns:p15="http://schemas.microsoft.com/office/powerpoint/2012/main">
+        <p15:guide id="1" orient="horz" pos="2160">
+          <p15:clr>
+            <a:srgbClr val="A4A3A4"/>
+          </p15:clr>
+        </p15:guide>
+        <p15:guide id="2" pos="2880">
+          <p15:clr>
+            <a:srgbClr val="A4A3A4"/>
+          </p15:clr>
+        </p15:guide>
+      </p15:sldGuideLst>
+    </p:ext>
+  </p:extLst>
 </p:presentation>
 </file>
 
@@ -203,7 +219,7 @@
           <a:p>
             <a:fld id="{B4FF162B-CE6F-6948-9E4E-CF339F017EF0}" type="datetime1">
               <a:rPr lang="de-DE" smtClean="0"/>
-              <a:t>17.06.15</a:t>
+              <a:t>19.06.2015</a:t>
             </a:fld>
             <a:endParaRPr lang="de-DE"/>
           </a:p>
@@ -369,7 +385,7 @@
           <a:p>
             <a:fld id="{F8F687C1-49B9-FC43-A5F5-4E2CAE8623DA}" type="datetime1">
               <a:rPr lang="de-DE" smtClean="0"/>
-              <a:t>17.06.15</a:t>
+              <a:t>19.06.2015</a:t>
             </a:fld>
             <a:endParaRPr lang="de-DE"/>
           </a:p>
@@ -903,7 +919,7 @@
           <a:p>
             <a:fld id="{1DACE3BB-339C-AD47-A52D-662320F7C205}" type="datetime1">
               <a:rPr lang="de-DE" smtClean="0"/>
-              <a:t>17.06.15</a:t>
+              <a:t>19.06.2015</a:t>
             </a:fld>
             <a:endParaRPr lang="de-DE"/>
           </a:p>
@@ -1073,7 +1089,7 @@
           <a:p>
             <a:fld id="{F42559F4-B3EB-344D-B633-69F007223D30}" type="datetime1">
               <a:rPr lang="de-DE" smtClean="0"/>
-              <a:t>17.06.15</a:t>
+              <a:t>19.06.2015</a:t>
             </a:fld>
             <a:endParaRPr lang="de-DE"/>
           </a:p>
@@ -1253,7 +1269,7 @@
           <a:p>
             <a:fld id="{42AF2205-F992-9F41-987F-7238F8B9F0B5}" type="datetime1">
               <a:rPr lang="de-DE" smtClean="0"/>
-              <a:t>17.06.15</a:t>
+              <a:t>19.06.2015</a:t>
             </a:fld>
             <a:endParaRPr lang="de-DE"/>
           </a:p>
@@ -1423,7 +1439,7 @@
           <a:p>
             <a:fld id="{FF84A754-A284-FB40-B909-6C25294AD20F}" type="datetime1">
               <a:rPr lang="de-DE" smtClean="0"/>
-              <a:t>17.06.15</a:t>
+              <a:t>19.06.2015</a:t>
             </a:fld>
             <a:endParaRPr lang="de-DE"/>
           </a:p>
@@ -1669,7 +1685,7 @@
           <a:p>
             <a:fld id="{CA605955-6352-BD4C-B0F3-ECEE8C6EE720}" type="datetime1">
               <a:rPr lang="de-DE" smtClean="0"/>
-              <a:t>17.06.15</a:t>
+              <a:t>19.06.2015</a:t>
             </a:fld>
             <a:endParaRPr lang="de-DE"/>
           </a:p>
@@ -1957,7 +1973,7 @@
           <a:p>
             <a:fld id="{C86AEEF6-0385-0844-9861-D3417F6C1E98}" type="datetime1">
               <a:rPr lang="de-DE" smtClean="0"/>
-              <a:t>17.06.15</a:t>
+              <a:t>19.06.2015</a:t>
             </a:fld>
             <a:endParaRPr lang="de-DE"/>
           </a:p>
@@ -2379,7 +2395,7 @@
           <a:p>
             <a:fld id="{84A495D8-31AC-6141-A708-923E383D2969}" type="datetime1">
               <a:rPr lang="de-DE" smtClean="0"/>
-              <a:t>17.06.15</a:t>
+              <a:t>19.06.2015</a:t>
             </a:fld>
             <a:endParaRPr lang="de-DE"/>
           </a:p>
@@ -2497,7 +2513,7 @@
           <a:p>
             <a:fld id="{6B9BBFBE-94A6-EE41-BDE2-C36DF8BDD6AC}" type="datetime1">
               <a:rPr lang="de-DE" smtClean="0"/>
-              <a:t>17.06.15</a:t>
+              <a:t>19.06.2015</a:t>
             </a:fld>
             <a:endParaRPr lang="de-DE"/>
           </a:p>
@@ -2592,7 +2608,7 @@
           <a:p>
             <a:fld id="{8A3BDDF1-32E1-AA48-AD7E-B28DB9397AA4}" type="datetime1">
               <a:rPr lang="de-DE" smtClean="0"/>
-              <a:t>17.06.15</a:t>
+              <a:t>19.06.2015</a:t>
             </a:fld>
             <a:endParaRPr lang="de-DE"/>
           </a:p>
@@ -2869,7 +2885,7 @@
           <a:p>
             <a:fld id="{BF30ED29-63A2-654D-9D7C-1CB6D6E00183}" type="datetime1">
               <a:rPr lang="de-DE" smtClean="0"/>
-              <a:t>17.06.15</a:t>
+              <a:t>19.06.2015</a:t>
             </a:fld>
             <a:endParaRPr lang="de-DE"/>
           </a:p>
@@ -3122,7 +3138,7 @@
           <a:p>
             <a:fld id="{4FB359BF-9004-C740-93E9-376A57F77EA5}" type="datetime1">
               <a:rPr lang="de-DE" smtClean="0"/>
-              <a:t>17.06.15</a:t>
+              <a:t>19.06.2015</a:t>
             </a:fld>
             <a:endParaRPr lang="de-DE"/>
           </a:p>
@@ -3335,7 +3351,7 @@
           <a:p>
             <a:fld id="{88615D7D-6342-384A-A16F-53E369E57F7B}" type="datetime1">
               <a:rPr lang="de-DE" smtClean="0"/>
-              <a:t>17.06.15</a:t>
+              <a:t>19.06.2015</a:t>
             </a:fld>
             <a:endParaRPr lang="de-DE"/>
           </a:p>
@@ -3768,11 +3784,15 @@
             <a:pPr algn="l"/>
             <a:r>
               <a:rPr lang="de-DE" sz="2000" dirty="0" smtClean="0"/>
-              <a:t>Teammitglieder: Ramón </a:t>
-            </a:r>
-            <a:r>
-              <a:rPr lang="de-DE" sz="2000" dirty="0" err="1" smtClean="0"/>
-              <a:t>Willhelm</a:t>
+              <a:t>Teammitglieder: </a:t>
+            </a:r>
+            <a:r>
+              <a:rPr lang="de-DE" sz="2000" smtClean="0"/>
+              <a:t>Ramón </a:t>
+            </a:r>
+            <a:r>
+              <a:rPr lang="de-DE" sz="2000" smtClean="0"/>
+              <a:t>Wilhelm</a:t>
             </a:r>
             <a:endParaRPr lang="de-DE" sz="2000" dirty="0" smtClean="0"/>
           </a:p>

--- a/Planungspraesentation-Mitte Juni/Planungspräsentation V. 1.pptx
+++ b/Planungspraesentation-Mitte Juni/Planungspräsentation V. 1.pptx
@@ -3788,11 +3788,7 @@
             </a:r>
             <a:r>
               <a:rPr lang="de-DE" sz="2000" smtClean="0"/>
-              <a:t>Ramón </a:t>
-            </a:r>
-            <a:r>
-              <a:rPr lang="de-DE" sz="2000" smtClean="0"/>
-              <a:t>Wilhelm</a:t>
+              <a:t>Ramón Wilhelm</a:t>
             </a:r>
             <a:endParaRPr lang="de-DE" sz="2000" dirty="0" smtClean="0"/>
           </a:p>
@@ -4166,7 +4162,7 @@
             </a:r>
             <a:r>
               <a:rPr lang="de-DE" dirty="0" err="1" smtClean="0"/>
-              <a:t>Wochenrytmus</a:t>
+              <a:t>Wochenrythmus</a:t>
             </a:r>
             <a:r>
               <a:rPr lang="de-DE" dirty="0" smtClean="0"/>
@@ -4819,7 +4815,7 @@
             </a:r>
             <a:r>
               <a:rPr lang="de-DE" dirty="0" err="1" smtClean="0"/>
-              <a:t>Wochenrytmus</a:t>
+              <a:t>Wochenrythmus</a:t>
             </a:r>
             <a:r>
               <a:rPr lang="de-DE" dirty="0" smtClean="0"/>

--- a/Planungspraesentation-Mitte Juni/Planungspräsentation V. 1.pptx
+++ b/Planungspraesentation-Mitte Juni/Planungspräsentation V. 1.pptx
@@ -117,6 +117,22 @@
       </a:defRPr>
     </a:lvl9pPr>
   </p:defaultTextStyle>
+  <p:extLst>
+    <p:ext uri="{EFAFB233-063F-42B5-8137-9DF3F51BA10A}">
+      <p15:sldGuideLst xmlns:p15="http://schemas.microsoft.com/office/powerpoint/2012/main">
+        <p15:guide id="1" orient="horz" pos="2160">
+          <p15:clr>
+            <a:srgbClr val="A4A3A4"/>
+          </p15:clr>
+        </p15:guide>
+        <p15:guide id="2" pos="2880">
+          <p15:clr>
+            <a:srgbClr val="A4A3A4"/>
+          </p15:clr>
+        </p15:guide>
+      </p15:sldGuideLst>
+    </p:ext>
+  </p:extLst>
 </p:presentation>
 </file>
 
@@ -202,7 +218,7 @@
           <a:p>
             <a:fld id="{B4FF162B-CE6F-6948-9E4E-CF339F017EF0}" type="datetime1">
               <a:rPr lang="de-DE" smtClean="0"/>
-              <a:t>19.06.15</a:t>
+              <a:t>20.06.2015</a:t>
             </a:fld>
             <a:endParaRPr lang="de-DE"/>
           </a:p>
@@ -368,7 +384,7 @@
           <a:p>
             <a:fld id="{F8F687C1-49B9-FC43-A5F5-4E2CAE8623DA}" type="datetime1">
               <a:rPr lang="de-DE" smtClean="0"/>
-              <a:t>19.06.15</a:t>
+              <a:t>20.06.2015</a:t>
             </a:fld>
             <a:endParaRPr lang="de-DE"/>
           </a:p>
@@ -902,7 +918,7 @@
           <a:p>
             <a:fld id="{1DACE3BB-339C-AD47-A52D-662320F7C205}" type="datetime1">
               <a:rPr lang="de-DE" smtClean="0"/>
-              <a:t>19.06.15</a:t>
+              <a:t>20.06.2015</a:t>
             </a:fld>
             <a:endParaRPr lang="de-DE"/>
           </a:p>
@@ -1072,7 +1088,7 @@
           <a:p>
             <a:fld id="{F42559F4-B3EB-344D-B633-69F007223D30}" type="datetime1">
               <a:rPr lang="de-DE" smtClean="0"/>
-              <a:t>19.06.15</a:t>
+              <a:t>20.06.2015</a:t>
             </a:fld>
             <a:endParaRPr lang="de-DE"/>
           </a:p>
@@ -1252,7 +1268,7 @@
           <a:p>
             <a:fld id="{42AF2205-F992-9F41-987F-7238F8B9F0B5}" type="datetime1">
               <a:rPr lang="de-DE" smtClean="0"/>
-              <a:t>19.06.15</a:t>
+              <a:t>20.06.2015</a:t>
             </a:fld>
             <a:endParaRPr lang="de-DE"/>
           </a:p>
@@ -1422,7 +1438,7 @@
           <a:p>
             <a:fld id="{FF84A754-A284-FB40-B909-6C25294AD20F}" type="datetime1">
               <a:rPr lang="de-DE" smtClean="0"/>
-              <a:t>19.06.15</a:t>
+              <a:t>20.06.2015</a:t>
             </a:fld>
             <a:endParaRPr lang="de-DE"/>
           </a:p>
@@ -1668,7 +1684,7 @@
           <a:p>
             <a:fld id="{CA605955-6352-BD4C-B0F3-ECEE8C6EE720}" type="datetime1">
               <a:rPr lang="de-DE" smtClean="0"/>
-              <a:t>19.06.15</a:t>
+              <a:t>20.06.2015</a:t>
             </a:fld>
             <a:endParaRPr lang="de-DE"/>
           </a:p>
@@ -1956,7 +1972,7 @@
           <a:p>
             <a:fld id="{C86AEEF6-0385-0844-9861-D3417F6C1E98}" type="datetime1">
               <a:rPr lang="de-DE" smtClean="0"/>
-              <a:t>19.06.15</a:t>
+              <a:t>20.06.2015</a:t>
             </a:fld>
             <a:endParaRPr lang="de-DE"/>
           </a:p>
@@ -2378,7 +2394,7 @@
           <a:p>
             <a:fld id="{84A495D8-31AC-6141-A708-923E383D2969}" type="datetime1">
               <a:rPr lang="de-DE" smtClean="0"/>
-              <a:t>19.06.15</a:t>
+              <a:t>20.06.2015</a:t>
             </a:fld>
             <a:endParaRPr lang="de-DE"/>
           </a:p>
@@ -2496,7 +2512,7 @@
           <a:p>
             <a:fld id="{6B9BBFBE-94A6-EE41-BDE2-C36DF8BDD6AC}" type="datetime1">
               <a:rPr lang="de-DE" smtClean="0"/>
-              <a:t>19.06.15</a:t>
+              <a:t>20.06.2015</a:t>
             </a:fld>
             <a:endParaRPr lang="de-DE"/>
           </a:p>
@@ -2591,7 +2607,7 @@
           <a:p>
             <a:fld id="{8A3BDDF1-32E1-AA48-AD7E-B28DB9397AA4}" type="datetime1">
               <a:rPr lang="de-DE" smtClean="0"/>
-              <a:t>19.06.15</a:t>
+              <a:t>20.06.2015</a:t>
             </a:fld>
             <a:endParaRPr lang="de-DE"/>
           </a:p>
@@ -2868,7 +2884,7 @@
           <a:p>
             <a:fld id="{BF30ED29-63A2-654D-9D7C-1CB6D6E00183}" type="datetime1">
               <a:rPr lang="de-DE" smtClean="0"/>
-              <a:t>19.06.15</a:t>
+              <a:t>20.06.2015</a:t>
             </a:fld>
             <a:endParaRPr lang="de-DE"/>
           </a:p>
@@ -3121,7 +3137,7 @@
           <a:p>
             <a:fld id="{4FB359BF-9004-C740-93E9-376A57F77EA5}" type="datetime1">
               <a:rPr lang="de-DE" smtClean="0"/>
-              <a:t>19.06.15</a:t>
+              <a:t>20.06.2015</a:t>
             </a:fld>
             <a:endParaRPr lang="de-DE"/>
           </a:p>
@@ -3334,7 +3350,7 @@
           <a:p>
             <a:fld id="{88615D7D-6342-384A-A16F-53E369E57F7B}" type="datetime1">
               <a:rPr lang="de-DE" smtClean="0"/>
-              <a:t>19.06.15</a:t>
+              <a:t>20.06.2015</a:t>
             </a:fld>
             <a:endParaRPr lang="de-DE"/>
           </a:p>
@@ -3770,8 +3786,8 @@
               <a:t>Teammitglieder: Ramón </a:t>
             </a:r>
             <a:r>
-              <a:rPr lang="de-DE" sz="2000" dirty="0" err="1" smtClean="0"/>
-              <a:t>Willhelm</a:t>
+              <a:rPr lang="de-DE" sz="2000" dirty="0" smtClean="0"/>
+              <a:t>Wilhelm</a:t>
             </a:r>
             <a:endParaRPr lang="de-DE" sz="2000" dirty="0" smtClean="0"/>
           </a:p>
@@ -4141,11 +4157,7 @@
           <a:p>
             <a:r>
               <a:rPr lang="de-DE" dirty="0" smtClean="0"/>
-              <a:t>Zeitplan(</a:t>
-            </a:r>
-            <a:r>
-              <a:rPr lang="de-DE" dirty="0" err="1" smtClean="0"/>
-              <a:t>Wochenrytmus</a:t>
+              <a:t>Zeitplan(Wochenrythmus</a:t>
             </a:r>
             <a:r>
               <a:rPr lang="de-DE" dirty="0" smtClean="0"/>
@@ -4322,7 +4334,6 @@
               <a:rPr lang="de-DE" dirty="0"/>
               <a:t> wieder auf den Markt. Mit neuen Features wird das Spiel zu einem kleinen Abenteuer.</a:t>
             </a:r>
-            <a:endParaRPr lang="de-DE" dirty="0"/>
           </a:p>
         </p:txBody>
       </p:sp>
@@ -4571,15 +4582,7 @@
           <a:p>
             <a:r>
               <a:rPr lang="de-DE" sz="3200" dirty="0" smtClean="0"/>
-              <a:t>Aufgabenverteilung </a:t>
-            </a:r>
-            <a:r>
-              <a:rPr lang="de-DE" sz="3200" dirty="0" smtClean="0"/>
-              <a:t>und </a:t>
-            </a:r>
-            <a:r>
-              <a:rPr lang="de-DE" sz="3200" dirty="0" smtClean="0"/>
-              <a:t>Verantwortlichkeit</a:t>
+              <a:t>Aufgabenverteilung und Verantwortlichkeit</a:t>
             </a:r>
             <a:endParaRPr lang="de-DE" sz="3200" dirty="0"/>
           </a:p>
@@ -4595,14 +4598,14 @@
             <p:ph idx="1"/>
             <p:extLst>
               <p:ext uri="{D42A27DB-BD31-4B8C-83A1-F6EECF244321}">
-                <p14:modId xmlns:p14="http://schemas.microsoft.com/office/powerpoint/2010/main" val="3058144027"/>
+                <p14:modId xmlns:p14="http://schemas.microsoft.com/office/powerpoint/2010/main" val="3489556652"/>
               </p:ext>
             </p:extLst>
           </p:nvPr>
         </p:nvGraphicFramePr>
         <p:xfrm>
           <a:off x="457200" y="1271494"/>
-          <a:ext cx="8229600" cy="5308599"/>
+          <a:ext cx="8229600" cy="5308600"/>
         </p:xfrm>
         <a:graphic>
           <a:graphicData uri="http://schemas.openxmlformats.org/drawingml/2006/table">
@@ -4802,11 +4805,7 @@
                     <a:p>
                       <a:r>
                         <a:rPr lang="de-DE" dirty="0" smtClean="0"/>
-                        <a:t>Ram</a:t>
-                      </a:r>
-                      <a:r>
-                        <a:rPr lang="de-DE" dirty="0" smtClean="0"/>
-                        <a:t>ón</a:t>
+                        <a:t>Ramón</a:t>
                       </a:r>
                       <a:endParaRPr lang="de-DE" dirty="0"/>
                     </a:p>
@@ -4849,8 +4848,8 @@
                         <a:t>High </a:t>
                       </a:r>
                       <a:r>
-                        <a:rPr lang="de-DE" dirty="0" err="1" smtClean="0"/>
-                        <a:t>Scoure</a:t>
+                        <a:rPr lang="de-DE" dirty="0" smtClean="0"/>
+                        <a:t>Score</a:t>
                       </a:r>
                       <a:endParaRPr lang="de-DE" dirty="0" smtClean="0"/>
                     </a:p>
@@ -5058,7 +5057,7 @@
             </a:r>
             <a:r>
               <a:rPr lang="de-DE" dirty="0" err="1" smtClean="0"/>
-              <a:t>Wochenrytmus</a:t>
+              <a:t>Wochenrythmus</a:t>
             </a:r>
             <a:r>
               <a:rPr lang="de-DE" dirty="0" smtClean="0"/>
@@ -5491,7 +5490,7 @@
         </p:nvGraphicFramePr>
         <p:xfrm>
           <a:off x="457200" y="1600200"/>
-          <a:ext cx="8229600" cy="4577079"/>
+          <a:ext cx="8229600" cy="4577080"/>
         </p:xfrm>
         <a:graphic>
           <a:graphicData uri="http://schemas.openxmlformats.org/drawingml/2006/table">
@@ -5694,17 +5693,15 @@
                     <a:lstStyle/>
                     <a:p>
                       <a:r>
-                        <a:rPr lang="de-DE" dirty="0" err="1" smtClean="0"/>
+                        <a:rPr lang="de-DE" dirty="0" smtClean="0"/>
                         <a:t>Testing</a:t>
                       </a:r>
-                      <a:endParaRPr lang="de-DE" dirty="0" smtClean="0"/>
                     </a:p>
                     <a:p>
                       <a:r>
-                        <a:rPr lang="de-DE" dirty="0" err="1" smtClean="0"/>
+                        <a:rPr lang="de-DE" dirty="0" smtClean="0"/>
                         <a:t>Bugfix</a:t>
                       </a:r>
-                      <a:endParaRPr lang="de-DE" dirty="0" smtClean="0"/>
                     </a:p>
                     <a:p>
                       <a:r>
@@ -5854,16 +5851,8 @@
           <a:lstStyle/>
           <a:p>
             <a:r>
-              <a:rPr lang="de-DE" dirty="0" err="1" smtClean="0"/>
-              <a:t>Three</a:t>
-            </a:r>
-            <a:r>
-              <a:rPr lang="de-DE" dirty="0" err="1" smtClean="0"/>
-              <a:t>.js</a:t>
-            </a:r>
-            <a:r>
               <a:rPr lang="de-DE" dirty="0" smtClean="0"/>
-              <a:t> nicht verstehen</a:t>
+              <a:t>Three.js nicht verstehen</a:t>
             </a:r>
           </a:p>
           <a:p>
@@ -5875,14 +5864,16 @@
           <a:p>
             <a:r>
               <a:rPr lang="de-DE" dirty="0" smtClean="0"/>
-              <a:t>Gruppe demotiviert</a:t>
-            </a:r>
+              <a:t>Gruppendemotivation</a:t>
+            </a:r>
+            <a:endParaRPr lang="de-DE" dirty="0" smtClean="0"/>
           </a:p>
           <a:p>
             <a:r>
               <a:rPr lang="de-DE" dirty="0" smtClean="0"/>
-              <a:t>Überschätz</a:t>
-            </a:r>
+              <a:t>Überschätzung</a:t>
+            </a:r>
+            <a:endParaRPr lang="de-DE" dirty="0" smtClean="0"/>
           </a:p>
           <a:p>
             <a:r>
@@ -5898,7 +5889,7 @@
           </a:p>
           <a:p>
             <a:r>
-              <a:rPr lang="de-DE" smtClean="0"/>
+              <a:rPr lang="de-DE" dirty="0" smtClean="0"/>
               <a:t>Schönes Wetter </a:t>
             </a:r>
             <a:endParaRPr lang="de-DE" dirty="0"/>

--- a/Planungspraesentation-Mitte Juni/Planungspräsentation V. 1.pptx
+++ b/Planungspraesentation-Mitte Juni/Planungspräsentation V. 1.pptx
@@ -16,8 +16,8 @@
     <p:sldId id="258" r:id="rId4"/>
     <p:sldId id="259" r:id="rId5"/>
     <p:sldId id="260" r:id="rId6"/>
-    <p:sldId id="262" r:id="rId7"/>
-    <p:sldId id="263" r:id="rId8"/>
+    <p:sldId id="263" r:id="rId7"/>
+    <p:sldId id="262" r:id="rId8"/>
     <p:sldId id="264" r:id="rId9"/>
   </p:sldIdLst>
   <p:sldSz cx="9144000" cy="6858000" type="screen4x3"/>
@@ -119,7 +119,7 @@
   </p:defaultTextStyle>
   <p:extLst>
     <p:ext uri="{EFAFB233-063F-42B5-8137-9DF3F51BA10A}">
-      <p15:sldGuideLst xmlns:p15="http://schemas.microsoft.com/office/powerpoint/2012/main">
+      <p15:sldGuideLst xmlns:p15="http://schemas.microsoft.com/office/powerpoint/2012/main" xmlns="">
         <p15:guide id="1" orient="horz" pos="2160">
           <p15:clr>
             <a:srgbClr val="A4A3A4"/>
@@ -218,7 +218,7 @@
           <a:p>
             <a:fld id="{B4FF162B-CE6F-6948-9E4E-CF339F017EF0}" type="datetime1">
               <a:rPr lang="de-DE" smtClean="0"/>
-              <a:t>20.06.2015</a:t>
+              <a:t>21.06.15</a:t>
             </a:fld>
             <a:endParaRPr lang="de-DE"/>
           </a:p>
@@ -384,7 +384,7 @@
           <a:p>
             <a:fld id="{F8F687C1-49B9-FC43-A5F5-4E2CAE8623DA}" type="datetime1">
               <a:rPr lang="de-DE" smtClean="0"/>
-              <a:t>20.06.2015</a:t>
+              <a:t>21.06.15</a:t>
             </a:fld>
             <a:endParaRPr lang="de-DE"/>
           </a:p>
@@ -918,7 +918,7 @@
           <a:p>
             <a:fld id="{1DACE3BB-339C-AD47-A52D-662320F7C205}" type="datetime1">
               <a:rPr lang="de-DE" smtClean="0"/>
-              <a:t>20.06.2015</a:t>
+              <a:t>21.06.15</a:t>
             </a:fld>
             <a:endParaRPr lang="de-DE"/>
           </a:p>
@@ -1088,7 +1088,7 @@
           <a:p>
             <a:fld id="{F42559F4-B3EB-344D-B633-69F007223D30}" type="datetime1">
               <a:rPr lang="de-DE" smtClean="0"/>
-              <a:t>20.06.2015</a:t>
+              <a:t>21.06.15</a:t>
             </a:fld>
             <a:endParaRPr lang="de-DE"/>
           </a:p>
@@ -1268,7 +1268,7 @@
           <a:p>
             <a:fld id="{42AF2205-F992-9F41-987F-7238F8B9F0B5}" type="datetime1">
               <a:rPr lang="de-DE" smtClean="0"/>
-              <a:t>20.06.2015</a:t>
+              <a:t>21.06.15</a:t>
             </a:fld>
             <a:endParaRPr lang="de-DE"/>
           </a:p>
@@ -1438,7 +1438,7 @@
           <a:p>
             <a:fld id="{FF84A754-A284-FB40-B909-6C25294AD20F}" type="datetime1">
               <a:rPr lang="de-DE" smtClean="0"/>
-              <a:t>20.06.2015</a:t>
+              <a:t>21.06.15</a:t>
             </a:fld>
             <a:endParaRPr lang="de-DE"/>
           </a:p>
@@ -1684,7 +1684,7 @@
           <a:p>
             <a:fld id="{CA605955-6352-BD4C-B0F3-ECEE8C6EE720}" type="datetime1">
               <a:rPr lang="de-DE" smtClean="0"/>
-              <a:t>20.06.2015</a:t>
+              <a:t>21.06.15</a:t>
             </a:fld>
             <a:endParaRPr lang="de-DE"/>
           </a:p>
@@ -1972,7 +1972,7 @@
           <a:p>
             <a:fld id="{C86AEEF6-0385-0844-9861-D3417F6C1E98}" type="datetime1">
               <a:rPr lang="de-DE" smtClean="0"/>
-              <a:t>20.06.2015</a:t>
+              <a:t>21.06.15</a:t>
             </a:fld>
             <a:endParaRPr lang="de-DE"/>
           </a:p>
@@ -2394,7 +2394,7 @@
           <a:p>
             <a:fld id="{84A495D8-31AC-6141-A708-923E383D2969}" type="datetime1">
               <a:rPr lang="de-DE" smtClean="0"/>
-              <a:t>20.06.2015</a:t>
+              <a:t>21.06.15</a:t>
             </a:fld>
             <a:endParaRPr lang="de-DE"/>
           </a:p>
@@ -2512,7 +2512,7 @@
           <a:p>
             <a:fld id="{6B9BBFBE-94A6-EE41-BDE2-C36DF8BDD6AC}" type="datetime1">
               <a:rPr lang="de-DE" smtClean="0"/>
-              <a:t>20.06.2015</a:t>
+              <a:t>21.06.15</a:t>
             </a:fld>
             <a:endParaRPr lang="de-DE"/>
           </a:p>
@@ -2607,7 +2607,7 @@
           <a:p>
             <a:fld id="{8A3BDDF1-32E1-AA48-AD7E-B28DB9397AA4}" type="datetime1">
               <a:rPr lang="de-DE" smtClean="0"/>
-              <a:t>20.06.2015</a:t>
+              <a:t>21.06.15</a:t>
             </a:fld>
             <a:endParaRPr lang="de-DE"/>
           </a:p>
@@ -2884,7 +2884,7 @@
           <a:p>
             <a:fld id="{BF30ED29-63A2-654D-9D7C-1CB6D6E00183}" type="datetime1">
               <a:rPr lang="de-DE" smtClean="0"/>
-              <a:t>20.06.2015</a:t>
+              <a:t>21.06.15</a:t>
             </a:fld>
             <a:endParaRPr lang="de-DE"/>
           </a:p>
@@ -3137,7 +3137,7 @@
           <a:p>
             <a:fld id="{4FB359BF-9004-C740-93E9-376A57F77EA5}" type="datetime1">
               <a:rPr lang="de-DE" smtClean="0"/>
-              <a:t>20.06.2015</a:t>
+              <a:t>21.06.15</a:t>
             </a:fld>
             <a:endParaRPr lang="de-DE"/>
           </a:p>
@@ -3350,7 +3350,7 @@
           <a:p>
             <a:fld id="{88615D7D-6342-384A-A16F-53E369E57F7B}" type="datetime1">
               <a:rPr lang="de-DE" smtClean="0"/>
-              <a:t>20.06.2015</a:t>
+              <a:t>21.06.15</a:t>
             </a:fld>
             <a:endParaRPr lang="de-DE"/>
           </a:p>
@@ -3783,13 +3783,8 @@
             <a:pPr algn="l"/>
             <a:r>
               <a:rPr lang="de-DE" sz="2000" dirty="0" smtClean="0"/>
-              <a:t>Teammitglieder: Ramón </a:t>
-            </a:r>
-            <a:r>
-              <a:rPr lang="de-DE" sz="2000" dirty="0" smtClean="0"/>
-              <a:t>Wilhelm</a:t>
-            </a:r>
-            <a:endParaRPr lang="de-DE" sz="2000" dirty="0" smtClean="0"/>
+              <a:t>Teammitglieder: Ramón Wilhelm</a:t>
+            </a:r>
           </a:p>
           <a:p>
             <a:pPr algn="l"/>
@@ -4128,7 +4123,9 @@
         </p:nvSpPr>
         <p:spPr/>
         <p:txBody>
-          <a:bodyPr/>
+          <a:bodyPr>
+            <a:normAutofit/>
+          </a:bodyPr>
           <a:lstStyle/>
           <a:p>
             <a:r>
@@ -4157,18 +4154,23 @@
           <a:p>
             <a:r>
               <a:rPr lang="de-DE" dirty="0" smtClean="0"/>
-              <a:t>Zeitplan(Wochenrythmus</a:t>
-            </a:r>
-            <a:r>
-              <a:rPr lang="de-DE" dirty="0" smtClean="0"/>
+              <a:t>Meilensteine</a:t>
+            </a:r>
+          </a:p>
+          <a:p>
+            <a:r>
+              <a:rPr lang="de-DE" dirty="0"/>
+              <a:t>Zeitplan(</a:t>
+            </a:r>
+            <a:r>
+              <a:rPr lang="de-DE" dirty="0" err="1"/>
+              <a:t>Wochenrythmus</a:t>
+            </a:r>
+            <a:r>
+              <a:rPr lang="de-DE" smtClean="0"/>
               <a:t>)</a:t>
             </a:r>
-          </a:p>
-          <a:p>
-            <a:r>
-              <a:rPr lang="de-DE" dirty="0" smtClean="0"/>
-              <a:t>Meilensteine</a:t>
-            </a:r>
+            <a:endParaRPr lang="de-DE" dirty="0" smtClean="0"/>
           </a:p>
           <a:p>
             <a:r>
@@ -4605,7 +4607,7 @@
         </p:nvGraphicFramePr>
         <p:xfrm>
           <a:off x="457200" y="1271494"/>
-          <a:ext cx="8229600" cy="5308600"/>
+          <a:ext cx="8229600" cy="5308599"/>
         </p:xfrm>
         <a:graphic>
           <a:graphicData uri="http://schemas.openxmlformats.org/drawingml/2006/table">
@@ -4845,13 +4847,8 @@
                     <a:p>
                       <a:r>
                         <a:rPr lang="de-DE" dirty="0" smtClean="0"/>
-                        <a:t>High </a:t>
+                        <a:t>High Score</a:t>
                       </a:r>
-                      <a:r>
-                        <a:rPr lang="de-DE" dirty="0" smtClean="0"/>
-                        <a:t>Score</a:t>
-                      </a:r>
-                      <a:endParaRPr lang="de-DE" dirty="0" smtClean="0"/>
                     </a:p>
                     <a:p>
                       <a:r>
@@ -5018,6 +5015,368 @@
 </file>
 
 <file path=ppt/slides/slide6.xml><?xml version="1.0" encoding="utf-8"?>
+<p:sld xmlns:a="http://schemas.openxmlformats.org/drawingml/2006/main" xmlns:r="http://schemas.openxmlformats.org/officeDocument/2006/relationships" xmlns:p="http://schemas.openxmlformats.org/presentationml/2006/main">
+  <p:cSld>
+    <p:spTree>
+      <p:nvGrpSpPr>
+        <p:cNvPr id="1" name=""/>
+        <p:cNvGrpSpPr/>
+        <p:nvPr/>
+      </p:nvGrpSpPr>
+      <p:grpSpPr>
+        <a:xfrm>
+          <a:off x="0" y="0"/>
+          <a:ext cx="0" cy="0"/>
+          <a:chOff x="0" y="0"/>
+          <a:chExt cx="0" cy="0"/>
+        </a:xfrm>
+      </p:grpSpPr>
+      <p:sp>
+        <p:nvSpPr>
+          <p:cNvPr id="2" name="Titel 1"/>
+          <p:cNvSpPr>
+            <a:spLocks noGrp="1"/>
+          </p:cNvSpPr>
+          <p:nvPr>
+            <p:ph type="title"/>
+          </p:nvPr>
+        </p:nvSpPr>
+        <p:spPr/>
+        <p:txBody>
+          <a:bodyPr/>
+          <a:lstStyle/>
+          <a:p>
+            <a:r>
+              <a:rPr lang="de-DE" dirty="0" smtClean="0"/>
+              <a:t>Meilensteine</a:t>
+            </a:r>
+            <a:endParaRPr lang="de-DE" dirty="0"/>
+          </a:p>
+        </p:txBody>
+      </p:sp>
+      <p:graphicFrame>
+        <p:nvGraphicFramePr>
+          <p:cNvPr id="4" name="Inhaltsplatzhalter 3"/>
+          <p:cNvGraphicFramePr>
+            <a:graphicFrameLocks noGrp="1"/>
+          </p:cNvGraphicFramePr>
+          <p:nvPr>
+            <p:ph idx="1"/>
+            <p:extLst>
+              <p:ext uri="{D42A27DB-BD31-4B8C-83A1-F6EECF244321}">
+                <p14:modId xmlns:p14="http://schemas.microsoft.com/office/powerpoint/2010/main" val="695649721"/>
+              </p:ext>
+            </p:extLst>
+          </p:nvPr>
+        </p:nvGraphicFramePr>
+        <p:xfrm>
+          <a:off x="457200" y="1600200"/>
+          <a:ext cx="8229600" cy="4577079"/>
+        </p:xfrm>
+        <a:graphic>
+          <a:graphicData uri="http://schemas.openxmlformats.org/drawingml/2006/table">
+            <a:tbl>
+              <a:tblPr firstRow="1" bandRow="1">
+                <a:tableStyleId>{5C22544A-7EE6-4342-B048-85BDC9FD1C3A}</a:tableStyleId>
+              </a:tblPr>
+              <a:tblGrid>
+                <a:gridCol w="708212"/>
+                <a:gridCol w="7521388"/>
+              </a:tblGrid>
+              <a:tr h="370840">
+                <a:tc>
+                  <a:txBody>
+                    <a:bodyPr/>
+                    <a:lstStyle/>
+                    <a:p>
+                      <a:endParaRPr lang="de-DE" dirty="0"/>
+                    </a:p>
+                  </a:txBody>
+                  <a:tcPr/>
+                </a:tc>
+                <a:tc>
+                  <a:txBody>
+                    <a:bodyPr/>
+                    <a:lstStyle/>
+                    <a:p>
+                      <a:endParaRPr lang="de-DE"/>
+                    </a:p>
+                  </a:txBody>
+                  <a:tcPr/>
+                </a:tc>
+              </a:tr>
+              <a:tr h="370840">
+                <a:tc>
+                  <a:txBody>
+                    <a:bodyPr/>
+                    <a:lstStyle/>
+                    <a:p>
+                      <a:r>
+                        <a:rPr lang="de-DE" dirty="0" smtClean="0"/>
+                        <a:t>1.</a:t>
+                      </a:r>
+                      <a:endParaRPr lang="de-DE" dirty="0"/>
+                    </a:p>
+                  </a:txBody>
+                  <a:tcPr/>
+                </a:tc>
+                <a:tc>
+                  <a:txBody>
+                    <a:bodyPr/>
+                    <a:lstStyle/>
+                    <a:p>
+                      <a:r>
+                        <a:rPr lang="de-DE" dirty="0" smtClean="0"/>
+                        <a:t>- Schauplatz</a:t>
+                      </a:r>
+                    </a:p>
+                    <a:p>
+                      <a:pPr marL="0" indent="0">
+                        <a:buFontTx/>
+                        <a:buNone/>
+                      </a:pPr>
+                      <a:r>
+                        <a:rPr lang="de-DE" dirty="0" smtClean="0"/>
+                        <a:t>- Schlange</a:t>
+                      </a:r>
+                    </a:p>
+                    <a:p>
+                      <a:pPr marL="0" indent="0">
+                        <a:buFontTx/>
+                        <a:buNone/>
+                      </a:pPr>
+                      <a:r>
+                        <a:rPr lang="de-DE" dirty="0" smtClean="0"/>
+                        <a:t>- HTML</a:t>
+                      </a:r>
+                      <a:endParaRPr lang="de-DE" dirty="0"/>
+                    </a:p>
+                  </a:txBody>
+                  <a:tcPr/>
+                </a:tc>
+              </a:tr>
+              <a:tr h="370840">
+                <a:tc>
+                  <a:txBody>
+                    <a:bodyPr/>
+                    <a:lstStyle/>
+                    <a:p>
+                      <a:r>
+                        <a:rPr lang="de-DE" dirty="0" smtClean="0"/>
+                        <a:t>2.</a:t>
+                      </a:r>
+                      <a:endParaRPr lang="de-DE" dirty="0"/>
+                    </a:p>
+                  </a:txBody>
+                  <a:tcPr/>
+                </a:tc>
+                <a:tc>
+                  <a:txBody>
+                    <a:bodyPr/>
+                    <a:lstStyle/>
+                    <a:p>
+                      <a:r>
+                        <a:rPr lang="de-DE" dirty="0" smtClean="0"/>
+                        <a:t>- Navigation</a:t>
+                      </a:r>
+                      <a:r>
+                        <a:rPr lang="de-DE" baseline="0" dirty="0" smtClean="0"/>
+                        <a:t> u. Steuerung</a:t>
+                      </a:r>
+                    </a:p>
+                    <a:p>
+                      <a:r>
+                        <a:rPr lang="de-DE" baseline="0" dirty="0" smtClean="0"/>
+                        <a:t>- Wachsen u. Schrumpfen </a:t>
+                      </a:r>
+                    </a:p>
+                    <a:p>
+                      <a:r>
+                        <a:rPr lang="de-DE" baseline="0" dirty="0" smtClean="0"/>
+                        <a:t>- Essen</a:t>
+                      </a:r>
+                      <a:endParaRPr lang="de-DE" dirty="0"/>
+                    </a:p>
+                  </a:txBody>
+                  <a:tcPr/>
+                </a:tc>
+              </a:tr>
+              <a:tr h="370840">
+                <a:tc>
+                  <a:txBody>
+                    <a:bodyPr/>
+                    <a:lstStyle/>
+                    <a:p>
+                      <a:r>
+                        <a:rPr lang="de-DE" dirty="0" smtClean="0"/>
+                        <a:t>3.</a:t>
+                      </a:r>
+                      <a:endParaRPr lang="de-DE" dirty="0"/>
+                    </a:p>
+                  </a:txBody>
+                  <a:tcPr/>
+                </a:tc>
+                <a:tc>
+                  <a:txBody>
+                    <a:bodyPr/>
+                    <a:lstStyle/>
+                    <a:p>
+                      <a:r>
+                        <a:rPr lang="de-DE" dirty="0" smtClean="0"/>
+                        <a:t>- Menü</a:t>
+                      </a:r>
+                    </a:p>
+                    <a:p>
+                      <a:r>
+                        <a:rPr lang="de-DE" dirty="0" smtClean="0"/>
+                        <a:t>- Start</a:t>
+                      </a:r>
+                      <a:r>
+                        <a:rPr lang="de-DE" baseline="0" dirty="0" smtClean="0"/>
+                        <a:t> u. Pause</a:t>
+                      </a:r>
+                    </a:p>
+                    <a:p>
+                      <a:r>
+                        <a:rPr lang="de-DE" baseline="0" dirty="0" smtClean="0"/>
+                        <a:t>- Spielstand</a:t>
+                      </a:r>
+                    </a:p>
+                    <a:p>
+                      <a:r>
+                        <a:rPr lang="de-DE" baseline="0" dirty="0" smtClean="0"/>
+                        <a:t>- Wände Portalfunktion</a:t>
+                      </a:r>
+                      <a:endParaRPr lang="de-DE" dirty="0"/>
+                    </a:p>
+                  </a:txBody>
+                  <a:tcPr/>
+                </a:tc>
+              </a:tr>
+              <a:tr h="370840">
+                <a:tc>
+                  <a:txBody>
+                    <a:bodyPr/>
+                    <a:lstStyle/>
+                    <a:p>
+                      <a:r>
+                        <a:rPr lang="de-DE" dirty="0" smtClean="0"/>
+                        <a:t>4</a:t>
+                      </a:r>
+                      <a:endParaRPr lang="de-DE" dirty="0"/>
+                    </a:p>
+                  </a:txBody>
+                  <a:tcPr/>
+                </a:tc>
+                <a:tc>
+                  <a:txBody>
+                    <a:bodyPr/>
+                    <a:lstStyle/>
+                    <a:p>
+                      <a:r>
+                        <a:rPr lang="de-DE" dirty="0" smtClean="0"/>
+                        <a:t>Testing</a:t>
+                      </a:r>
+                    </a:p>
+                    <a:p>
+                      <a:r>
+                        <a:rPr lang="de-DE" dirty="0" smtClean="0"/>
+                        <a:t>Bugfix</a:t>
+                      </a:r>
+                    </a:p>
+                    <a:p>
+                      <a:r>
+                        <a:rPr lang="de-DE" dirty="0" smtClean="0"/>
+                        <a:t>Logo</a:t>
+                      </a:r>
+                    </a:p>
+                    <a:p>
+                      <a:r>
+                        <a:rPr lang="de-DE" dirty="0" smtClean="0"/>
+                        <a:t>Finale</a:t>
+                      </a:r>
+                      <a:r>
+                        <a:rPr lang="de-DE" baseline="0" dirty="0" smtClean="0"/>
+                        <a:t> Präsentation</a:t>
+                      </a:r>
+                      <a:endParaRPr lang="de-DE" dirty="0" smtClean="0"/>
+                    </a:p>
+                  </a:txBody>
+                  <a:tcPr/>
+                </a:tc>
+              </a:tr>
+            </a:tbl>
+          </a:graphicData>
+        </a:graphic>
+      </p:graphicFrame>
+      <p:sp>
+        <p:nvSpPr>
+          <p:cNvPr id="5" name="Foliennummernplatzhalter 4"/>
+          <p:cNvSpPr>
+            <a:spLocks noGrp="1"/>
+          </p:cNvSpPr>
+          <p:nvPr>
+            <p:ph type="sldNum" sz="quarter" idx="12"/>
+          </p:nvPr>
+        </p:nvSpPr>
+        <p:spPr/>
+        <p:txBody>
+          <a:bodyPr/>
+          <a:lstStyle/>
+          <a:p>
+            <a:fld id="{8C23CA4F-E948-324D-AE99-93DD634CB28D}" type="slidenum">
+              <a:rPr lang="de-DE" smtClean="0"/>
+              <a:t>6</a:t>
+            </a:fld>
+            <a:endParaRPr lang="de-DE"/>
+          </a:p>
+        </p:txBody>
+      </p:sp>
+      <p:sp>
+        <p:nvSpPr>
+          <p:cNvPr id="6" name="Fußzeilenplatzhalter 5"/>
+          <p:cNvSpPr>
+            <a:spLocks noGrp="1"/>
+          </p:cNvSpPr>
+          <p:nvPr>
+            <p:ph type="ftr" sz="quarter" idx="11"/>
+          </p:nvPr>
+        </p:nvSpPr>
+        <p:spPr/>
+        <p:txBody>
+          <a:bodyPr/>
+          <a:lstStyle/>
+          <a:p>
+            <a:r>
+              <a:rPr lang="de-DE" dirty="0" smtClean="0"/>
+              <a:t>Seite </a:t>
+            </a:r>
+            <a:fld id="{0A097ED9-F555-3646-97DF-32BC18C12F43}" type="slidenum">
+              <a:rPr lang="de-DE" smtClean="0"/>
+              <a:t>6</a:t>
+            </a:fld>
+            <a:r>
+              <a:rPr lang="de-DE" dirty="0" smtClean="0"/>
+              <a:t> von </a:t>
+            </a:r>
+            <a:endParaRPr lang="de-DE" dirty="0"/>
+          </a:p>
+        </p:txBody>
+      </p:sp>
+    </p:spTree>
+    <p:extLst>
+      <p:ext uri="{BB962C8B-B14F-4D97-AF65-F5344CB8AC3E}">
+        <p14:creationId xmlns:p14="http://schemas.microsoft.com/office/powerpoint/2010/main" val="550613992"/>
+      </p:ext>
+    </p:extLst>
+  </p:cSld>
+  <p:clrMapOvr>
+    <a:masterClrMapping/>
+  </p:clrMapOvr>
+</p:sld>
+</file>
+
+<file path=ppt/slides/slide7.xml><?xml version="1.0" encoding="utf-8"?>
 <p:sld xmlns:a="http://schemas.openxmlformats.org/drawingml/2006/main" xmlns:r="http://schemas.openxmlformats.org/officeDocument/2006/relationships" xmlns:p="http://schemas.openxmlformats.org/presentationml/2006/main">
   <p:cSld>
     <p:spTree>
@@ -5383,7 +5742,7 @@
           <a:p>
             <a:fld id="{8C23CA4F-E948-324D-AE99-93DD634CB28D}" type="slidenum">
               <a:rPr lang="de-DE" smtClean="0"/>
-              <a:t>6</a:t>
+              <a:t>7</a:t>
             </a:fld>
             <a:endParaRPr lang="de-DE"/>
           </a:p>
@@ -5410,7 +5769,7 @@
             </a:r>
             <a:fld id="{0A097ED9-F555-3646-97DF-32BC18C12F43}" type="slidenum">
               <a:rPr lang="de-DE" smtClean="0"/>
-              <a:t>6</a:t>
+              <a:t>7</a:t>
             </a:fld>
             <a:r>
               <a:rPr lang="de-DE" dirty="0" smtClean="0"/>
@@ -5424,368 +5783,6 @@
     <p:extLst>
       <p:ext uri="{BB962C8B-B14F-4D97-AF65-F5344CB8AC3E}">
         <p14:creationId xmlns:p14="http://schemas.microsoft.com/office/powerpoint/2010/main" val="4134927973"/>
-      </p:ext>
-    </p:extLst>
-  </p:cSld>
-  <p:clrMapOvr>
-    <a:masterClrMapping/>
-  </p:clrMapOvr>
-</p:sld>
-</file>
-
-<file path=ppt/slides/slide7.xml><?xml version="1.0" encoding="utf-8"?>
-<p:sld xmlns:a="http://schemas.openxmlformats.org/drawingml/2006/main" xmlns:r="http://schemas.openxmlformats.org/officeDocument/2006/relationships" xmlns:p="http://schemas.openxmlformats.org/presentationml/2006/main">
-  <p:cSld>
-    <p:spTree>
-      <p:nvGrpSpPr>
-        <p:cNvPr id="1" name=""/>
-        <p:cNvGrpSpPr/>
-        <p:nvPr/>
-      </p:nvGrpSpPr>
-      <p:grpSpPr>
-        <a:xfrm>
-          <a:off x="0" y="0"/>
-          <a:ext cx="0" cy="0"/>
-          <a:chOff x="0" y="0"/>
-          <a:chExt cx="0" cy="0"/>
-        </a:xfrm>
-      </p:grpSpPr>
-      <p:sp>
-        <p:nvSpPr>
-          <p:cNvPr id="2" name="Titel 1"/>
-          <p:cNvSpPr>
-            <a:spLocks noGrp="1"/>
-          </p:cNvSpPr>
-          <p:nvPr>
-            <p:ph type="title"/>
-          </p:nvPr>
-        </p:nvSpPr>
-        <p:spPr/>
-        <p:txBody>
-          <a:bodyPr/>
-          <a:lstStyle/>
-          <a:p>
-            <a:r>
-              <a:rPr lang="de-DE" dirty="0" smtClean="0"/>
-              <a:t>Meilensteine</a:t>
-            </a:r>
-            <a:endParaRPr lang="de-DE" dirty="0"/>
-          </a:p>
-        </p:txBody>
-      </p:sp>
-      <p:graphicFrame>
-        <p:nvGraphicFramePr>
-          <p:cNvPr id="4" name="Inhaltsplatzhalter 3"/>
-          <p:cNvGraphicFramePr>
-            <a:graphicFrameLocks noGrp="1"/>
-          </p:cNvGraphicFramePr>
-          <p:nvPr>
-            <p:ph idx="1"/>
-            <p:extLst>
-              <p:ext uri="{D42A27DB-BD31-4B8C-83A1-F6EECF244321}">
-                <p14:modId xmlns:p14="http://schemas.microsoft.com/office/powerpoint/2010/main" val="695649721"/>
-              </p:ext>
-            </p:extLst>
-          </p:nvPr>
-        </p:nvGraphicFramePr>
-        <p:xfrm>
-          <a:off x="457200" y="1600200"/>
-          <a:ext cx="8229600" cy="4577080"/>
-        </p:xfrm>
-        <a:graphic>
-          <a:graphicData uri="http://schemas.openxmlformats.org/drawingml/2006/table">
-            <a:tbl>
-              <a:tblPr firstRow="1" bandRow="1">
-                <a:tableStyleId>{5C22544A-7EE6-4342-B048-85BDC9FD1C3A}</a:tableStyleId>
-              </a:tblPr>
-              <a:tblGrid>
-                <a:gridCol w="708212"/>
-                <a:gridCol w="7521388"/>
-              </a:tblGrid>
-              <a:tr h="370840">
-                <a:tc>
-                  <a:txBody>
-                    <a:bodyPr/>
-                    <a:lstStyle/>
-                    <a:p>
-                      <a:endParaRPr lang="de-DE" dirty="0"/>
-                    </a:p>
-                  </a:txBody>
-                  <a:tcPr/>
-                </a:tc>
-                <a:tc>
-                  <a:txBody>
-                    <a:bodyPr/>
-                    <a:lstStyle/>
-                    <a:p>
-                      <a:endParaRPr lang="de-DE"/>
-                    </a:p>
-                  </a:txBody>
-                  <a:tcPr/>
-                </a:tc>
-              </a:tr>
-              <a:tr h="370840">
-                <a:tc>
-                  <a:txBody>
-                    <a:bodyPr/>
-                    <a:lstStyle/>
-                    <a:p>
-                      <a:r>
-                        <a:rPr lang="de-DE" dirty="0" smtClean="0"/>
-                        <a:t>1.</a:t>
-                      </a:r>
-                      <a:endParaRPr lang="de-DE" dirty="0"/>
-                    </a:p>
-                  </a:txBody>
-                  <a:tcPr/>
-                </a:tc>
-                <a:tc>
-                  <a:txBody>
-                    <a:bodyPr/>
-                    <a:lstStyle/>
-                    <a:p>
-                      <a:r>
-                        <a:rPr lang="de-DE" dirty="0" smtClean="0"/>
-                        <a:t>- Schauplatz</a:t>
-                      </a:r>
-                    </a:p>
-                    <a:p>
-                      <a:pPr marL="0" indent="0">
-                        <a:buFontTx/>
-                        <a:buNone/>
-                      </a:pPr>
-                      <a:r>
-                        <a:rPr lang="de-DE" dirty="0" smtClean="0"/>
-                        <a:t>- Schlange</a:t>
-                      </a:r>
-                    </a:p>
-                    <a:p>
-                      <a:pPr marL="0" indent="0">
-                        <a:buFontTx/>
-                        <a:buNone/>
-                      </a:pPr>
-                      <a:r>
-                        <a:rPr lang="de-DE" dirty="0" smtClean="0"/>
-                        <a:t>- HTML</a:t>
-                      </a:r>
-                      <a:endParaRPr lang="de-DE" dirty="0"/>
-                    </a:p>
-                  </a:txBody>
-                  <a:tcPr/>
-                </a:tc>
-              </a:tr>
-              <a:tr h="370840">
-                <a:tc>
-                  <a:txBody>
-                    <a:bodyPr/>
-                    <a:lstStyle/>
-                    <a:p>
-                      <a:r>
-                        <a:rPr lang="de-DE" dirty="0" smtClean="0"/>
-                        <a:t>2.</a:t>
-                      </a:r>
-                      <a:endParaRPr lang="de-DE" dirty="0"/>
-                    </a:p>
-                  </a:txBody>
-                  <a:tcPr/>
-                </a:tc>
-                <a:tc>
-                  <a:txBody>
-                    <a:bodyPr/>
-                    <a:lstStyle/>
-                    <a:p>
-                      <a:r>
-                        <a:rPr lang="de-DE" dirty="0" smtClean="0"/>
-                        <a:t>- Navigation</a:t>
-                      </a:r>
-                      <a:r>
-                        <a:rPr lang="de-DE" baseline="0" dirty="0" smtClean="0"/>
-                        <a:t> u. Steuerung</a:t>
-                      </a:r>
-                    </a:p>
-                    <a:p>
-                      <a:r>
-                        <a:rPr lang="de-DE" baseline="0" dirty="0" smtClean="0"/>
-                        <a:t>- Wachsen u. Schrumpfen </a:t>
-                      </a:r>
-                    </a:p>
-                    <a:p>
-                      <a:r>
-                        <a:rPr lang="de-DE" baseline="0" dirty="0" smtClean="0"/>
-                        <a:t>- Essen</a:t>
-                      </a:r>
-                      <a:endParaRPr lang="de-DE" dirty="0"/>
-                    </a:p>
-                  </a:txBody>
-                  <a:tcPr/>
-                </a:tc>
-              </a:tr>
-              <a:tr h="370840">
-                <a:tc>
-                  <a:txBody>
-                    <a:bodyPr/>
-                    <a:lstStyle/>
-                    <a:p>
-                      <a:r>
-                        <a:rPr lang="de-DE" dirty="0" smtClean="0"/>
-                        <a:t>3.</a:t>
-                      </a:r>
-                      <a:endParaRPr lang="de-DE" dirty="0"/>
-                    </a:p>
-                  </a:txBody>
-                  <a:tcPr/>
-                </a:tc>
-                <a:tc>
-                  <a:txBody>
-                    <a:bodyPr/>
-                    <a:lstStyle/>
-                    <a:p>
-                      <a:r>
-                        <a:rPr lang="de-DE" dirty="0" smtClean="0"/>
-                        <a:t>- Menü</a:t>
-                      </a:r>
-                    </a:p>
-                    <a:p>
-                      <a:r>
-                        <a:rPr lang="de-DE" dirty="0" smtClean="0"/>
-                        <a:t>- Start</a:t>
-                      </a:r>
-                      <a:r>
-                        <a:rPr lang="de-DE" baseline="0" dirty="0" smtClean="0"/>
-                        <a:t> u. Pause</a:t>
-                      </a:r>
-                    </a:p>
-                    <a:p>
-                      <a:r>
-                        <a:rPr lang="de-DE" baseline="0" dirty="0" smtClean="0"/>
-                        <a:t>- Spielstand</a:t>
-                      </a:r>
-                    </a:p>
-                    <a:p>
-                      <a:r>
-                        <a:rPr lang="de-DE" baseline="0" dirty="0" smtClean="0"/>
-                        <a:t>- Wände Portalfunktion</a:t>
-                      </a:r>
-                      <a:endParaRPr lang="de-DE" dirty="0"/>
-                    </a:p>
-                  </a:txBody>
-                  <a:tcPr/>
-                </a:tc>
-              </a:tr>
-              <a:tr h="370840">
-                <a:tc>
-                  <a:txBody>
-                    <a:bodyPr/>
-                    <a:lstStyle/>
-                    <a:p>
-                      <a:r>
-                        <a:rPr lang="de-DE" dirty="0" smtClean="0"/>
-                        <a:t>4</a:t>
-                      </a:r>
-                      <a:endParaRPr lang="de-DE" dirty="0"/>
-                    </a:p>
-                  </a:txBody>
-                  <a:tcPr/>
-                </a:tc>
-                <a:tc>
-                  <a:txBody>
-                    <a:bodyPr/>
-                    <a:lstStyle/>
-                    <a:p>
-                      <a:r>
-                        <a:rPr lang="de-DE" dirty="0" smtClean="0"/>
-                        <a:t>Testing</a:t>
-                      </a:r>
-                    </a:p>
-                    <a:p>
-                      <a:r>
-                        <a:rPr lang="de-DE" dirty="0" smtClean="0"/>
-                        <a:t>Bugfix</a:t>
-                      </a:r>
-                    </a:p>
-                    <a:p>
-                      <a:r>
-                        <a:rPr lang="de-DE" dirty="0" smtClean="0"/>
-                        <a:t>Logo</a:t>
-                      </a:r>
-                    </a:p>
-                    <a:p>
-                      <a:r>
-                        <a:rPr lang="de-DE" dirty="0" smtClean="0"/>
-                        <a:t>Finale</a:t>
-                      </a:r>
-                      <a:r>
-                        <a:rPr lang="de-DE" baseline="0" dirty="0" smtClean="0"/>
-                        <a:t> Präsentation</a:t>
-                      </a:r>
-                      <a:endParaRPr lang="de-DE" dirty="0" smtClean="0"/>
-                    </a:p>
-                  </a:txBody>
-                  <a:tcPr/>
-                </a:tc>
-              </a:tr>
-            </a:tbl>
-          </a:graphicData>
-        </a:graphic>
-      </p:graphicFrame>
-      <p:sp>
-        <p:nvSpPr>
-          <p:cNvPr id="5" name="Foliennummernplatzhalter 4"/>
-          <p:cNvSpPr>
-            <a:spLocks noGrp="1"/>
-          </p:cNvSpPr>
-          <p:nvPr>
-            <p:ph type="sldNum" sz="quarter" idx="12"/>
-          </p:nvPr>
-        </p:nvSpPr>
-        <p:spPr/>
-        <p:txBody>
-          <a:bodyPr/>
-          <a:lstStyle/>
-          <a:p>
-            <a:fld id="{8C23CA4F-E948-324D-AE99-93DD634CB28D}" type="slidenum">
-              <a:rPr lang="de-DE" smtClean="0"/>
-              <a:t>7</a:t>
-            </a:fld>
-            <a:endParaRPr lang="de-DE"/>
-          </a:p>
-        </p:txBody>
-      </p:sp>
-      <p:sp>
-        <p:nvSpPr>
-          <p:cNvPr id="6" name="Fußzeilenplatzhalter 5"/>
-          <p:cNvSpPr>
-            <a:spLocks noGrp="1"/>
-          </p:cNvSpPr>
-          <p:nvPr>
-            <p:ph type="ftr" sz="quarter" idx="11"/>
-          </p:nvPr>
-        </p:nvSpPr>
-        <p:spPr/>
-        <p:txBody>
-          <a:bodyPr/>
-          <a:lstStyle/>
-          <a:p>
-            <a:r>
-              <a:rPr lang="de-DE" dirty="0" smtClean="0"/>
-              <a:t>Seite </a:t>
-            </a:r>
-            <a:fld id="{0A097ED9-F555-3646-97DF-32BC18C12F43}" type="slidenum">
-              <a:rPr lang="de-DE" smtClean="0"/>
-              <a:t>7</a:t>
-            </a:fld>
-            <a:r>
-              <a:rPr lang="de-DE" dirty="0" smtClean="0"/>
-              <a:t> von </a:t>
-            </a:r>
-            <a:endParaRPr lang="de-DE" dirty="0"/>
-          </a:p>
-        </p:txBody>
-      </p:sp>
-    </p:spTree>
-    <p:extLst>
-      <p:ext uri="{BB962C8B-B14F-4D97-AF65-F5344CB8AC3E}">
-        <p14:creationId xmlns:p14="http://schemas.microsoft.com/office/powerpoint/2010/main" val="550613992"/>
       </p:ext>
     </p:extLst>
   </p:cSld>
@@ -5866,14 +5863,12 @@
               <a:rPr lang="de-DE" dirty="0" smtClean="0"/>
               <a:t>Gruppendemotivation</a:t>
             </a:r>
-            <a:endParaRPr lang="de-DE" dirty="0" smtClean="0"/>
           </a:p>
           <a:p>
             <a:r>
               <a:rPr lang="de-DE" dirty="0" smtClean="0"/>
               <a:t>Überschätzung</a:t>
             </a:r>
-            <a:endParaRPr lang="de-DE" dirty="0" smtClean="0"/>
           </a:p>
           <a:p>
             <a:r>

--- a/Planungspraesentation-Mitte Juni/Planungspräsentation V. 1.pptx
+++ b/Planungspraesentation-Mitte Juni/Planungspräsentation V. 1.pptx
@@ -5,20 +5,18 @@
     <p:sldMasterId id="2147483648" r:id="rId1"/>
   </p:sldMasterIdLst>
   <p:notesMasterIdLst>
-    <p:notesMasterId r:id="rId10"/>
+    <p:notesMasterId r:id="rId8"/>
   </p:notesMasterIdLst>
   <p:handoutMasterIdLst>
-    <p:handoutMasterId r:id="rId11"/>
+    <p:handoutMasterId r:id="rId9"/>
   </p:handoutMasterIdLst>
   <p:sldIdLst>
     <p:sldId id="256" r:id="rId2"/>
     <p:sldId id="257" r:id="rId3"/>
     <p:sldId id="258" r:id="rId4"/>
     <p:sldId id="259" r:id="rId5"/>
-    <p:sldId id="260" r:id="rId6"/>
-    <p:sldId id="263" r:id="rId7"/>
-    <p:sldId id="262" r:id="rId8"/>
-    <p:sldId id="264" r:id="rId9"/>
+    <p:sldId id="265" r:id="rId6"/>
+    <p:sldId id="264" r:id="rId7"/>
   </p:sldIdLst>
   <p:sldSz cx="9144000" cy="6858000" type="screen4x3"/>
   <p:notesSz cx="6858000" cy="9144000"/>
@@ -119,7 +117,7 @@
   </p:defaultTextStyle>
   <p:extLst>
     <p:ext uri="{EFAFB233-063F-42B5-8137-9DF3F51BA10A}">
-      <p15:sldGuideLst xmlns:p15="http://schemas.microsoft.com/office/powerpoint/2012/main" xmlns="">
+      <p15:sldGuideLst xmlns:p15="http://schemas.microsoft.com/office/powerpoint/2012/main">
         <p15:guide id="1" orient="horz" pos="2160">
           <p15:clr>
             <a:srgbClr val="A4A3A4"/>
@@ -218,7 +216,7 @@
           <a:p>
             <a:fld id="{B4FF162B-CE6F-6948-9E4E-CF339F017EF0}" type="datetime1">
               <a:rPr lang="de-DE" smtClean="0"/>
-              <a:t>21.06.15</a:t>
+              <a:t>23.06.2015</a:t>
             </a:fld>
             <a:endParaRPr lang="de-DE"/>
           </a:p>
@@ -384,7 +382,7 @@
           <a:p>
             <a:fld id="{F8F687C1-49B9-FC43-A5F5-4E2CAE8623DA}" type="datetime1">
               <a:rPr lang="de-DE" smtClean="0"/>
-              <a:t>21.06.15</a:t>
+              <a:t>23.06.2015</a:t>
             </a:fld>
             <a:endParaRPr lang="de-DE"/>
           </a:p>
@@ -918,7 +916,7 @@
           <a:p>
             <a:fld id="{1DACE3BB-339C-AD47-A52D-662320F7C205}" type="datetime1">
               <a:rPr lang="de-DE" smtClean="0"/>
-              <a:t>21.06.15</a:t>
+              <a:t>23.06.2015</a:t>
             </a:fld>
             <a:endParaRPr lang="de-DE"/>
           </a:p>
@@ -1088,7 +1086,7 @@
           <a:p>
             <a:fld id="{F42559F4-B3EB-344D-B633-69F007223D30}" type="datetime1">
               <a:rPr lang="de-DE" smtClean="0"/>
-              <a:t>21.06.15</a:t>
+              <a:t>23.06.2015</a:t>
             </a:fld>
             <a:endParaRPr lang="de-DE"/>
           </a:p>
@@ -1268,7 +1266,7 @@
           <a:p>
             <a:fld id="{42AF2205-F992-9F41-987F-7238F8B9F0B5}" type="datetime1">
               <a:rPr lang="de-DE" smtClean="0"/>
-              <a:t>21.06.15</a:t>
+              <a:t>23.06.2015</a:t>
             </a:fld>
             <a:endParaRPr lang="de-DE"/>
           </a:p>
@@ -1438,7 +1436,7 @@
           <a:p>
             <a:fld id="{FF84A754-A284-FB40-B909-6C25294AD20F}" type="datetime1">
               <a:rPr lang="de-DE" smtClean="0"/>
-              <a:t>21.06.15</a:t>
+              <a:t>23.06.2015</a:t>
             </a:fld>
             <a:endParaRPr lang="de-DE"/>
           </a:p>
@@ -1684,7 +1682,7 @@
           <a:p>
             <a:fld id="{CA605955-6352-BD4C-B0F3-ECEE8C6EE720}" type="datetime1">
               <a:rPr lang="de-DE" smtClean="0"/>
-              <a:t>21.06.15</a:t>
+              <a:t>23.06.2015</a:t>
             </a:fld>
             <a:endParaRPr lang="de-DE"/>
           </a:p>
@@ -1972,7 +1970,7 @@
           <a:p>
             <a:fld id="{C86AEEF6-0385-0844-9861-D3417F6C1E98}" type="datetime1">
               <a:rPr lang="de-DE" smtClean="0"/>
-              <a:t>21.06.15</a:t>
+              <a:t>23.06.2015</a:t>
             </a:fld>
             <a:endParaRPr lang="de-DE"/>
           </a:p>
@@ -2394,7 +2392,7 @@
           <a:p>
             <a:fld id="{84A495D8-31AC-6141-A708-923E383D2969}" type="datetime1">
               <a:rPr lang="de-DE" smtClean="0"/>
-              <a:t>21.06.15</a:t>
+              <a:t>23.06.2015</a:t>
             </a:fld>
             <a:endParaRPr lang="de-DE"/>
           </a:p>
@@ -2512,7 +2510,7 @@
           <a:p>
             <a:fld id="{6B9BBFBE-94A6-EE41-BDE2-C36DF8BDD6AC}" type="datetime1">
               <a:rPr lang="de-DE" smtClean="0"/>
-              <a:t>21.06.15</a:t>
+              <a:t>23.06.2015</a:t>
             </a:fld>
             <a:endParaRPr lang="de-DE"/>
           </a:p>
@@ -2607,7 +2605,7 @@
           <a:p>
             <a:fld id="{8A3BDDF1-32E1-AA48-AD7E-B28DB9397AA4}" type="datetime1">
               <a:rPr lang="de-DE" smtClean="0"/>
-              <a:t>21.06.15</a:t>
+              <a:t>23.06.2015</a:t>
             </a:fld>
             <a:endParaRPr lang="de-DE"/>
           </a:p>
@@ -2884,7 +2882,7 @@
           <a:p>
             <a:fld id="{BF30ED29-63A2-654D-9D7C-1CB6D6E00183}" type="datetime1">
               <a:rPr lang="de-DE" smtClean="0"/>
-              <a:t>21.06.15</a:t>
+              <a:t>23.06.2015</a:t>
             </a:fld>
             <a:endParaRPr lang="de-DE"/>
           </a:p>
@@ -3137,7 +3135,7 @@
           <a:p>
             <a:fld id="{4FB359BF-9004-C740-93E9-376A57F77EA5}" type="datetime1">
               <a:rPr lang="de-DE" smtClean="0"/>
-              <a:t>21.06.15</a:t>
+              <a:t>23.06.2015</a:t>
             </a:fld>
             <a:endParaRPr lang="de-DE"/>
           </a:p>
@@ -3350,7 +3348,7 @@
           <a:p>
             <a:fld id="{88615D7D-6342-384A-A16F-53E369E57F7B}" type="datetime1">
               <a:rPr lang="de-DE" smtClean="0"/>
-              <a:t>21.06.15</a:t>
+              <a:t>23.06.2015</a:t>
             </a:fld>
             <a:endParaRPr lang="de-DE"/>
           </a:p>
@@ -4142,33 +4140,7 @@
           <a:p>
             <a:r>
               <a:rPr lang="de-DE" dirty="0" smtClean="0"/>
-              <a:t>Aufgabenverteilung </a:t>
-            </a:r>
-          </a:p>
-          <a:p>
-            <a:r>
-              <a:rPr lang="de-DE" dirty="0" smtClean="0"/>
-              <a:t>Verantwortlichkeit</a:t>
-            </a:r>
-          </a:p>
-          <a:p>
-            <a:r>
-              <a:rPr lang="de-DE" dirty="0" smtClean="0"/>
-              <a:t>Meilensteine</a:t>
-            </a:r>
-          </a:p>
-          <a:p>
-            <a:r>
-              <a:rPr lang="de-DE" dirty="0"/>
-              <a:t>Zeitplan(</a:t>
-            </a:r>
-            <a:r>
-              <a:rPr lang="de-DE" dirty="0" err="1"/>
-              <a:t>Wochenrythmus</a:t>
-            </a:r>
-            <a:r>
-              <a:rPr lang="de-DE" smtClean="0"/>
-              <a:t>)</a:t>
+              <a:t>Terminplan</a:t>
             </a:r>
             <a:endParaRPr lang="de-DE" dirty="0" smtClean="0"/>
           </a:p>
@@ -4476,8 +4448,8 @@
         </p:blipFill>
         <p:spPr>
           <a:xfrm>
-            <a:off x="322730" y="1196788"/>
-            <a:ext cx="8663772" cy="4764741"/>
+            <a:off x="322730" y="1078174"/>
+            <a:ext cx="8663772" cy="4883356"/>
           </a:xfrm>
         </p:spPr>
       </p:pic>
@@ -4575,24 +4547,27 @@
             <p:ph type="title"/>
           </p:nvPr>
         </p:nvSpPr>
-        <p:spPr/>
-        <p:txBody>
-          <a:bodyPr>
-            <a:normAutofit/>
-          </a:bodyPr>
-          <a:lstStyle/>
-          <a:p>
-            <a:r>
-              <a:rPr lang="de-DE" sz="3200" dirty="0" smtClean="0"/>
-              <a:t>Aufgabenverteilung und Verantwortlichkeit</a:t>
-            </a:r>
-            <a:endParaRPr lang="de-DE" sz="3200" dirty="0"/>
+        <p:spPr>
+          <a:xfrm>
+            <a:off x="252483" y="-11965"/>
+            <a:ext cx="8229600" cy="1143000"/>
+          </a:xfrm>
+        </p:spPr>
+        <p:txBody>
+          <a:bodyPr/>
+          <a:lstStyle/>
+          <a:p>
+            <a:r>
+              <a:rPr lang="de-DE" dirty="0" smtClean="0"/>
+              <a:t>Terminplan</a:t>
+            </a:r>
+            <a:endParaRPr lang="de-DE" dirty="0"/>
           </a:p>
         </p:txBody>
       </p:sp>
       <p:graphicFrame>
         <p:nvGraphicFramePr>
-          <p:cNvPr id="4" name="Inhaltsplatzhalter 3"/>
+          <p:cNvPr id="6" name="Inhaltsplatzhalter 5"/>
           <p:cNvGraphicFramePr>
             <a:graphicFrameLocks noGrp="1"/>
           </p:cNvGraphicFramePr>
@@ -4600,14 +4575,14 @@
             <p:ph idx="1"/>
             <p:extLst>
               <p:ext uri="{D42A27DB-BD31-4B8C-83A1-F6EECF244321}">
-                <p14:modId xmlns:p14="http://schemas.microsoft.com/office/powerpoint/2010/main" val="3489556652"/>
+                <p14:modId xmlns:p14="http://schemas.microsoft.com/office/powerpoint/2010/main" val="2967724024"/>
               </p:ext>
             </p:extLst>
           </p:nvPr>
         </p:nvGraphicFramePr>
         <p:xfrm>
-          <a:off x="457200" y="1271494"/>
-          <a:ext cx="8229600" cy="5308599"/>
+          <a:off x="539086" y="876214"/>
+          <a:ext cx="8337869" cy="5862320"/>
         </p:xfrm>
         <a:graphic>
           <a:graphicData uri="http://schemas.openxmlformats.org/drawingml/2006/table">
@@ -4616,8 +4591,10 @@
                 <a:tableStyleId>{5C22544A-7EE6-4342-B048-85BDC9FD1C3A}</a:tableStyleId>
               </a:tblPr>
               <a:tblGrid>
-                <a:gridCol w="4114800"/>
-                <a:gridCol w="4114800"/>
+                <a:gridCol w="1276668"/>
+                <a:gridCol w="1353884"/>
+                <a:gridCol w="3649917"/>
+                <a:gridCol w="2057400"/>
               </a:tblGrid>
               <a:tr h="370840">
                 <a:tc>
@@ -4627,7 +4604,7 @@
                     <a:p>
                       <a:r>
                         <a:rPr lang="de-DE" dirty="0" smtClean="0"/>
-                        <a:t>Aufgaben</a:t>
+                        <a:t>Termin</a:t>
                       </a:r>
                       <a:endParaRPr lang="de-DE" dirty="0"/>
                     </a:p>
@@ -4641,832 +4618,7 @@
                     <a:p>
                       <a:r>
                         <a:rPr lang="de-DE" dirty="0" smtClean="0"/>
-                        <a:t>Verantwortlicher </a:t>
-                      </a:r>
-                      <a:endParaRPr lang="de-DE" dirty="0"/>
-                    </a:p>
-                  </a:txBody>
-                  <a:tcPr/>
-                </a:tc>
-              </a:tr>
-              <a:tr h="370840">
-                <a:tc>
-                  <a:txBody>
-                    <a:bodyPr/>
-                    <a:lstStyle/>
-                    <a:p>
-                      <a:pPr marL="0" marR="0" indent="0" algn="l" defTabSz="457200" rtl="0" eaLnBrk="1" fontAlgn="auto" latinLnBrk="0" hangingPunct="1">
-                        <a:lnSpc>
-                          <a:spcPct val="100000"/>
-                        </a:lnSpc>
-                        <a:spcBef>
-                          <a:spcPts val="0"/>
-                        </a:spcBef>
-                        <a:spcAft>
-                          <a:spcPts val="0"/>
-                        </a:spcAft>
-                        <a:buClrTx/>
-                        <a:buSzTx/>
-                        <a:buFontTx/>
-                        <a:buNone/>
-                        <a:tabLst/>
-                        <a:defRPr/>
-                      </a:pPr>
-                      <a:r>
-                        <a:rPr lang="de-DE" dirty="0" smtClean="0"/>
-                        <a:t>Gerüst(Welt) entwickeln</a:t>
-                      </a:r>
-                    </a:p>
-                    <a:p>
-                      <a:pPr marL="0" marR="0" indent="0" algn="l" defTabSz="457200" rtl="0" eaLnBrk="1" fontAlgn="auto" latinLnBrk="0" hangingPunct="1">
-                        <a:lnSpc>
-                          <a:spcPct val="100000"/>
-                        </a:lnSpc>
-                        <a:spcBef>
-                          <a:spcPts val="0"/>
-                        </a:spcBef>
-                        <a:spcAft>
-                          <a:spcPts val="0"/>
-                        </a:spcAft>
-                        <a:buClrTx/>
-                        <a:buSzTx/>
-                        <a:buFontTx/>
-                        <a:buNone/>
-                        <a:tabLst/>
-                        <a:defRPr/>
-                      </a:pPr>
-                      <a:r>
-                        <a:rPr lang="de-DE" dirty="0" smtClean="0"/>
-                        <a:t>Gameinteraktion</a:t>
-                      </a:r>
-                    </a:p>
-                    <a:p>
-                      <a:pPr marL="0" marR="0" indent="0" algn="l" defTabSz="457200" rtl="0" eaLnBrk="1" fontAlgn="auto" latinLnBrk="0" hangingPunct="1">
-                        <a:lnSpc>
-                          <a:spcPct val="100000"/>
-                        </a:lnSpc>
-                        <a:spcBef>
-                          <a:spcPts val="0"/>
-                        </a:spcBef>
-                        <a:spcAft>
-                          <a:spcPts val="0"/>
-                        </a:spcAft>
-                        <a:buClrTx/>
-                        <a:buSzTx/>
-                        <a:buFontTx/>
-                        <a:buNone/>
-                        <a:tabLst/>
-                        <a:defRPr/>
-                      </a:pPr>
-                      <a:r>
-                        <a:rPr lang="de-DE" dirty="0" smtClean="0"/>
-                        <a:t>      -</a:t>
-                      </a:r>
-                      <a:r>
-                        <a:rPr lang="de-DE" baseline="0" dirty="0" smtClean="0"/>
-                        <a:t> Pause</a:t>
-                      </a:r>
-                    </a:p>
-                    <a:p>
-                      <a:pPr marL="0" marR="0" indent="0" algn="l" defTabSz="457200" rtl="0" eaLnBrk="1" fontAlgn="auto" latinLnBrk="0" hangingPunct="1">
-                        <a:lnSpc>
-                          <a:spcPct val="100000"/>
-                        </a:lnSpc>
-                        <a:spcBef>
-                          <a:spcPts val="0"/>
-                        </a:spcBef>
-                        <a:spcAft>
-                          <a:spcPts val="0"/>
-                        </a:spcAft>
-                        <a:buClrTx/>
-                        <a:buSzTx/>
-                        <a:buFontTx/>
-                        <a:buNone/>
-                        <a:tabLst/>
-                        <a:defRPr/>
-                      </a:pPr>
-                      <a:r>
-                        <a:rPr lang="de-DE" baseline="0" dirty="0" smtClean="0"/>
-                        <a:t>      - Start</a:t>
-                      </a:r>
-                      <a:endParaRPr lang="de-DE" dirty="0" smtClean="0"/>
-                    </a:p>
-                    <a:p>
-                      <a:pPr marL="0" marR="0" indent="0" algn="l" defTabSz="457200" rtl="0" eaLnBrk="1" fontAlgn="auto" latinLnBrk="0" hangingPunct="1">
-                        <a:lnSpc>
-                          <a:spcPct val="100000"/>
-                        </a:lnSpc>
-                        <a:spcBef>
-                          <a:spcPts val="0"/>
-                        </a:spcBef>
-                        <a:spcAft>
-                          <a:spcPts val="0"/>
-                        </a:spcAft>
-                        <a:buClrTx/>
-                        <a:buSzTx/>
-                        <a:buFontTx/>
-                        <a:buNone/>
-                        <a:tabLst/>
-                        <a:defRPr/>
-                      </a:pPr>
-                      <a:r>
-                        <a:rPr lang="de-DE" dirty="0" smtClean="0"/>
-                        <a:t>Schlange erstellen</a:t>
-                      </a:r>
-                    </a:p>
-                    <a:p>
-                      <a:pPr marL="0" marR="0" indent="0" algn="l" defTabSz="457200" rtl="0" eaLnBrk="1" fontAlgn="auto" latinLnBrk="0" hangingPunct="1">
-                        <a:lnSpc>
-                          <a:spcPct val="100000"/>
-                        </a:lnSpc>
-                        <a:spcBef>
-                          <a:spcPts val="0"/>
-                        </a:spcBef>
-                        <a:spcAft>
-                          <a:spcPts val="0"/>
-                        </a:spcAft>
-                        <a:buClrTx/>
-                        <a:buSzTx/>
-                        <a:buFontTx/>
-                        <a:buNone/>
-                        <a:tabLst/>
-                        <a:defRPr/>
-                      </a:pPr>
-                      <a:r>
-                        <a:rPr lang="de-DE" dirty="0" smtClean="0"/>
-                        <a:t>Essen erscheint</a:t>
-                      </a:r>
-                    </a:p>
-                  </a:txBody>
-                  <a:tcPr/>
-                </a:tc>
-                <a:tc>
-                  <a:txBody>
-                    <a:bodyPr/>
-                    <a:lstStyle/>
-                    <a:p>
-                      <a:r>
-                        <a:rPr lang="de-DE" dirty="0" smtClean="0"/>
-                        <a:t>Ramón</a:t>
-                      </a:r>
-                      <a:endParaRPr lang="de-DE" dirty="0"/>
-                    </a:p>
-                  </a:txBody>
-                  <a:tcPr/>
-                </a:tc>
-              </a:tr>
-              <a:tr h="370840">
-                <a:tc>
-                  <a:txBody>
-                    <a:bodyPr/>
-                    <a:lstStyle/>
-                    <a:p>
-                      <a:r>
-                        <a:rPr lang="de-DE" dirty="0" smtClean="0"/>
-                        <a:t>Navigation</a:t>
-                      </a:r>
-                    </a:p>
-                    <a:p>
-                      <a:r>
-                        <a:rPr lang="de-DE" dirty="0" smtClean="0"/>
-                        <a:t>     - Steuerung</a:t>
-                      </a:r>
-                      <a:endParaRPr lang="de-DE" baseline="0" dirty="0" smtClean="0"/>
-                    </a:p>
-                    <a:p>
-                      <a:r>
-                        <a:rPr lang="de-DE" dirty="0" smtClean="0"/>
-                        <a:t>    </a:t>
-                      </a:r>
-                      <a:r>
-                        <a:rPr lang="de-DE" baseline="0" dirty="0" smtClean="0"/>
-                        <a:t> - Springen</a:t>
-                      </a:r>
-                      <a:endParaRPr lang="de-DE" dirty="0" smtClean="0"/>
-                    </a:p>
-                    <a:p>
-                      <a:r>
-                        <a:rPr lang="de-DE" dirty="0" smtClean="0"/>
-                        <a:t>High Score</a:t>
-                      </a:r>
-                    </a:p>
-                    <a:p>
-                      <a:r>
-                        <a:rPr lang="de-DE" dirty="0" smtClean="0"/>
-                        <a:t>     </a:t>
-                      </a:r>
-                      <a:r>
-                        <a:rPr lang="de-DE" baseline="0" dirty="0" smtClean="0"/>
-                        <a:t> - Essen zählen</a:t>
-                      </a:r>
-                      <a:endParaRPr lang="de-DE" dirty="0"/>
-                    </a:p>
-                  </a:txBody>
-                  <a:tcPr/>
-                </a:tc>
-                <a:tc>
-                  <a:txBody>
-                    <a:bodyPr/>
-                    <a:lstStyle/>
-                    <a:p>
-                      <a:r>
-                        <a:rPr lang="de-DE" dirty="0" smtClean="0"/>
-                        <a:t>Meltem</a:t>
-                      </a:r>
-                      <a:endParaRPr lang="de-DE" dirty="0"/>
-                    </a:p>
-                  </a:txBody>
-                  <a:tcPr/>
-                </a:tc>
-              </a:tr>
-              <a:tr h="370840">
-                <a:tc>
-                  <a:txBody>
-                    <a:bodyPr/>
-                    <a:lstStyle/>
-                    <a:p>
-                      <a:r>
-                        <a:rPr lang="de-DE" dirty="0" smtClean="0"/>
-                        <a:t>Kollision</a:t>
-                      </a:r>
-                    </a:p>
-                    <a:p>
-                      <a:r>
-                        <a:rPr lang="de-DE" dirty="0" smtClean="0"/>
-                        <a:t>     - Wand</a:t>
-                      </a:r>
-                    </a:p>
-                    <a:p>
-                      <a:r>
-                        <a:rPr lang="de-DE" dirty="0" smtClean="0"/>
-                        <a:t>     - Essen </a:t>
-                      </a:r>
-                    </a:p>
-                    <a:p>
-                      <a:r>
-                        <a:rPr lang="de-DE" dirty="0" smtClean="0"/>
-                        <a:t>Menü</a:t>
-                      </a:r>
-                    </a:p>
-                    <a:p>
-                      <a:r>
-                        <a:rPr lang="de-DE" dirty="0" smtClean="0"/>
-                        <a:t>     -</a:t>
-                      </a:r>
-                      <a:r>
-                        <a:rPr lang="de-DE" baseline="0" dirty="0" smtClean="0"/>
-                        <a:t> Anleitung</a:t>
-                      </a:r>
-                    </a:p>
-                    <a:p>
-                      <a:r>
-                        <a:rPr lang="de-DE" baseline="0" dirty="0" smtClean="0"/>
-                        <a:t>     - Start</a:t>
-                      </a:r>
-                      <a:endParaRPr lang="de-DE" dirty="0"/>
-                    </a:p>
-                  </a:txBody>
-                  <a:tcPr/>
-                </a:tc>
-                <a:tc>
-                  <a:txBody>
-                    <a:bodyPr/>
-                    <a:lstStyle/>
-                    <a:p>
-                      <a:r>
-                        <a:rPr lang="de-DE" dirty="0" smtClean="0"/>
-                        <a:t>Katharina</a:t>
-                      </a:r>
-                      <a:endParaRPr lang="de-DE" dirty="0"/>
-                    </a:p>
-                  </a:txBody>
-                  <a:tcPr/>
-                </a:tc>
-              </a:tr>
-            </a:tbl>
-          </a:graphicData>
-        </a:graphic>
-      </p:graphicFrame>
-      <p:sp>
-        <p:nvSpPr>
-          <p:cNvPr id="5" name="Foliennummernplatzhalter 4"/>
-          <p:cNvSpPr>
-            <a:spLocks noGrp="1"/>
-          </p:cNvSpPr>
-          <p:nvPr>
-            <p:ph type="sldNum" sz="quarter" idx="12"/>
-          </p:nvPr>
-        </p:nvSpPr>
-        <p:spPr/>
-        <p:txBody>
-          <a:bodyPr/>
-          <a:lstStyle/>
-          <a:p>
-            <a:fld id="{8C23CA4F-E948-324D-AE99-93DD634CB28D}" type="slidenum">
-              <a:rPr lang="de-DE" smtClean="0"/>
-              <a:t>5</a:t>
-            </a:fld>
-            <a:endParaRPr lang="de-DE"/>
-          </a:p>
-        </p:txBody>
-      </p:sp>
-      <p:sp>
-        <p:nvSpPr>
-          <p:cNvPr id="6" name="Fußzeilenplatzhalter 5"/>
-          <p:cNvSpPr>
-            <a:spLocks noGrp="1"/>
-          </p:cNvSpPr>
-          <p:nvPr>
-            <p:ph type="ftr" sz="quarter" idx="11"/>
-          </p:nvPr>
-        </p:nvSpPr>
-        <p:spPr/>
-        <p:txBody>
-          <a:bodyPr/>
-          <a:lstStyle/>
-          <a:p>
-            <a:r>
-              <a:rPr lang="de-DE" dirty="0" smtClean="0"/>
-              <a:t>Seite </a:t>
-            </a:r>
-            <a:fld id="{0A097ED9-F555-3646-97DF-32BC18C12F43}" type="slidenum">
-              <a:rPr lang="de-DE" smtClean="0"/>
-              <a:t>5</a:t>
-            </a:fld>
-            <a:r>
-              <a:rPr lang="de-DE" dirty="0" smtClean="0"/>
-              <a:t> von </a:t>
-            </a:r>
-            <a:endParaRPr lang="de-DE" dirty="0"/>
-          </a:p>
-        </p:txBody>
-      </p:sp>
-    </p:spTree>
-    <p:extLst>
-      <p:ext uri="{BB962C8B-B14F-4D97-AF65-F5344CB8AC3E}">
-        <p14:creationId xmlns:p14="http://schemas.microsoft.com/office/powerpoint/2010/main" val="3456867706"/>
-      </p:ext>
-    </p:extLst>
-  </p:cSld>
-  <p:clrMapOvr>
-    <a:masterClrMapping/>
-  </p:clrMapOvr>
-</p:sld>
-</file>
-
-<file path=ppt/slides/slide6.xml><?xml version="1.0" encoding="utf-8"?>
-<p:sld xmlns:a="http://schemas.openxmlformats.org/drawingml/2006/main" xmlns:r="http://schemas.openxmlformats.org/officeDocument/2006/relationships" xmlns:p="http://schemas.openxmlformats.org/presentationml/2006/main">
-  <p:cSld>
-    <p:spTree>
-      <p:nvGrpSpPr>
-        <p:cNvPr id="1" name=""/>
-        <p:cNvGrpSpPr/>
-        <p:nvPr/>
-      </p:nvGrpSpPr>
-      <p:grpSpPr>
-        <a:xfrm>
-          <a:off x="0" y="0"/>
-          <a:ext cx="0" cy="0"/>
-          <a:chOff x="0" y="0"/>
-          <a:chExt cx="0" cy="0"/>
-        </a:xfrm>
-      </p:grpSpPr>
-      <p:sp>
-        <p:nvSpPr>
-          <p:cNvPr id="2" name="Titel 1"/>
-          <p:cNvSpPr>
-            <a:spLocks noGrp="1"/>
-          </p:cNvSpPr>
-          <p:nvPr>
-            <p:ph type="title"/>
-          </p:nvPr>
-        </p:nvSpPr>
-        <p:spPr/>
-        <p:txBody>
-          <a:bodyPr/>
-          <a:lstStyle/>
-          <a:p>
-            <a:r>
-              <a:rPr lang="de-DE" dirty="0" smtClean="0"/>
-              <a:t>Meilensteine</a:t>
-            </a:r>
-            <a:endParaRPr lang="de-DE" dirty="0"/>
-          </a:p>
-        </p:txBody>
-      </p:sp>
-      <p:graphicFrame>
-        <p:nvGraphicFramePr>
-          <p:cNvPr id="4" name="Inhaltsplatzhalter 3"/>
-          <p:cNvGraphicFramePr>
-            <a:graphicFrameLocks noGrp="1"/>
-          </p:cNvGraphicFramePr>
-          <p:nvPr>
-            <p:ph idx="1"/>
-            <p:extLst>
-              <p:ext uri="{D42A27DB-BD31-4B8C-83A1-F6EECF244321}">
-                <p14:modId xmlns:p14="http://schemas.microsoft.com/office/powerpoint/2010/main" val="695649721"/>
-              </p:ext>
-            </p:extLst>
-          </p:nvPr>
-        </p:nvGraphicFramePr>
-        <p:xfrm>
-          <a:off x="457200" y="1600200"/>
-          <a:ext cx="8229600" cy="4577079"/>
-        </p:xfrm>
-        <a:graphic>
-          <a:graphicData uri="http://schemas.openxmlformats.org/drawingml/2006/table">
-            <a:tbl>
-              <a:tblPr firstRow="1" bandRow="1">
-                <a:tableStyleId>{5C22544A-7EE6-4342-B048-85BDC9FD1C3A}</a:tableStyleId>
-              </a:tblPr>
-              <a:tblGrid>
-                <a:gridCol w="708212"/>
-                <a:gridCol w="7521388"/>
-              </a:tblGrid>
-              <a:tr h="370840">
-                <a:tc>
-                  <a:txBody>
-                    <a:bodyPr/>
-                    <a:lstStyle/>
-                    <a:p>
-                      <a:endParaRPr lang="de-DE" dirty="0"/>
-                    </a:p>
-                  </a:txBody>
-                  <a:tcPr/>
-                </a:tc>
-                <a:tc>
-                  <a:txBody>
-                    <a:bodyPr/>
-                    <a:lstStyle/>
-                    <a:p>
-                      <a:endParaRPr lang="de-DE"/>
-                    </a:p>
-                  </a:txBody>
-                  <a:tcPr/>
-                </a:tc>
-              </a:tr>
-              <a:tr h="370840">
-                <a:tc>
-                  <a:txBody>
-                    <a:bodyPr/>
-                    <a:lstStyle/>
-                    <a:p>
-                      <a:r>
-                        <a:rPr lang="de-DE" dirty="0" smtClean="0"/>
-                        <a:t>1.</a:t>
-                      </a:r>
-                      <a:endParaRPr lang="de-DE" dirty="0"/>
-                    </a:p>
-                  </a:txBody>
-                  <a:tcPr/>
-                </a:tc>
-                <a:tc>
-                  <a:txBody>
-                    <a:bodyPr/>
-                    <a:lstStyle/>
-                    <a:p>
-                      <a:r>
-                        <a:rPr lang="de-DE" dirty="0" smtClean="0"/>
-                        <a:t>- Schauplatz</a:t>
-                      </a:r>
-                    </a:p>
-                    <a:p>
-                      <a:pPr marL="0" indent="0">
-                        <a:buFontTx/>
-                        <a:buNone/>
-                      </a:pPr>
-                      <a:r>
-                        <a:rPr lang="de-DE" dirty="0" smtClean="0"/>
-                        <a:t>- Schlange</a:t>
-                      </a:r>
-                    </a:p>
-                    <a:p>
-                      <a:pPr marL="0" indent="0">
-                        <a:buFontTx/>
-                        <a:buNone/>
-                      </a:pPr>
-                      <a:r>
-                        <a:rPr lang="de-DE" dirty="0" smtClean="0"/>
-                        <a:t>- HTML</a:t>
-                      </a:r>
-                      <a:endParaRPr lang="de-DE" dirty="0"/>
-                    </a:p>
-                  </a:txBody>
-                  <a:tcPr/>
-                </a:tc>
-              </a:tr>
-              <a:tr h="370840">
-                <a:tc>
-                  <a:txBody>
-                    <a:bodyPr/>
-                    <a:lstStyle/>
-                    <a:p>
-                      <a:r>
-                        <a:rPr lang="de-DE" dirty="0" smtClean="0"/>
-                        <a:t>2.</a:t>
-                      </a:r>
-                      <a:endParaRPr lang="de-DE" dirty="0"/>
-                    </a:p>
-                  </a:txBody>
-                  <a:tcPr/>
-                </a:tc>
-                <a:tc>
-                  <a:txBody>
-                    <a:bodyPr/>
-                    <a:lstStyle/>
-                    <a:p>
-                      <a:r>
-                        <a:rPr lang="de-DE" dirty="0" smtClean="0"/>
-                        <a:t>- Navigation</a:t>
-                      </a:r>
-                      <a:r>
-                        <a:rPr lang="de-DE" baseline="0" dirty="0" smtClean="0"/>
-                        <a:t> u. Steuerung</a:t>
-                      </a:r>
-                    </a:p>
-                    <a:p>
-                      <a:r>
-                        <a:rPr lang="de-DE" baseline="0" dirty="0" smtClean="0"/>
-                        <a:t>- Wachsen u. Schrumpfen </a:t>
-                      </a:r>
-                    </a:p>
-                    <a:p>
-                      <a:r>
-                        <a:rPr lang="de-DE" baseline="0" dirty="0" smtClean="0"/>
-                        <a:t>- Essen</a:t>
-                      </a:r>
-                      <a:endParaRPr lang="de-DE" dirty="0"/>
-                    </a:p>
-                  </a:txBody>
-                  <a:tcPr/>
-                </a:tc>
-              </a:tr>
-              <a:tr h="370840">
-                <a:tc>
-                  <a:txBody>
-                    <a:bodyPr/>
-                    <a:lstStyle/>
-                    <a:p>
-                      <a:r>
-                        <a:rPr lang="de-DE" dirty="0" smtClean="0"/>
-                        <a:t>3.</a:t>
-                      </a:r>
-                      <a:endParaRPr lang="de-DE" dirty="0"/>
-                    </a:p>
-                  </a:txBody>
-                  <a:tcPr/>
-                </a:tc>
-                <a:tc>
-                  <a:txBody>
-                    <a:bodyPr/>
-                    <a:lstStyle/>
-                    <a:p>
-                      <a:r>
-                        <a:rPr lang="de-DE" dirty="0" smtClean="0"/>
-                        <a:t>- Menü</a:t>
-                      </a:r>
-                    </a:p>
-                    <a:p>
-                      <a:r>
-                        <a:rPr lang="de-DE" dirty="0" smtClean="0"/>
-                        <a:t>- Start</a:t>
-                      </a:r>
-                      <a:r>
-                        <a:rPr lang="de-DE" baseline="0" dirty="0" smtClean="0"/>
-                        <a:t> u. Pause</a:t>
-                      </a:r>
-                    </a:p>
-                    <a:p>
-                      <a:r>
-                        <a:rPr lang="de-DE" baseline="0" dirty="0" smtClean="0"/>
-                        <a:t>- Spielstand</a:t>
-                      </a:r>
-                    </a:p>
-                    <a:p>
-                      <a:r>
-                        <a:rPr lang="de-DE" baseline="0" dirty="0" smtClean="0"/>
-                        <a:t>- Wände Portalfunktion</a:t>
-                      </a:r>
-                      <a:endParaRPr lang="de-DE" dirty="0"/>
-                    </a:p>
-                  </a:txBody>
-                  <a:tcPr/>
-                </a:tc>
-              </a:tr>
-              <a:tr h="370840">
-                <a:tc>
-                  <a:txBody>
-                    <a:bodyPr/>
-                    <a:lstStyle/>
-                    <a:p>
-                      <a:r>
-                        <a:rPr lang="de-DE" dirty="0" smtClean="0"/>
-                        <a:t>4</a:t>
-                      </a:r>
-                      <a:endParaRPr lang="de-DE" dirty="0"/>
-                    </a:p>
-                  </a:txBody>
-                  <a:tcPr/>
-                </a:tc>
-                <a:tc>
-                  <a:txBody>
-                    <a:bodyPr/>
-                    <a:lstStyle/>
-                    <a:p>
-                      <a:r>
-                        <a:rPr lang="de-DE" dirty="0" smtClean="0"/>
-                        <a:t>Testing</a:t>
-                      </a:r>
-                    </a:p>
-                    <a:p>
-                      <a:r>
-                        <a:rPr lang="de-DE" dirty="0" smtClean="0"/>
-                        <a:t>Bugfix</a:t>
-                      </a:r>
-                    </a:p>
-                    <a:p>
-                      <a:r>
-                        <a:rPr lang="de-DE" dirty="0" smtClean="0"/>
-                        <a:t>Logo</a:t>
-                      </a:r>
-                    </a:p>
-                    <a:p>
-                      <a:r>
-                        <a:rPr lang="de-DE" dirty="0" smtClean="0"/>
-                        <a:t>Finale</a:t>
-                      </a:r>
-                      <a:r>
-                        <a:rPr lang="de-DE" baseline="0" dirty="0" smtClean="0"/>
-                        <a:t> Präsentation</a:t>
-                      </a:r>
-                      <a:endParaRPr lang="de-DE" dirty="0" smtClean="0"/>
-                    </a:p>
-                  </a:txBody>
-                  <a:tcPr/>
-                </a:tc>
-              </a:tr>
-            </a:tbl>
-          </a:graphicData>
-        </a:graphic>
-      </p:graphicFrame>
-      <p:sp>
-        <p:nvSpPr>
-          <p:cNvPr id="5" name="Foliennummernplatzhalter 4"/>
-          <p:cNvSpPr>
-            <a:spLocks noGrp="1"/>
-          </p:cNvSpPr>
-          <p:nvPr>
-            <p:ph type="sldNum" sz="quarter" idx="12"/>
-          </p:nvPr>
-        </p:nvSpPr>
-        <p:spPr/>
-        <p:txBody>
-          <a:bodyPr/>
-          <a:lstStyle/>
-          <a:p>
-            <a:fld id="{8C23CA4F-E948-324D-AE99-93DD634CB28D}" type="slidenum">
-              <a:rPr lang="de-DE" smtClean="0"/>
-              <a:t>6</a:t>
-            </a:fld>
-            <a:endParaRPr lang="de-DE"/>
-          </a:p>
-        </p:txBody>
-      </p:sp>
-      <p:sp>
-        <p:nvSpPr>
-          <p:cNvPr id="6" name="Fußzeilenplatzhalter 5"/>
-          <p:cNvSpPr>
-            <a:spLocks noGrp="1"/>
-          </p:cNvSpPr>
-          <p:nvPr>
-            <p:ph type="ftr" sz="quarter" idx="11"/>
-          </p:nvPr>
-        </p:nvSpPr>
-        <p:spPr/>
-        <p:txBody>
-          <a:bodyPr/>
-          <a:lstStyle/>
-          <a:p>
-            <a:r>
-              <a:rPr lang="de-DE" dirty="0" smtClean="0"/>
-              <a:t>Seite </a:t>
-            </a:r>
-            <a:fld id="{0A097ED9-F555-3646-97DF-32BC18C12F43}" type="slidenum">
-              <a:rPr lang="de-DE" smtClean="0"/>
-              <a:t>6</a:t>
-            </a:fld>
-            <a:r>
-              <a:rPr lang="de-DE" dirty="0" smtClean="0"/>
-              <a:t> von </a:t>
-            </a:r>
-            <a:endParaRPr lang="de-DE" dirty="0"/>
-          </a:p>
-        </p:txBody>
-      </p:sp>
-    </p:spTree>
-    <p:extLst>
-      <p:ext uri="{BB962C8B-B14F-4D97-AF65-F5344CB8AC3E}">
-        <p14:creationId xmlns:p14="http://schemas.microsoft.com/office/powerpoint/2010/main" val="550613992"/>
-      </p:ext>
-    </p:extLst>
-  </p:cSld>
-  <p:clrMapOvr>
-    <a:masterClrMapping/>
-  </p:clrMapOvr>
-</p:sld>
-</file>
-
-<file path=ppt/slides/slide7.xml><?xml version="1.0" encoding="utf-8"?>
-<p:sld xmlns:a="http://schemas.openxmlformats.org/drawingml/2006/main" xmlns:r="http://schemas.openxmlformats.org/officeDocument/2006/relationships" xmlns:p="http://schemas.openxmlformats.org/presentationml/2006/main">
-  <p:cSld>
-    <p:spTree>
-      <p:nvGrpSpPr>
-        <p:cNvPr id="1" name=""/>
-        <p:cNvGrpSpPr/>
-        <p:nvPr/>
-      </p:nvGrpSpPr>
-      <p:grpSpPr>
-        <a:xfrm>
-          <a:off x="0" y="0"/>
-          <a:ext cx="0" cy="0"/>
-          <a:chOff x="0" y="0"/>
-          <a:chExt cx="0" cy="0"/>
-        </a:xfrm>
-      </p:grpSpPr>
-      <p:sp>
-        <p:nvSpPr>
-          <p:cNvPr id="2" name="Titel 1"/>
-          <p:cNvSpPr>
-            <a:spLocks noGrp="1"/>
-          </p:cNvSpPr>
-          <p:nvPr>
-            <p:ph type="title"/>
-          </p:nvPr>
-        </p:nvSpPr>
-        <p:spPr/>
-        <p:txBody>
-          <a:bodyPr>
-            <a:normAutofit fontScale="90000"/>
-          </a:bodyPr>
-          <a:lstStyle/>
-          <a:p>
-            <a:r>
-              <a:rPr lang="de-DE" dirty="0" smtClean="0"/>
-              <a:t>Zeitplan(</a:t>
-            </a:r>
-            <a:r>
-              <a:rPr lang="de-DE" dirty="0" err="1" smtClean="0"/>
-              <a:t>Wochenrythmus</a:t>
-            </a:r>
-            <a:r>
-              <a:rPr lang="de-DE" dirty="0" smtClean="0"/>
-              <a:t>)</a:t>
-            </a:r>
-            <a:br>
-              <a:rPr lang="de-DE" dirty="0" smtClean="0"/>
-            </a:br>
-            <a:endParaRPr lang="de-DE" dirty="0"/>
-          </a:p>
-        </p:txBody>
-      </p:sp>
-      <p:graphicFrame>
-        <p:nvGraphicFramePr>
-          <p:cNvPr id="7" name="Inhaltsplatzhalter 6"/>
-          <p:cNvGraphicFramePr>
-            <a:graphicFrameLocks noGrp="1"/>
-          </p:cNvGraphicFramePr>
-          <p:nvPr>
-            <p:ph idx="1"/>
-            <p:extLst>
-              <p:ext uri="{D42A27DB-BD31-4B8C-83A1-F6EECF244321}">
-                <p14:modId xmlns:p14="http://schemas.microsoft.com/office/powerpoint/2010/main" val="496277167"/>
-              </p:ext>
-            </p:extLst>
-          </p:nvPr>
-        </p:nvGraphicFramePr>
-        <p:xfrm>
-          <a:off x="457200" y="1600200"/>
-          <a:ext cx="8229600" cy="2595880"/>
-        </p:xfrm>
-        <a:graphic>
-          <a:graphicData uri="http://schemas.openxmlformats.org/drawingml/2006/table">
-            <a:tbl>
-              <a:tblPr firstRow="1" bandRow="1">
-                <a:tableStyleId>{B301B821-A1FF-4177-AEE7-76D212191A09}</a:tableStyleId>
-              </a:tblPr>
-              <a:tblGrid>
-                <a:gridCol w="2142565"/>
-                <a:gridCol w="6087035"/>
-              </a:tblGrid>
-              <a:tr h="370840">
-                <a:tc>
-                  <a:txBody>
-                    <a:bodyPr/>
-                    <a:lstStyle/>
-                    <a:p>
-                      <a:r>
-                        <a:rPr lang="de-DE" dirty="0" smtClean="0"/>
-                        <a:t>Woche</a:t>
+                        <a:t>Meilenstein</a:t>
                       </a:r>
                       <a:endParaRPr lang="de-DE" dirty="0"/>
                     </a:p>
@@ -5487,6 +4639,20 @@
                   </a:txBody>
                   <a:tcPr/>
                 </a:tc>
+                <a:tc>
+                  <a:txBody>
+                    <a:bodyPr/>
+                    <a:lstStyle/>
+                    <a:p>
+                      <a:r>
+                        <a:rPr lang="de-DE" dirty="0" smtClean="0"/>
+                        <a:t>Verantwortlichkeit</a:t>
+                      </a:r>
+                      <a:endParaRPr lang="de-DE" dirty="0"/>
+                    </a:p>
+                  </a:txBody>
+                  <a:tcPr/>
+                </a:tc>
               </a:tr>
               <a:tr h="370840">
                 <a:tc>
@@ -5496,7 +4662,7 @@
                     <a:p>
                       <a:r>
                         <a:rPr lang="de-DE" dirty="0" smtClean="0"/>
-                        <a:t>26 -28</a:t>
+                        <a:t>12.07.2015</a:t>
                       </a:r>
                       <a:endParaRPr lang="de-DE" dirty="0"/>
                     </a:p>
@@ -5510,46 +4676,9 @@
                     <a:p>
                       <a:r>
                         <a:rPr lang="de-DE" dirty="0" smtClean="0"/>
-                        <a:t>1. Meilenstein</a:t>
+                        <a:t>1. </a:t>
                       </a:r>
                       <a:endParaRPr lang="de-DE" dirty="0"/>
-                    </a:p>
-                  </a:txBody>
-                  <a:tcPr/>
-                </a:tc>
-              </a:tr>
-              <a:tr h="370840">
-                <a:tc>
-                  <a:txBody>
-                    <a:bodyPr/>
-                    <a:lstStyle/>
-                    <a:p>
-                      <a:pPr marL="0" marR="0" indent="0" algn="l" defTabSz="457200" rtl="0" eaLnBrk="1" fontAlgn="auto" latinLnBrk="0" hangingPunct="1">
-                        <a:lnSpc>
-                          <a:spcPct val="100000"/>
-                        </a:lnSpc>
-                        <a:spcBef>
-                          <a:spcPts val="0"/>
-                        </a:spcBef>
-                        <a:spcAft>
-                          <a:spcPts val="0"/>
-                        </a:spcAft>
-                        <a:buClrTx/>
-                        <a:buSzTx/>
-                        <a:buFontTx/>
-                        <a:buNone/>
-                        <a:tabLst/>
-                        <a:defRPr/>
-                      </a:pPr>
-                      <a:r>
-                        <a:rPr lang="de-DE" dirty="0" smtClean="0"/>
-                        <a:t>29</a:t>
-                      </a:r>
-                      <a:r>
-                        <a:rPr lang="de-DE" baseline="0" dirty="0" smtClean="0"/>
-                        <a:t> – 31</a:t>
-                      </a:r>
-                      <a:endParaRPr lang="de-DE" dirty="0" smtClean="0"/>
                     </a:p>
                   </a:txBody>
                   <a:tcPr/>
@@ -5578,8 +4707,38 @@
                       </a:pPr>
                       <a:r>
                         <a:rPr lang="de-DE" dirty="0" smtClean="0"/>
-                        <a:t>Prüfungen</a:t>
+                        <a:t>-Three.js kennenlernen</a:t>
                       </a:r>
+                    </a:p>
+                    <a:p>
+                      <a:r>
+                        <a:rPr lang="de-DE" dirty="0" smtClean="0"/>
+                        <a:t>-HTML-Gerüst</a:t>
+                      </a:r>
+                    </a:p>
+                    <a:p>
+                      <a:r>
+                        <a:rPr lang="de-DE" dirty="0" smtClean="0"/>
+                        <a:t>-Modelle</a:t>
+                      </a:r>
+                    </a:p>
+                  </a:txBody>
+                  <a:tcPr/>
+                </a:tc>
+                <a:tc>
+                  <a:txBody>
+                    <a:bodyPr/>
+                    <a:lstStyle/>
+                    <a:p>
+                      <a:r>
+                        <a:rPr lang="de-DE" dirty="0" smtClean="0"/>
+                        <a:t>Meltem </a:t>
+                      </a:r>
+                      <a:r>
+                        <a:rPr lang="de-DE" dirty="0" err="1" smtClean="0"/>
+                        <a:t>Özkul</a:t>
+                      </a:r>
+                      <a:endParaRPr lang="de-DE" dirty="0"/>
                     </a:p>
                   </a:txBody>
                   <a:tcPr/>
@@ -5593,11 +4752,56 @@
                     <a:p>
                       <a:r>
                         <a:rPr lang="de-DE" dirty="0" smtClean="0"/>
-                        <a:t>32</a:t>
+                        <a:t>Bis 31.07.2015</a:t>
                       </a:r>
+                    </a:p>
+                  </a:txBody>
+                  <a:tcPr/>
+                </a:tc>
+                <a:tc>
+                  <a:txBody>
+                    <a:bodyPr/>
+                    <a:lstStyle/>
+                    <a:p>
+                      <a:endParaRPr lang="de-DE" dirty="0"/>
+                    </a:p>
+                  </a:txBody>
+                  <a:tcPr/>
+                </a:tc>
+                <a:tc>
+                  <a:txBody>
+                    <a:bodyPr/>
+                    <a:lstStyle/>
+                    <a:p>
                       <a:r>
-                        <a:rPr lang="de-DE" baseline="0" dirty="0" smtClean="0"/>
-                        <a:t> – 34</a:t>
+                        <a:rPr lang="de-DE" dirty="0" smtClean="0"/>
+                        <a:t>-Prüfungswochen</a:t>
+                      </a:r>
+                      <a:endParaRPr lang="de-DE" dirty="0"/>
+                    </a:p>
+                  </a:txBody>
+                  <a:tcPr/>
+                </a:tc>
+                <a:tc>
+                  <a:txBody>
+                    <a:bodyPr/>
+                    <a:lstStyle/>
+                    <a:p>
+                      <a:endParaRPr lang="de-DE"/>
+                    </a:p>
+                  </a:txBody>
+                  <a:tcPr/>
+                </a:tc>
+              </a:tr>
+              <a:tr h="370840">
+                <a:tc>
+                  <a:txBody>
+                    <a:bodyPr/>
+                    <a:lstStyle/>
+                    <a:p>
+                      <a:r>
+                        <a:rPr lang="de-DE" dirty="0" smtClean="0"/>
+                        <a:t>23.08.2015</a:t>
                       </a:r>
                       <a:endParaRPr lang="de-DE" dirty="0"/>
                     </a:p>
@@ -5613,9 +4817,76 @@
                         <a:rPr lang="de-DE" dirty="0" smtClean="0"/>
                         <a:t>2.</a:t>
                       </a:r>
+                      <a:endParaRPr lang="de-DE" dirty="0"/>
+                    </a:p>
+                  </a:txBody>
+                  <a:tcPr/>
+                </a:tc>
+                <a:tc>
+                  <a:txBody>
+                    <a:bodyPr/>
+                    <a:lstStyle/>
+                    <a:p>
+                      <a:r>
+                        <a:rPr lang="de-DE" dirty="0" smtClean="0"/>
+                        <a:t>-Navigation und Steuerung</a:t>
+                      </a:r>
+                    </a:p>
+                    <a:p>
+                      <a:r>
+                        <a:rPr lang="de-DE" dirty="0" smtClean="0"/>
+                        <a:t>-Wachsen und Schrumpfen</a:t>
+                      </a:r>
+                    </a:p>
+                    <a:p>
+                      <a:r>
+                        <a:rPr lang="de-DE" dirty="0" smtClean="0"/>
+                        <a:t>-Essen</a:t>
+                      </a:r>
+                      <a:endParaRPr lang="de-DE" dirty="0"/>
+                    </a:p>
+                  </a:txBody>
+                  <a:tcPr/>
+                </a:tc>
+                <a:tc>
+                  <a:txBody>
+                    <a:bodyPr/>
+                    <a:lstStyle/>
+                    <a:p>
+                      <a:r>
+                        <a:rPr lang="de-DE" dirty="0" smtClean="0"/>
+                        <a:t>Meltem</a:t>
+                      </a:r>
                       <a:r>
                         <a:rPr lang="de-DE" baseline="0" dirty="0" smtClean="0"/>
-                        <a:t> Meilenstein</a:t>
+                        <a:t> </a:t>
+                      </a:r>
+                      <a:r>
+                        <a:rPr lang="de-DE" baseline="0" dirty="0" err="1" smtClean="0"/>
+                        <a:t>Özkul</a:t>
+                      </a:r>
+                      <a:endParaRPr lang="de-DE" baseline="0" dirty="0" smtClean="0"/>
+                    </a:p>
+                    <a:p>
+                      <a:endParaRPr lang="de-DE" baseline="0" dirty="0" smtClean="0"/>
+                    </a:p>
+                    <a:p>
+                      <a:r>
+                        <a:rPr lang="de-DE" baseline="0" dirty="0" smtClean="0"/>
+                        <a:t>Katharina Kahlert</a:t>
+                      </a:r>
+                    </a:p>
+                    <a:p>
+                      <a:endParaRPr lang="de-DE" baseline="0" dirty="0" smtClean="0"/>
+                    </a:p>
+                    <a:p>
+                      <a:r>
+                        <a:rPr lang="de-DE" baseline="0" dirty="0" smtClean="0"/>
+                        <a:t>Ramón </a:t>
+                      </a:r>
+                      <a:r>
+                        <a:rPr lang="de-DE" baseline="0" dirty="0" err="1" smtClean="0"/>
+                        <a:t>wilhelm</a:t>
                       </a:r>
                       <a:endParaRPr lang="de-DE" dirty="0"/>
                     </a:p>
@@ -5631,11 +4902,7 @@
                     <a:p>
                       <a:r>
                         <a:rPr lang="de-DE" dirty="0" smtClean="0"/>
-                        <a:t>35</a:t>
-                      </a:r>
-                      <a:r>
-                        <a:rPr lang="de-DE" baseline="0" dirty="0" smtClean="0"/>
-                        <a:t> – 37 </a:t>
+                        <a:t>13.09.2015</a:t>
                       </a:r>
                       <a:endParaRPr lang="de-DE" dirty="0"/>
                     </a:p>
@@ -5651,9 +4918,79 @@
                         <a:rPr lang="de-DE" dirty="0" smtClean="0"/>
                         <a:t>3.</a:t>
                       </a:r>
+                      <a:endParaRPr lang="de-DE" dirty="0"/>
+                    </a:p>
+                  </a:txBody>
+                  <a:tcPr/>
+                </a:tc>
+                <a:tc>
+                  <a:txBody>
+                    <a:bodyPr/>
+                    <a:lstStyle/>
+                    <a:p>
+                      <a:r>
+                        <a:rPr lang="de-DE" dirty="0" smtClean="0"/>
+                        <a:t>-Menü</a:t>
+                      </a:r>
                       <a:r>
                         <a:rPr lang="de-DE" baseline="0" dirty="0" smtClean="0"/>
-                        <a:t> Meilenstein</a:t>
+                        <a:t> und Anleitung, Wände, Portal</a:t>
+                      </a:r>
+                    </a:p>
+                    <a:p>
+                      <a:r>
+                        <a:rPr lang="de-DE" baseline="0" dirty="0" smtClean="0"/>
+                        <a:t>-Gameinteraktion</a:t>
+                      </a:r>
+                    </a:p>
+                    <a:p>
+                      <a:r>
+                        <a:rPr lang="de-DE" baseline="0" dirty="0" smtClean="0"/>
+                        <a:t>-</a:t>
+                      </a:r>
+                      <a:r>
+                        <a:rPr lang="de-DE" baseline="0" dirty="0" err="1" smtClean="0"/>
+                        <a:t>Highscore</a:t>
+                      </a:r>
+                      <a:endParaRPr lang="de-DE" dirty="0"/>
+                    </a:p>
+                  </a:txBody>
+                  <a:tcPr/>
+                </a:tc>
+                <a:tc>
+                  <a:txBody>
+                    <a:bodyPr/>
+                    <a:lstStyle/>
+                    <a:p>
+                      <a:r>
+                        <a:rPr lang="de-DE" dirty="0" smtClean="0"/>
+                        <a:t>Katharina Kahlert</a:t>
+                      </a:r>
+                    </a:p>
+                    <a:p>
+                      <a:endParaRPr lang="de-DE" dirty="0" smtClean="0"/>
+                    </a:p>
+                    <a:p>
+                      <a:endParaRPr lang="de-DE" dirty="0" smtClean="0"/>
+                    </a:p>
+                    <a:p>
+                      <a:r>
+                        <a:rPr lang="de-DE" dirty="0" smtClean="0"/>
+                        <a:t>Ramón Wilhelm</a:t>
+                      </a:r>
+                    </a:p>
+                    <a:p>
+                      <a:r>
+                        <a:rPr lang="de-DE" dirty="0" smtClean="0"/>
+                        <a:t>Meltem</a:t>
+                      </a:r>
+                      <a:r>
+                        <a:rPr lang="de-DE" baseline="0" dirty="0" smtClean="0"/>
+                        <a:t> </a:t>
+                      </a:r>
+                      <a:r>
+                        <a:rPr lang="de-DE" baseline="0" dirty="0" err="1" smtClean="0"/>
+                        <a:t>Özkul</a:t>
                       </a:r>
                       <a:endParaRPr lang="de-DE" dirty="0"/>
                     </a:p>
@@ -5669,7 +5006,7 @@
                     <a:p>
                       <a:r>
                         <a:rPr lang="de-DE" dirty="0" smtClean="0"/>
-                        <a:t>38 – 40</a:t>
+                        <a:t>02.10.2015</a:t>
                       </a:r>
                       <a:endParaRPr lang="de-DE" dirty="0"/>
                     </a:p>
@@ -5683,7 +5020,59 @@
                     <a:p>
                       <a:r>
                         <a:rPr lang="de-DE" dirty="0" smtClean="0"/>
-                        <a:t>4. Meilenstein</a:t>
+                        <a:t>4.</a:t>
+                      </a:r>
+                      <a:endParaRPr lang="de-DE" dirty="0"/>
+                    </a:p>
+                  </a:txBody>
+                  <a:tcPr/>
+                </a:tc>
+                <a:tc>
+                  <a:txBody>
+                    <a:bodyPr/>
+                    <a:lstStyle/>
+                    <a:p>
+                      <a:r>
+                        <a:rPr lang="de-DE" dirty="0" smtClean="0"/>
+                        <a:t>-Finale</a:t>
+                      </a:r>
+                      <a:r>
+                        <a:rPr lang="de-DE" baseline="0" dirty="0" smtClean="0"/>
+                        <a:t> Präsentation</a:t>
+                      </a:r>
+                    </a:p>
+                    <a:p>
+                      <a:r>
+                        <a:rPr lang="de-DE" baseline="0" dirty="0" smtClean="0"/>
+                        <a:t>-</a:t>
+                      </a:r>
+                      <a:r>
+                        <a:rPr lang="de-DE" baseline="0" dirty="0" err="1" smtClean="0"/>
+                        <a:t>Testing</a:t>
+                      </a:r>
+                      <a:r>
+                        <a:rPr lang="de-DE" baseline="0" dirty="0" smtClean="0"/>
+                        <a:t>, Bugfixing</a:t>
+                      </a:r>
+                      <a:endParaRPr lang="de-DE" dirty="0"/>
+                    </a:p>
+                  </a:txBody>
+                  <a:tcPr/>
+                </a:tc>
+                <a:tc>
+                  <a:txBody>
+                    <a:bodyPr/>
+                    <a:lstStyle/>
+                    <a:p>
+                      <a:r>
+                        <a:rPr lang="de-DE" dirty="0" smtClean="0"/>
+                        <a:t>Katharina Kahlert</a:t>
+                      </a:r>
+                    </a:p>
+                    <a:p>
+                      <a:r>
+                        <a:rPr lang="de-DE" dirty="0" smtClean="0"/>
+                        <a:t>Ramón Wilhelm</a:t>
                       </a:r>
                       <a:endParaRPr lang="de-DE" dirty="0"/>
                     </a:p>
@@ -5697,10 +5086,16 @@
                     <a:bodyPr/>
                     <a:lstStyle/>
                     <a:p>
-                      <a:r>
-                        <a:rPr lang="de-DE" dirty="0" smtClean="0"/>
-                        <a:t>41</a:t>
-                      </a:r>
+                      <a:endParaRPr lang="de-DE"/>
+                    </a:p>
+                  </a:txBody>
+                  <a:tcPr/>
+                </a:tc>
+                <a:tc>
+                  <a:txBody>
+                    <a:bodyPr/>
+                    <a:lstStyle/>
+                    <a:p>
                       <a:endParaRPr lang="de-DE" dirty="0"/>
                     </a:p>
                   </a:txBody>
@@ -5711,10 +5106,16 @@
                     <a:bodyPr/>
                     <a:lstStyle/>
                     <a:p>
-                      <a:r>
-                        <a:rPr lang="de-DE" dirty="0" smtClean="0"/>
-                        <a:t>Finale Präsentation</a:t>
-                      </a:r>
+                      <a:endParaRPr lang="de-DE"/>
+                    </a:p>
+                  </a:txBody>
+                  <a:tcPr/>
+                </a:tc>
+                <a:tc>
+                  <a:txBody>
+                    <a:bodyPr/>
+                    <a:lstStyle/>
+                    <a:p>
                       <a:endParaRPr lang="de-DE" dirty="0"/>
                     </a:p>
                   </a:txBody>
@@ -5727,6 +5128,30 @@
       </p:graphicFrame>
       <p:sp>
         <p:nvSpPr>
+          <p:cNvPr id="4" name="Fußzeilenplatzhalter 3"/>
+          <p:cNvSpPr>
+            <a:spLocks noGrp="1"/>
+          </p:cNvSpPr>
+          <p:nvPr>
+            <p:ph type="ftr" sz="quarter" idx="11"/>
+          </p:nvPr>
+        </p:nvSpPr>
+        <p:spPr>
+          <a:xfrm>
+            <a:off x="0" y="274638"/>
+            <a:ext cx="2895600" cy="365125"/>
+          </a:xfrm>
+        </p:spPr>
+        <p:txBody>
+          <a:bodyPr/>
+          <a:lstStyle/>
+          <a:p>
+            <a:endParaRPr lang="de-DE" dirty="0"/>
+          </a:p>
+        </p:txBody>
+      </p:sp>
+      <p:sp>
+        <p:nvSpPr>
           <p:cNvPr id="5" name="Foliennummernplatzhalter 4"/>
           <p:cNvSpPr>
             <a:spLocks noGrp="1"/>
@@ -5742,47 +5167,16 @@
           <a:p>
             <a:fld id="{8C23CA4F-E948-324D-AE99-93DD634CB28D}" type="slidenum">
               <a:rPr lang="de-DE" smtClean="0"/>
-              <a:t>7</a:t>
+              <a:t>5</a:t>
             </a:fld>
             <a:endParaRPr lang="de-DE"/>
-          </a:p>
-        </p:txBody>
-      </p:sp>
-      <p:sp>
-        <p:nvSpPr>
-          <p:cNvPr id="6" name="Fußzeilenplatzhalter 5"/>
-          <p:cNvSpPr>
-            <a:spLocks noGrp="1"/>
-          </p:cNvSpPr>
-          <p:nvPr>
-            <p:ph type="ftr" sz="quarter" idx="11"/>
-          </p:nvPr>
-        </p:nvSpPr>
-        <p:spPr/>
-        <p:txBody>
-          <a:bodyPr/>
-          <a:lstStyle/>
-          <a:p>
-            <a:r>
-              <a:rPr lang="de-DE" dirty="0" smtClean="0"/>
-              <a:t>Seite </a:t>
-            </a:r>
-            <a:fld id="{0A097ED9-F555-3646-97DF-32BC18C12F43}" type="slidenum">
-              <a:rPr lang="de-DE" smtClean="0"/>
-              <a:t>7</a:t>
-            </a:fld>
-            <a:r>
-              <a:rPr lang="de-DE" dirty="0" smtClean="0"/>
-              <a:t> von </a:t>
-            </a:r>
-            <a:endParaRPr lang="de-DE" dirty="0"/>
           </a:p>
         </p:txBody>
       </p:sp>
     </p:spTree>
     <p:extLst>
       <p:ext uri="{BB962C8B-B14F-4D97-AF65-F5344CB8AC3E}">
-        <p14:creationId xmlns:p14="http://schemas.microsoft.com/office/powerpoint/2010/main" val="4134927973"/>
+        <p14:creationId xmlns:p14="http://schemas.microsoft.com/office/powerpoint/2010/main" val="2509891891"/>
       </p:ext>
     </p:extLst>
   </p:cSld>
@@ -5792,7 +5186,7 @@
 </p:sld>
 </file>
 
-<file path=ppt/slides/slide8.xml><?xml version="1.0" encoding="utf-8"?>
+<file path=ppt/slides/slide6.xml><?xml version="1.0" encoding="utf-8"?>
 <p:sld xmlns:a="http://schemas.openxmlformats.org/drawingml/2006/main" xmlns:r="http://schemas.openxmlformats.org/officeDocument/2006/relationships" xmlns:p="http://schemas.openxmlformats.org/presentationml/2006/main">
   <p:cSld>
     <p:spTree>
@@ -5844,7 +5238,9 @@
         </p:nvSpPr>
         <p:spPr/>
         <p:txBody>
-          <a:bodyPr/>
+          <a:bodyPr>
+            <a:normAutofit fontScale="70000" lnSpcReduction="20000"/>
+          </a:bodyPr>
           <a:lstStyle/>
           <a:p>
             <a:r>
@@ -5855,8 +5251,78 @@
           <a:p>
             <a:r>
               <a:rPr lang="de-DE" dirty="0" smtClean="0"/>
-              <a:t>Fehler in der Programmierung</a:t>
-            </a:r>
+              <a:t>Fehler in der </a:t>
+            </a:r>
+            <a:r>
+              <a:rPr lang="de-DE" dirty="0" smtClean="0"/>
+              <a:t>Programmierung</a:t>
+            </a:r>
+          </a:p>
+          <a:p>
+            <a:pPr marL="0" indent="0">
+              <a:buNone/>
+            </a:pPr>
+            <a:r>
+              <a:rPr lang="de-DE" dirty="0"/>
+              <a:t> </a:t>
+            </a:r>
+            <a:r>
+              <a:rPr lang="de-DE" dirty="0" smtClean="0"/>
+              <a:t>	- Steuerung nicht auf Modelle übertragbar</a:t>
+            </a:r>
+          </a:p>
+          <a:p>
+            <a:pPr marL="0" indent="0">
+              <a:buNone/>
+            </a:pPr>
+            <a:r>
+              <a:rPr lang="de-DE" dirty="0" smtClean="0"/>
+              <a:t>	</a:t>
+            </a:r>
+            <a:r>
+              <a:rPr lang="de-DE" dirty="0" smtClean="0"/>
+              <a:t>- Modelle können nicht eingebunden werden</a:t>
+            </a:r>
+          </a:p>
+          <a:p>
+            <a:pPr marL="0" indent="0">
+              <a:buNone/>
+            </a:pPr>
+            <a:r>
+              <a:rPr lang="de-DE" dirty="0"/>
+              <a:t>	</a:t>
+            </a:r>
+            <a:r>
+              <a:rPr lang="de-DE" dirty="0" smtClean="0"/>
+              <a:t>- Steuerung und Kollision können nicht miteinander 	</a:t>
+            </a:r>
+          </a:p>
+          <a:p>
+            <a:pPr marL="0" indent="0">
+              <a:buNone/>
+            </a:pPr>
+            <a:r>
+              <a:rPr lang="de-DE" dirty="0"/>
+              <a:t>	</a:t>
+            </a:r>
+            <a:r>
+              <a:rPr lang="de-DE" dirty="0" smtClean="0"/>
+              <a:t>  interagieren</a:t>
+            </a:r>
+          </a:p>
+          <a:p>
+            <a:pPr marL="0" indent="0">
+              <a:buNone/>
+            </a:pPr>
+            <a:r>
+              <a:rPr lang="de-DE" dirty="0"/>
+              <a:t>	</a:t>
+            </a:r>
+            <a:r>
+              <a:rPr lang="de-DE" dirty="0" smtClean="0"/>
+              <a:t>- Abhängigkeiten anderer Arbeitspakete</a:t>
+            </a:r>
+            <a:endParaRPr lang="de-DE" dirty="0" smtClean="0"/>
           </a:p>
           <a:p>
             <a:r>
@@ -5871,6 +5337,20 @@
             </a:r>
           </a:p>
           <a:p>
+            <a:pPr marL="0" indent="0">
+              <a:buNone/>
+            </a:pPr>
+            <a:r>
+              <a:rPr lang="de-DE" dirty="0"/>
+              <a:t>	</a:t>
+            </a:r>
+            <a:r>
+              <a:rPr lang="de-DE" dirty="0" smtClean="0"/>
+              <a:t>-Termine können nicht eingehalten werden</a:t>
+            </a:r>
+            <a:endParaRPr lang="de-DE" dirty="0" smtClean="0"/>
+          </a:p>
+          <a:p>
             <a:r>
               <a:rPr lang="de-DE" dirty="0" smtClean="0"/>
               <a:t>Technikausfall</a:t>
@@ -5908,7 +5388,7 @@
           <a:p>
             <a:fld id="{8C23CA4F-E948-324D-AE99-93DD634CB28D}" type="slidenum">
               <a:rPr lang="de-DE" smtClean="0"/>
-              <a:t>8</a:t>
+              <a:t>6</a:t>
             </a:fld>
             <a:endParaRPr lang="de-DE"/>
           </a:p>
@@ -5935,7 +5415,7 @@
             </a:r>
             <a:fld id="{0A097ED9-F555-3646-97DF-32BC18C12F43}" type="slidenum">
               <a:rPr lang="de-DE" smtClean="0"/>
-              <a:t>8</a:t>
+              <a:t>6</a:t>
             </a:fld>
             <a:r>
               <a:rPr lang="de-DE" dirty="0" smtClean="0"/>

--- a/Planungspraesentation-Mitte Juni/Planungspräsentation V. 1.pptx
+++ b/Planungspraesentation-Mitte Juni/Planungspräsentation V. 1.pptx
@@ -15,7 +15,7 @@
     <p:sldId id="257" r:id="rId3"/>
     <p:sldId id="258" r:id="rId4"/>
     <p:sldId id="259" r:id="rId5"/>
-    <p:sldId id="265" r:id="rId6"/>
+    <p:sldId id="266" r:id="rId6"/>
     <p:sldId id="264" r:id="rId7"/>
   </p:sldIdLst>
   <p:sldSz cx="9144000" cy="6858000" type="screen4x3"/>
@@ -4142,7 +4142,6 @@
               <a:rPr lang="de-DE" dirty="0" smtClean="0"/>
               <a:t>Terminplan</a:t>
             </a:r>
-            <a:endParaRPr lang="de-DE" dirty="0" smtClean="0"/>
           </a:p>
           <a:p>
             <a:r>
@@ -4547,12 +4546,7 @@
             <p:ph type="title"/>
           </p:nvPr>
         </p:nvSpPr>
-        <p:spPr>
-          <a:xfrm>
-            <a:off x="252483" y="-11965"/>
-            <a:ext cx="8229600" cy="1143000"/>
-          </a:xfrm>
-        </p:spPr>
+        <p:spPr/>
         <p:txBody>
           <a:bodyPr/>
           <a:lstStyle/>
@@ -4575,14 +4569,14 @@
             <p:ph idx="1"/>
             <p:extLst>
               <p:ext uri="{D42A27DB-BD31-4B8C-83A1-F6EECF244321}">
-                <p14:modId xmlns:p14="http://schemas.microsoft.com/office/powerpoint/2010/main" val="2967724024"/>
+                <p14:modId xmlns:p14="http://schemas.microsoft.com/office/powerpoint/2010/main" val="1838411641"/>
               </p:ext>
             </p:extLst>
           </p:nvPr>
         </p:nvGraphicFramePr>
         <p:xfrm>
-          <a:off x="539086" y="876214"/>
-          <a:ext cx="8337869" cy="5862320"/>
+          <a:off x="457200" y="1600200"/>
+          <a:ext cx="8229600" cy="4033520"/>
         </p:xfrm>
         <a:graphic>
           <a:graphicData uri="http://schemas.openxmlformats.org/drawingml/2006/table">
@@ -4591,9 +4585,9 @@
                 <a:tableStyleId>{5C22544A-7EE6-4342-B048-85BDC9FD1C3A}</a:tableStyleId>
               </a:tblPr>
               <a:tblGrid>
-                <a:gridCol w="1276668"/>
-                <a:gridCol w="1353884"/>
-                <a:gridCol w="3649917"/>
+                <a:gridCol w="2057400"/>
+                <a:gridCol w="2057400"/>
+                <a:gridCol w="2057400"/>
                 <a:gridCol w="2057400"/>
               </a:tblGrid>
               <a:tr h="370840">
@@ -4618,7 +4612,11 @@
                     <a:p>
                       <a:r>
                         <a:rPr lang="de-DE" dirty="0" smtClean="0"/>
-                        <a:t>Meilenstein</a:t>
+                        <a:t>Ramón</a:t>
+                      </a:r>
+                      <a:r>
+                        <a:rPr lang="de-DE" baseline="0" dirty="0" smtClean="0"/>
+                        <a:t> Wilhelm</a:t>
                       </a:r>
                       <a:endParaRPr lang="de-DE" dirty="0"/>
                     </a:p>
@@ -4632,7 +4630,11 @@
                     <a:p>
                       <a:r>
                         <a:rPr lang="de-DE" dirty="0" smtClean="0"/>
-                        <a:t>Aufgabe</a:t>
+                        <a:t>Meltem </a:t>
+                      </a:r>
+                      <a:r>
+                        <a:rPr lang="de-DE" dirty="0" err="1" smtClean="0"/>
+                        <a:t>Özkul</a:t>
                       </a:r>
                       <a:endParaRPr lang="de-DE" dirty="0"/>
                     </a:p>
@@ -4646,7 +4648,7 @@
                     <a:p>
                       <a:r>
                         <a:rPr lang="de-DE" dirty="0" smtClean="0"/>
-                        <a:t>Verantwortlichkeit</a:t>
+                        <a:t>Katharina Kahlert</a:t>
                       </a:r>
                       <a:endParaRPr lang="de-DE" dirty="0"/>
                     </a:p>
@@ -4676,7 +4678,13 @@
                     <a:p>
                       <a:r>
                         <a:rPr lang="de-DE" dirty="0" smtClean="0"/>
-                        <a:t>1. </a:t>
+                        <a:t>-Konzept für Interaktion</a:t>
+                      </a:r>
+                    </a:p>
+                    <a:p>
+                      <a:r>
+                        <a:rPr lang="de-DE" dirty="0" smtClean="0"/>
+                        <a:t>-Grundgerüst</a:t>
                       </a:r>
                       <a:endParaRPr lang="de-DE" dirty="0"/>
                     </a:p>
@@ -4688,39 +4696,13 @@
                     <a:bodyPr/>
                     <a:lstStyle/>
                     <a:p>
-                      <a:pPr marL="0" marR="0" indent="0" algn="l" defTabSz="457200" rtl="0" eaLnBrk="1" fontAlgn="auto" latinLnBrk="0" hangingPunct="1">
-                        <a:lnSpc>
-                          <a:spcPct val="100000"/>
-                        </a:lnSpc>
-                        <a:spcBef>
-                          <a:spcPts val="0"/>
-                        </a:spcBef>
-                        <a:spcAft>
-                          <a:spcPts val="0"/>
-                        </a:spcAft>
-                        <a:buClrTx/>
-                        <a:buSzTx/>
-                        <a:buFontTx/>
-                        <a:buNone/>
-                        <a:tabLst/>
-                        <a:defRPr/>
-                      </a:pPr>
                       <a:r>
                         <a:rPr lang="de-DE" dirty="0" smtClean="0"/>
-                        <a:t>-Three.js kennenlernen</a:t>
+                        <a:t>-Konzept Navigation</a:t>
                       </a:r>
                     </a:p>
                     <a:p>
-                      <a:r>
-                        <a:rPr lang="de-DE" dirty="0" smtClean="0"/>
-                        <a:t>-HTML-Gerüst</a:t>
-                      </a:r>
-                    </a:p>
-                    <a:p>
-                      <a:r>
-                        <a:rPr lang="de-DE" dirty="0" smtClean="0"/>
-                        <a:t>-Modelle</a:t>
-                      </a:r>
+                      <a:endParaRPr lang="de-DE" dirty="0"/>
                     </a:p>
                   </a:txBody>
                   <a:tcPr/>
@@ -4732,12 +4714,10 @@
                     <a:p>
                       <a:r>
                         <a:rPr lang="de-DE" dirty="0" smtClean="0"/>
-                        <a:t>Meltem </a:t>
+                        <a:t>-Konzept Kollision</a:t>
                       </a:r>
-                      <a:r>
-                        <a:rPr lang="de-DE" dirty="0" err="1" smtClean="0"/>
-                        <a:t>Özkul</a:t>
-                      </a:r>
+                    </a:p>
+                    <a:p>
                       <a:endParaRPr lang="de-DE" dirty="0"/>
                     </a:p>
                   </a:txBody>
@@ -4752,13 +4732,32 @@
                     <a:p>
                       <a:r>
                         <a:rPr lang="de-DE" dirty="0" smtClean="0"/>
-                        <a:t>Bis 31.07.2015</a:t>
+                        <a:t>Bis zum</a:t>
                       </a:r>
+                      <a:r>
+                        <a:rPr lang="de-DE" baseline="0" dirty="0" smtClean="0"/>
+                        <a:t> 31.07.2015</a:t>
+                      </a:r>
+                      <a:endParaRPr lang="de-DE" dirty="0"/>
                     </a:p>
                   </a:txBody>
                   <a:tcPr/>
                 </a:tc>
-                <a:tc>
+                <a:tc gridSpan="3">
+                  <a:txBody>
+                    <a:bodyPr/>
+                    <a:lstStyle/>
+                    <a:p>
+                      <a:r>
+                        <a:rPr lang="de-DE" dirty="0" smtClean="0"/>
+                        <a:t>Prüfung</a:t>
+                      </a:r>
+                      <a:endParaRPr lang="de-DE" dirty="0"/>
+                    </a:p>
+                  </a:txBody>
+                  <a:tcPr/>
+                </a:tc>
+                <a:tc hMerge="1">
                   <a:txBody>
                     <a:bodyPr/>
                     <a:lstStyle/>
@@ -4768,126 +4767,11 @@
                   </a:txBody>
                   <a:tcPr/>
                 </a:tc>
-                <a:tc>
+                <a:tc hMerge="1">
                   <a:txBody>
                     <a:bodyPr/>
                     <a:lstStyle/>
                     <a:p>
-                      <a:r>
-                        <a:rPr lang="de-DE" dirty="0" smtClean="0"/>
-                        <a:t>-Prüfungswochen</a:t>
-                      </a:r>
-                      <a:endParaRPr lang="de-DE" dirty="0"/>
-                    </a:p>
-                  </a:txBody>
-                  <a:tcPr/>
-                </a:tc>
-                <a:tc>
-                  <a:txBody>
-                    <a:bodyPr/>
-                    <a:lstStyle/>
-                    <a:p>
-                      <a:endParaRPr lang="de-DE"/>
-                    </a:p>
-                  </a:txBody>
-                  <a:tcPr/>
-                </a:tc>
-              </a:tr>
-              <a:tr h="370840">
-                <a:tc>
-                  <a:txBody>
-                    <a:bodyPr/>
-                    <a:lstStyle/>
-                    <a:p>
-                      <a:r>
-                        <a:rPr lang="de-DE" dirty="0" smtClean="0"/>
-                        <a:t>23.08.2015</a:t>
-                      </a:r>
-                      <a:endParaRPr lang="de-DE" dirty="0"/>
-                    </a:p>
-                  </a:txBody>
-                  <a:tcPr/>
-                </a:tc>
-                <a:tc>
-                  <a:txBody>
-                    <a:bodyPr/>
-                    <a:lstStyle/>
-                    <a:p>
-                      <a:r>
-                        <a:rPr lang="de-DE" dirty="0" smtClean="0"/>
-                        <a:t>2.</a:t>
-                      </a:r>
-                      <a:endParaRPr lang="de-DE" dirty="0"/>
-                    </a:p>
-                  </a:txBody>
-                  <a:tcPr/>
-                </a:tc>
-                <a:tc>
-                  <a:txBody>
-                    <a:bodyPr/>
-                    <a:lstStyle/>
-                    <a:p>
-                      <a:r>
-                        <a:rPr lang="de-DE" dirty="0" smtClean="0"/>
-                        <a:t>-Navigation und Steuerung</a:t>
-                      </a:r>
-                    </a:p>
-                    <a:p>
-                      <a:r>
-                        <a:rPr lang="de-DE" dirty="0" smtClean="0"/>
-                        <a:t>-Wachsen und Schrumpfen</a:t>
-                      </a:r>
-                    </a:p>
-                    <a:p>
-                      <a:r>
-                        <a:rPr lang="de-DE" dirty="0" smtClean="0"/>
-                        <a:t>-Essen</a:t>
-                      </a:r>
-                      <a:endParaRPr lang="de-DE" dirty="0"/>
-                    </a:p>
-                  </a:txBody>
-                  <a:tcPr/>
-                </a:tc>
-                <a:tc>
-                  <a:txBody>
-                    <a:bodyPr/>
-                    <a:lstStyle/>
-                    <a:p>
-                      <a:r>
-                        <a:rPr lang="de-DE" dirty="0" smtClean="0"/>
-                        <a:t>Meltem</a:t>
-                      </a:r>
-                      <a:r>
-                        <a:rPr lang="de-DE" baseline="0" dirty="0" smtClean="0"/>
-                        <a:t> </a:t>
-                      </a:r>
-                      <a:r>
-                        <a:rPr lang="de-DE" baseline="0" dirty="0" err="1" smtClean="0"/>
-                        <a:t>Özkul</a:t>
-                      </a:r>
-                      <a:endParaRPr lang="de-DE" baseline="0" dirty="0" smtClean="0"/>
-                    </a:p>
-                    <a:p>
-                      <a:endParaRPr lang="de-DE" baseline="0" dirty="0" smtClean="0"/>
-                    </a:p>
-                    <a:p>
-                      <a:r>
-                        <a:rPr lang="de-DE" baseline="0" dirty="0" smtClean="0"/>
-                        <a:t>Katharina Kahlert</a:t>
-                      </a:r>
-                    </a:p>
-                    <a:p>
-                      <a:endParaRPr lang="de-DE" baseline="0" dirty="0" smtClean="0"/>
-                    </a:p>
-                    <a:p>
-                      <a:r>
-                        <a:rPr lang="de-DE" baseline="0" dirty="0" smtClean="0"/>
-                        <a:t>Ramón </a:t>
-                      </a:r>
-                      <a:r>
-                        <a:rPr lang="de-DE" baseline="0" dirty="0" err="1" smtClean="0"/>
-                        <a:t>wilhelm</a:t>
-                      </a:r>
                       <a:endParaRPr lang="de-DE" dirty="0"/>
                     </a:p>
                   </a:txBody>
@@ -4902,7 +4786,7 @@
                     <a:p>
                       <a:r>
                         <a:rPr lang="de-DE" dirty="0" smtClean="0"/>
-                        <a:t>13.09.2015</a:t>
+                        <a:t>30.08.2015</a:t>
                       </a:r>
                       <a:endParaRPr lang="de-DE" dirty="0"/>
                     </a:p>
@@ -4916,8 +4800,49 @@
                     <a:p>
                       <a:r>
                         <a:rPr lang="de-DE" dirty="0" smtClean="0"/>
-                        <a:t>3.</a:t>
+                        <a:t>-Umsetzung der Interaktion</a:t>
                       </a:r>
+                      <a:r>
+                        <a:rPr lang="de-DE" baseline="0" dirty="0" smtClean="0"/>
+                        <a:t> </a:t>
+                      </a:r>
+                    </a:p>
+                    <a:p>
+                      <a:r>
+                        <a:rPr lang="de-DE" baseline="0" dirty="0" smtClean="0"/>
+                        <a:t>-Konzept für das Essen</a:t>
+                      </a:r>
+                      <a:endParaRPr lang="de-DE" dirty="0" smtClean="0"/>
+                    </a:p>
+                  </a:txBody>
+                  <a:tcPr/>
+                </a:tc>
+                <a:tc>
+                  <a:txBody>
+                    <a:bodyPr/>
+                    <a:lstStyle/>
+                    <a:p>
+                      <a:r>
+                        <a:rPr lang="de-DE" dirty="0" smtClean="0"/>
+                        <a:t>-Umsetzung</a:t>
+                      </a:r>
+                      <a:r>
+                        <a:rPr lang="de-DE" baseline="0" dirty="0" smtClean="0"/>
+                        <a:t> der Navigation und Steuerung</a:t>
+                      </a:r>
+                    </a:p>
+                    <a:p>
+                      <a:r>
+                        <a:rPr lang="de-DE" baseline="0" dirty="0" smtClean="0"/>
+                        <a:t>-Konzept </a:t>
+                      </a:r>
+                      <a:r>
+                        <a:rPr lang="de-DE" baseline="0" dirty="0" err="1" smtClean="0"/>
+                        <a:t>Highscore</a:t>
+                      </a:r>
+                      <a:endParaRPr lang="de-DE" baseline="0" dirty="0" smtClean="0"/>
+                    </a:p>
+                    <a:p>
                       <a:endParaRPr lang="de-DE" dirty="0"/>
                     </a:p>
                   </a:txBody>
@@ -4930,67 +4855,25 @@
                     <a:p>
                       <a:r>
                         <a:rPr lang="de-DE" dirty="0" smtClean="0"/>
-                        <a:t>-Menü</a:t>
-                      </a:r>
-                      <a:r>
-                        <a:rPr lang="de-DE" baseline="0" dirty="0" smtClean="0"/>
-                        <a:t> und Anleitung, Wände, Portal</a:t>
-                      </a:r>
-                    </a:p>
-                    <a:p>
-                      <a:r>
-                        <a:rPr lang="de-DE" baseline="0" dirty="0" smtClean="0"/>
-                        <a:t>-Gameinteraktion</a:t>
-                      </a:r>
-                    </a:p>
-                    <a:p>
-                      <a:r>
-                        <a:rPr lang="de-DE" baseline="0" dirty="0" smtClean="0"/>
-                        <a:t>-</a:t>
-                      </a:r>
-                      <a:r>
-                        <a:rPr lang="de-DE" baseline="0" dirty="0" err="1" smtClean="0"/>
-                        <a:t>Highscore</a:t>
-                      </a:r>
-                      <a:endParaRPr lang="de-DE" dirty="0"/>
-                    </a:p>
-                  </a:txBody>
-                  <a:tcPr/>
-                </a:tc>
-                <a:tc>
-                  <a:txBody>
-                    <a:bodyPr/>
-                    <a:lstStyle/>
-                    <a:p>
-                      <a:r>
-                        <a:rPr lang="de-DE" dirty="0" smtClean="0"/>
-                        <a:t>Katharina Kahlert</a:t>
-                      </a:r>
-                    </a:p>
-                    <a:p>
-                      <a:endParaRPr lang="de-DE" dirty="0" smtClean="0"/>
-                    </a:p>
-                    <a:p>
-                      <a:endParaRPr lang="de-DE" dirty="0" smtClean="0"/>
-                    </a:p>
-                    <a:p>
-                      <a:r>
-                        <a:rPr lang="de-DE" dirty="0" smtClean="0"/>
-                        <a:t>Ramón Wilhelm</a:t>
+                        <a:t>-Umsetzung der Kollision</a:t>
                       </a:r>
                     </a:p>
                     <a:p>
                       <a:r>
                         <a:rPr lang="de-DE" dirty="0" smtClean="0"/>
-                        <a:t>Meltem</a:t>
+                        <a:t>  -Schlange</a:t>
                       </a:r>
+                    </a:p>
+                    <a:p>
                       <a:r>
-                        <a:rPr lang="de-DE" baseline="0" dirty="0" smtClean="0"/>
-                        <a:t> </a:t>
+                        <a:rPr lang="de-DE" dirty="0" smtClean="0"/>
+                        <a:t>  - Wände</a:t>
                       </a:r>
+                    </a:p>
+                    <a:p>
                       <a:r>
-                        <a:rPr lang="de-DE" baseline="0" dirty="0" err="1" smtClean="0"/>
-                        <a:t>Özkul</a:t>
+                        <a:rPr lang="de-DE" dirty="0" smtClean="0"/>
+                        <a:t>  - Essen</a:t>
                       </a:r>
                       <a:endParaRPr lang="de-DE" dirty="0"/>
                     </a:p>
@@ -5020,7 +4903,41 @@
                     <a:p>
                       <a:r>
                         <a:rPr lang="de-DE" dirty="0" smtClean="0"/>
-                        <a:t>4.</a:t>
+                        <a:t>-Umsetzung des Essens </a:t>
+                      </a:r>
+                    </a:p>
+                    <a:p>
+                      <a:r>
+                        <a:rPr lang="de-DE" dirty="0" smtClean="0"/>
+                        <a:t>-Bugfixing</a:t>
+                      </a:r>
+                    </a:p>
+                  </a:txBody>
+                  <a:tcPr/>
+                </a:tc>
+                <a:tc>
+                  <a:txBody>
+                    <a:bodyPr/>
+                    <a:lstStyle/>
+                    <a:p>
+                      <a:r>
+                        <a:rPr lang="de-DE" dirty="0" smtClean="0"/>
+                        <a:t>-Umsetzung</a:t>
+                      </a:r>
+                      <a:r>
+                        <a:rPr lang="de-DE" baseline="0" dirty="0" smtClean="0"/>
+                        <a:t> </a:t>
+                      </a:r>
+                      <a:r>
+                        <a:rPr lang="de-DE" baseline="0" dirty="0" err="1" smtClean="0"/>
+                        <a:t>Highscore</a:t>
+                      </a:r>
+                      <a:endParaRPr lang="de-DE" baseline="0" dirty="0" smtClean="0"/>
+                    </a:p>
+                    <a:p>
+                      <a:r>
+                        <a:rPr lang="de-DE" baseline="0" dirty="0" smtClean="0"/>
+                        <a:t>-Bugfixing</a:t>
                       </a:r>
                       <a:endParaRPr lang="de-DE" dirty="0"/>
                     </a:p>
@@ -5034,88 +4951,14 @@
                     <a:p>
                       <a:r>
                         <a:rPr lang="de-DE" dirty="0" smtClean="0"/>
-                        <a:t>-Finale</a:t>
-                      </a:r>
-                      <a:r>
-                        <a:rPr lang="de-DE" baseline="0" dirty="0" smtClean="0"/>
-                        <a:t> Präsentation</a:t>
-                      </a:r>
-                    </a:p>
-                    <a:p>
-                      <a:r>
-                        <a:rPr lang="de-DE" baseline="0" dirty="0" smtClean="0"/>
-                        <a:t>-</a:t>
-                      </a:r>
-                      <a:r>
-                        <a:rPr lang="de-DE" baseline="0" dirty="0" err="1" smtClean="0"/>
-                        <a:t>Testing</a:t>
-                      </a:r>
-                      <a:r>
-                        <a:rPr lang="de-DE" baseline="0" dirty="0" smtClean="0"/>
-                        <a:t>, Bugfixing</a:t>
-                      </a:r>
-                      <a:endParaRPr lang="de-DE" dirty="0"/>
-                    </a:p>
-                  </a:txBody>
-                  <a:tcPr/>
-                </a:tc>
-                <a:tc>
-                  <a:txBody>
-                    <a:bodyPr/>
-                    <a:lstStyle/>
-                    <a:p>
-                      <a:r>
-                        <a:rPr lang="de-DE" dirty="0" smtClean="0"/>
-                        <a:t>Katharina Kahlert</a:t>
+                        <a:t>-Menü, Anleitung,  Portal</a:t>
                       </a:r>
                     </a:p>
                     <a:p>
                       <a:r>
                         <a:rPr lang="de-DE" dirty="0" smtClean="0"/>
-                        <a:t>Ramón Wilhelm</a:t>
+                        <a:t>-Finale Präsentation</a:t>
                       </a:r>
-                      <a:endParaRPr lang="de-DE" dirty="0"/>
-                    </a:p>
-                  </a:txBody>
-                  <a:tcPr/>
-                </a:tc>
-              </a:tr>
-              <a:tr h="370840">
-                <a:tc>
-                  <a:txBody>
-                    <a:bodyPr/>
-                    <a:lstStyle/>
-                    <a:p>
-                      <a:endParaRPr lang="de-DE"/>
-                    </a:p>
-                  </a:txBody>
-                  <a:tcPr/>
-                </a:tc>
-                <a:tc>
-                  <a:txBody>
-                    <a:bodyPr/>
-                    <a:lstStyle/>
-                    <a:p>
-                      <a:endParaRPr lang="de-DE" dirty="0"/>
-                    </a:p>
-                  </a:txBody>
-                  <a:tcPr/>
-                </a:tc>
-                <a:tc>
-                  <a:txBody>
-                    <a:bodyPr/>
-                    <a:lstStyle/>
-                    <a:p>
-                      <a:endParaRPr lang="de-DE"/>
-                    </a:p>
-                  </a:txBody>
-                  <a:tcPr/>
-                </a:tc>
-                <a:tc>
-                  <a:txBody>
-                    <a:bodyPr/>
-                    <a:lstStyle/>
-                    <a:p>
                       <a:endParaRPr lang="de-DE" dirty="0"/>
                     </a:p>
                   </a:txBody>
@@ -5136,17 +4979,12 @@
             <p:ph type="ftr" sz="quarter" idx="11"/>
           </p:nvPr>
         </p:nvSpPr>
-        <p:spPr>
-          <a:xfrm>
-            <a:off x="0" y="274638"/>
-            <a:ext cx="2895600" cy="365125"/>
-          </a:xfrm>
-        </p:spPr>
-        <p:txBody>
-          <a:bodyPr/>
-          <a:lstStyle/>
-          <a:p>
-            <a:endParaRPr lang="de-DE" dirty="0"/>
+        <p:spPr/>
+        <p:txBody>
+          <a:bodyPr/>
+          <a:lstStyle/>
+          <a:p>
+            <a:endParaRPr lang="de-DE"/>
           </a:p>
         </p:txBody>
       </p:sp>
@@ -5176,7 +5014,7 @@
     </p:spTree>
     <p:extLst>
       <p:ext uri="{BB962C8B-B14F-4D97-AF65-F5344CB8AC3E}">
-        <p14:creationId xmlns:p14="http://schemas.microsoft.com/office/powerpoint/2010/main" val="2509891891"/>
+        <p14:creationId xmlns:p14="http://schemas.microsoft.com/office/powerpoint/2010/main" val="3508111019"/>
       </p:ext>
     </p:extLst>
   </p:cSld>
@@ -5251,11 +5089,7 @@
           <a:p>
             <a:r>
               <a:rPr lang="de-DE" dirty="0" smtClean="0"/>
-              <a:t>Fehler in der </a:t>
-            </a:r>
-            <a:r>
-              <a:rPr lang="de-DE" dirty="0" smtClean="0"/>
-              <a:t>Programmierung</a:t>
+              <a:t>Fehler in der Programmierung</a:t>
             </a:r>
           </a:p>
           <a:p>
@@ -5277,11 +5111,7 @@
             </a:pPr>
             <a:r>
               <a:rPr lang="de-DE" dirty="0" smtClean="0"/>
-              <a:t>	</a:t>
-            </a:r>
-            <a:r>
-              <a:rPr lang="de-DE" dirty="0" smtClean="0"/>
-              <a:t>- Modelle können nicht eingebunden werden</a:t>
+              <a:t>	- Modelle können nicht eingebunden werden</a:t>
             </a:r>
           </a:p>
           <a:p>
@@ -5322,7 +5152,6 @@
               <a:rPr lang="de-DE" dirty="0" smtClean="0"/>
               <a:t>- Abhängigkeiten anderer Arbeitspakete</a:t>
             </a:r>
-            <a:endParaRPr lang="de-DE" dirty="0" smtClean="0"/>
           </a:p>
           <a:p>
             <a:r>
@@ -5348,7 +5177,6 @@
               <a:rPr lang="de-DE" dirty="0" smtClean="0"/>
               <a:t>-Termine können nicht eingehalten werden</a:t>
             </a:r>
-            <a:endParaRPr lang="de-DE" dirty="0" smtClean="0"/>
           </a:p>
           <a:p>
             <a:r>

--- a/Planungspraesentation-Mitte Juni/Planungspräsentation V. 1.pptx
+++ b/Planungspraesentation-Mitte Juni/Planungspräsentation V. 1.pptx
@@ -5,10 +5,10 @@
     <p:sldMasterId id="2147483648" r:id="rId1"/>
   </p:sldMasterIdLst>
   <p:notesMasterIdLst>
-    <p:notesMasterId r:id="rId8"/>
+    <p:notesMasterId r:id="rId11"/>
   </p:notesMasterIdLst>
   <p:handoutMasterIdLst>
-    <p:handoutMasterId r:id="rId9"/>
+    <p:handoutMasterId r:id="rId12"/>
   </p:handoutMasterIdLst>
   <p:sldIdLst>
     <p:sldId id="256" r:id="rId2"/>
@@ -16,7 +16,10 @@
     <p:sldId id="258" r:id="rId4"/>
     <p:sldId id="259" r:id="rId5"/>
     <p:sldId id="266" r:id="rId6"/>
-    <p:sldId id="264" r:id="rId7"/>
+    <p:sldId id="267" r:id="rId7"/>
+    <p:sldId id="268" r:id="rId8"/>
+    <p:sldId id="269" r:id="rId9"/>
+    <p:sldId id="264" r:id="rId10"/>
   </p:sldIdLst>
   <p:sldSz cx="9144000" cy="6858000" type="screen4x3"/>
   <p:notesSz cx="6858000" cy="9144000"/>
@@ -117,7 +120,7 @@
   </p:defaultTextStyle>
   <p:extLst>
     <p:ext uri="{EFAFB233-063F-42B5-8137-9DF3F51BA10A}">
-      <p15:sldGuideLst xmlns:p15="http://schemas.microsoft.com/office/powerpoint/2012/main">
+      <p15:sldGuideLst xmlns:p15="http://schemas.microsoft.com/office/powerpoint/2012/main" xmlns="">
         <p15:guide id="1" orient="horz" pos="2160">
           <p15:clr>
             <a:srgbClr val="A4A3A4"/>
@@ -216,7 +219,7 @@
           <a:p>
             <a:fld id="{B4FF162B-CE6F-6948-9E4E-CF339F017EF0}" type="datetime1">
               <a:rPr lang="de-DE" smtClean="0"/>
-              <a:t>23.06.2015</a:t>
+              <a:t>23.06.15</a:t>
             </a:fld>
             <a:endParaRPr lang="de-DE"/>
           </a:p>
@@ -382,7 +385,7 @@
           <a:p>
             <a:fld id="{F8F687C1-49B9-FC43-A5F5-4E2CAE8623DA}" type="datetime1">
               <a:rPr lang="de-DE" smtClean="0"/>
-              <a:t>23.06.2015</a:t>
+              <a:t>23.06.15</a:t>
             </a:fld>
             <a:endParaRPr lang="de-DE"/>
           </a:p>
@@ -916,7 +919,7 @@
           <a:p>
             <a:fld id="{1DACE3BB-339C-AD47-A52D-662320F7C205}" type="datetime1">
               <a:rPr lang="de-DE" smtClean="0"/>
-              <a:t>23.06.2015</a:t>
+              <a:t>23.06.15</a:t>
             </a:fld>
             <a:endParaRPr lang="de-DE"/>
           </a:p>
@@ -1086,7 +1089,7 @@
           <a:p>
             <a:fld id="{F42559F4-B3EB-344D-B633-69F007223D30}" type="datetime1">
               <a:rPr lang="de-DE" smtClean="0"/>
-              <a:t>23.06.2015</a:t>
+              <a:t>23.06.15</a:t>
             </a:fld>
             <a:endParaRPr lang="de-DE"/>
           </a:p>
@@ -1266,7 +1269,7 @@
           <a:p>
             <a:fld id="{42AF2205-F992-9F41-987F-7238F8B9F0B5}" type="datetime1">
               <a:rPr lang="de-DE" smtClean="0"/>
-              <a:t>23.06.2015</a:t>
+              <a:t>23.06.15</a:t>
             </a:fld>
             <a:endParaRPr lang="de-DE"/>
           </a:p>
@@ -1436,7 +1439,7 @@
           <a:p>
             <a:fld id="{FF84A754-A284-FB40-B909-6C25294AD20F}" type="datetime1">
               <a:rPr lang="de-DE" smtClean="0"/>
-              <a:t>23.06.2015</a:t>
+              <a:t>23.06.15</a:t>
             </a:fld>
             <a:endParaRPr lang="de-DE"/>
           </a:p>
@@ -1682,7 +1685,7 @@
           <a:p>
             <a:fld id="{CA605955-6352-BD4C-B0F3-ECEE8C6EE720}" type="datetime1">
               <a:rPr lang="de-DE" smtClean="0"/>
-              <a:t>23.06.2015</a:t>
+              <a:t>23.06.15</a:t>
             </a:fld>
             <a:endParaRPr lang="de-DE"/>
           </a:p>
@@ -1970,7 +1973,7 @@
           <a:p>
             <a:fld id="{C86AEEF6-0385-0844-9861-D3417F6C1E98}" type="datetime1">
               <a:rPr lang="de-DE" smtClean="0"/>
-              <a:t>23.06.2015</a:t>
+              <a:t>23.06.15</a:t>
             </a:fld>
             <a:endParaRPr lang="de-DE"/>
           </a:p>
@@ -2392,7 +2395,7 @@
           <a:p>
             <a:fld id="{84A495D8-31AC-6141-A708-923E383D2969}" type="datetime1">
               <a:rPr lang="de-DE" smtClean="0"/>
-              <a:t>23.06.2015</a:t>
+              <a:t>23.06.15</a:t>
             </a:fld>
             <a:endParaRPr lang="de-DE"/>
           </a:p>
@@ -2510,7 +2513,7 @@
           <a:p>
             <a:fld id="{6B9BBFBE-94A6-EE41-BDE2-C36DF8BDD6AC}" type="datetime1">
               <a:rPr lang="de-DE" smtClean="0"/>
-              <a:t>23.06.2015</a:t>
+              <a:t>23.06.15</a:t>
             </a:fld>
             <a:endParaRPr lang="de-DE"/>
           </a:p>
@@ -2605,7 +2608,7 @@
           <a:p>
             <a:fld id="{8A3BDDF1-32E1-AA48-AD7E-B28DB9397AA4}" type="datetime1">
               <a:rPr lang="de-DE" smtClean="0"/>
-              <a:t>23.06.2015</a:t>
+              <a:t>23.06.15</a:t>
             </a:fld>
             <a:endParaRPr lang="de-DE"/>
           </a:p>
@@ -2882,7 +2885,7 @@
           <a:p>
             <a:fld id="{BF30ED29-63A2-654D-9D7C-1CB6D6E00183}" type="datetime1">
               <a:rPr lang="de-DE" smtClean="0"/>
-              <a:t>23.06.2015</a:t>
+              <a:t>23.06.15</a:t>
             </a:fld>
             <a:endParaRPr lang="de-DE"/>
           </a:p>
@@ -3135,7 +3138,7 @@
           <a:p>
             <a:fld id="{4FB359BF-9004-C740-93E9-376A57F77EA5}" type="datetime1">
               <a:rPr lang="de-DE" smtClean="0"/>
-              <a:t>23.06.2015</a:t>
+              <a:t>23.06.15</a:t>
             </a:fld>
             <a:endParaRPr lang="de-DE"/>
           </a:p>
@@ -3348,7 +3351,7 @@
           <a:p>
             <a:fld id="{88615D7D-6342-384A-A16F-53E369E57F7B}" type="datetime1">
               <a:rPr lang="de-DE" smtClean="0"/>
-              <a:t>23.06.2015</a:t>
+              <a:t>23.06.15</a:t>
             </a:fld>
             <a:endParaRPr lang="de-DE"/>
           </a:p>
@@ -4569,14 +4572,14 @@
             <p:ph idx="1"/>
             <p:extLst>
               <p:ext uri="{D42A27DB-BD31-4B8C-83A1-F6EECF244321}">
-                <p14:modId xmlns:p14="http://schemas.microsoft.com/office/powerpoint/2010/main" val="1838411641"/>
+                <p14:modId xmlns:p14="http://schemas.microsoft.com/office/powerpoint/2010/main" val="334244597"/>
               </p:ext>
             </p:extLst>
           </p:nvPr>
         </p:nvGraphicFramePr>
         <p:xfrm>
           <a:off x="457200" y="1600200"/>
-          <a:ext cx="8229600" cy="4033520"/>
+          <a:ext cx="8229600" cy="4033519"/>
         </p:xfrm>
         <a:graphic>
           <a:graphicData uri="http://schemas.openxmlformats.org/drawingml/2006/table">
@@ -4786,7 +4789,7 @@
                     <a:p>
                       <a:r>
                         <a:rPr lang="de-DE" dirty="0" smtClean="0"/>
-                        <a:t>30.08.2015</a:t>
+                        <a:t>06.09.2015</a:t>
                       </a:r>
                       <a:endParaRPr lang="de-DE" dirty="0"/>
                     </a:p>
@@ -5058,6 +5061,1323 @@
           <a:p>
             <a:r>
               <a:rPr lang="de-DE" dirty="0" smtClean="0"/>
+              <a:t>1 Meilenstein</a:t>
+            </a:r>
+            <a:endParaRPr lang="de-DE" dirty="0"/>
+          </a:p>
+        </p:txBody>
+      </p:sp>
+      <p:graphicFrame>
+        <p:nvGraphicFramePr>
+          <p:cNvPr id="6" name="Inhaltsplatzhalter 5"/>
+          <p:cNvGraphicFramePr>
+            <a:graphicFrameLocks noGrp="1"/>
+          </p:cNvGraphicFramePr>
+          <p:nvPr>
+            <p:ph idx="1"/>
+            <p:extLst>
+              <p:ext uri="{D42A27DB-BD31-4B8C-83A1-F6EECF244321}">
+                <p14:modId xmlns:p14="http://schemas.microsoft.com/office/powerpoint/2010/main" val="3227275157"/>
+              </p:ext>
+            </p:extLst>
+          </p:nvPr>
+        </p:nvGraphicFramePr>
+        <p:xfrm>
+          <a:off x="658426" y="1600200"/>
+          <a:ext cx="7812309" cy="2666999"/>
+        </p:xfrm>
+        <a:graphic>
+          <a:graphicData uri="http://schemas.openxmlformats.org/drawingml/2006/table">
+            <a:tbl>
+              <a:tblPr firstRow="1" bandRow="1">
+                <a:tableStyleId>{5C22544A-7EE6-4342-B048-85BDC9FD1C3A}</a:tableStyleId>
+              </a:tblPr>
+              <a:tblGrid>
+                <a:gridCol w="1356947"/>
+                <a:gridCol w="2150425"/>
+                <a:gridCol w="2247537"/>
+                <a:gridCol w="2057400"/>
+              </a:tblGrid>
+              <a:tr h="370840">
+                <a:tc>
+                  <a:txBody>
+                    <a:bodyPr/>
+                    <a:lstStyle/>
+                    <a:p>
+                      <a:r>
+                        <a:rPr lang="de-DE" dirty="0" smtClean="0"/>
+                        <a:t>Termin</a:t>
+                      </a:r>
+                      <a:endParaRPr lang="de-DE" dirty="0"/>
+                    </a:p>
+                  </a:txBody>
+                  <a:tcPr/>
+                </a:tc>
+                <a:tc>
+                  <a:txBody>
+                    <a:bodyPr/>
+                    <a:lstStyle/>
+                    <a:p>
+                      <a:r>
+                        <a:rPr lang="de-DE" dirty="0" smtClean="0"/>
+                        <a:t>Ram</a:t>
+                      </a:r>
+                      <a:r>
+                        <a:rPr lang="de-DE" dirty="0" smtClean="0"/>
+                        <a:t>ón Wilhelm</a:t>
+                      </a:r>
+                      <a:endParaRPr lang="de-DE" dirty="0"/>
+                    </a:p>
+                  </a:txBody>
+                  <a:tcPr/>
+                </a:tc>
+                <a:tc>
+                  <a:txBody>
+                    <a:bodyPr/>
+                    <a:lstStyle/>
+                    <a:p>
+                      <a:r>
+                        <a:rPr lang="de-DE" dirty="0" smtClean="0"/>
+                        <a:t>Meltem </a:t>
+                      </a:r>
+                      <a:r>
+                        <a:rPr lang="de-DE" dirty="0" err="1" smtClean="0"/>
+                        <a:t>Özkul</a:t>
+                      </a:r>
+                      <a:endParaRPr lang="de-DE" dirty="0"/>
+                    </a:p>
+                  </a:txBody>
+                  <a:tcPr/>
+                </a:tc>
+                <a:tc>
+                  <a:txBody>
+                    <a:bodyPr/>
+                    <a:lstStyle/>
+                    <a:p>
+                      <a:r>
+                        <a:rPr lang="de-DE" dirty="0" smtClean="0"/>
+                        <a:t>Katharina Kahlert</a:t>
+                      </a:r>
+                      <a:endParaRPr lang="de-DE" dirty="0"/>
+                    </a:p>
+                  </a:txBody>
+                  <a:tcPr/>
+                </a:tc>
+              </a:tr>
+              <a:tr h="370840">
+                <a:tc>
+                  <a:txBody>
+                    <a:bodyPr/>
+                    <a:lstStyle/>
+                    <a:p>
+                      <a:r>
+                        <a:rPr lang="de-DE" dirty="0" smtClean="0"/>
+                        <a:t>28.06.2015</a:t>
+                      </a:r>
+                      <a:endParaRPr lang="de-DE" dirty="0"/>
+                    </a:p>
+                  </a:txBody>
+                  <a:tcPr/>
+                </a:tc>
+                <a:tc gridSpan="3">
+                  <a:txBody>
+                    <a:bodyPr/>
+                    <a:lstStyle/>
+                    <a:p>
+                      <a:pPr algn="ctr"/>
+                      <a:r>
+                        <a:rPr lang="de-DE" dirty="0" err="1" smtClean="0"/>
+                        <a:t>Three.js</a:t>
+                      </a:r>
+                      <a:r>
+                        <a:rPr lang="de-DE" dirty="0" smtClean="0"/>
+                        <a:t> verstehen</a:t>
+                      </a:r>
+                      <a:endParaRPr lang="de-DE" dirty="0"/>
+                    </a:p>
+                  </a:txBody>
+                  <a:tcPr/>
+                </a:tc>
+                <a:tc hMerge="1">
+                  <a:txBody>
+                    <a:bodyPr/>
+                    <a:lstStyle/>
+                    <a:p>
+                      <a:endParaRPr lang="de-DE"/>
+                    </a:p>
+                  </a:txBody>
+                  <a:tcPr/>
+                </a:tc>
+                <a:tc hMerge="1">
+                  <a:txBody>
+                    <a:bodyPr/>
+                    <a:lstStyle/>
+                    <a:p>
+                      <a:endParaRPr lang="de-DE" dirty="0"/>
+                    </a:p>
+                  </a:txBody>
+                  <a:tcPr/>
+                </a:tc>
+              </a:tr>
+              <a:tr h="370840">
+                <a:tc>
+                  <a:txBody>
+                    <a:bodyPr/>
+                    <a:lstStyle/>
+                    <a:p>
+                      <a:r>
+                        <a:rPr lang="de-DE" dirty="0" smtClean="0"/>
+                        <a:t>05.07.2015</a:t>
+                      </a:r>
+                      <a:endParaRPr lang="de-DE" dirty="0"/>
+                    </a:p>
+                  </a:txBody>
+                  <a:tcPr/>
+                </a:tc>
+                <a:tc>
+                  <a:txBody>
+                    <a:bodyPr/>
+                    <a:lstStyle/>
+                    <a:p>
+                      <a:r>
+                        <a:rPr lang="de-DE" dirty="0" smtClean="0"/>
+                        <a:t>Erste</a:t>
+                      </a:r>
+                      <a:r>
+                        <a:rPr lang="de-DE" baseline="0" dirty="0" smtClean="0"/>
+                        <a:t> Überlegungen</a:t>
+                      </a:r>
+                    </a:p>
+                    <a:p>
+                      <a:r>
+                        <a:rPr lang="de-DE" baseline="0" dirty="0" smtClean="0"/>
+                        <a:t> zur Gameinteraktion </a:t>
+                      </a:r>
+                      <a:endParaRPr lang="de-DE" dirty="0"/>
+                    </a:p>
+                  </a:txBody>
+                  <a:tcPr/>
+                </a:tc>
+                <a:tc>
+                  <a:txBody>
+                    <a:bodyPr/>
+                    <a:lstStyle/>
+                    <a:p>
+                      <a:r>
+                        <a:rPr lang="de-DE" dirty="0" smtClean="0"/>
+                        <a:t>Erste Überlegungen zur Navigation und Steuerung</a:t>
+                      </a:r>
+                      <a:r>
+                        <a:rPr lang="de-DE" baseline="0" dirty="0" smtClean="0"/>
+                        <a:t> </a:t>
+                      </a:r>
+                      <a:endParaRPr lang="de-DE" dirty="0"/>
+                    </a:p>
+                  </a:txBody>
+                  <a:tcPr/>
+                </a:tc>
+                <a:tc>
+                  <a:txBody>
+                    <a:bodyPr/>
+                    <a:lstStyle/>
+                    <a:p>
+                      <a:r>
+                        <a:rPr lang="de-DE" dirty="0" smtClean="0"/>
+                        <a:t>Erste Überlegungen zur</a:t>
+                      </a:r>
+                      <a:r>
+                        <a:rPr lang="de-DE" baseline="0" dirty="0" smtClean="0"/>
+                        <a:t> Kollision </a:t>
+                      </a:r>
+                      <a:endParaRPr lang="de-DE" dirty="0"/>
+                    </a:p>
+                  </a:txBody>
+                  <a:tcPr/>
+                </a:tc>
+              </a:tr>
+              <a:tr h="370840">
+                <a:tc>
+                  <a:txBody>
+                    <a:bodyPr/>
+                    <a:lstStyle/>
+                    <a:p>
+                      <a:r>
+                        <a:rPr lang="de-DE" dirty="0" smtClean="0"/>
+                        <a:t>12.07.2015</a:t>
+                      </a:r>
+                      <a:endParaRPr lang="de-DE" dirty="0"/>
+                    </a:p>
+                  </a:txBody>
+                  <a:tcPr/>
+                </a:tc>
+                <a:tc gridSpan="3">
+                  <a:txBody>
+                    <a:bodyPr/>
+                    <a:lstStyle/>
+                    <a:p>
+                      <a:pPr algn="ctr"/>
+                      <a:r>
+                        <a:rPr lang="de-DE" dirty="0" smtClean="0"/>
+                        <a:t>Konzepte besprechen</a:t>
+                      </a:r>
+                      <a:endParaRPr lang="de-DE" dirty="0"/>
+                    </a:p>
+                  </a:txBody>
+                  <a:tcPr/>
+                </a:tc>
+                <a:tc hMerge="1">
+                  <a:txBody>
+                    <a:bodyPr/>
+                    <a:lstStyle/>
+                    <a:p>
+                      <a:endParaRPr lang="de-DE" dirty="0"/>
+                    </a:p>
+                  </a:txBody>
+                  <a:tcPr/>
+                </a:tc>
+                <a:tc hMerge="1">
+                  <a:txBody>
+                    <a:bodyPr/>
+                    <a:lstStyle/>
+                    <a:p>
+                      <a:endParaRPr lang="de-DE" dirty="0"/>
+                    </a:p>
+                  </a:txBody>
+                  <a:tcPr/>
+                </a:tc>
+              </a:tr>
+              <a:tr h="370840">
+                <a:tc>
+                  <a:txBody>
+                    <a:bodyPr/>
+                    <a:lstStyle/>
+                    <a:p>
+                      <a:r>
+                        <a:rPr lang="de-DE" dirty="0" smtClean="0"/>
+                        <a:t>Vom 13.07 – 31.07.2015</a:t>
+                      </a:r>
+                      <a:endParaRPr lang="de-DE" dirty="0"/>
+                    </a:p>
+                  </a:txBody>
+                  <a:tcPr/>
+                </a:tc>
+                <a:tc gridSpan="3">
+                  <a:txBody>
+                    <a:bodyPr/>
+                    <a:lstStyle/>
+                    <a:p>
+                      <a:pPr algn="ctr"/>
+                      <a:r>
+                        <a:rPr lang="de-DE" dirty="0" smtClean="0"/>
+                        <a:t>Prüfungswochen</a:t>
+                      </a:r>
+                      <a:endParaRPr lang="de-DE" dirty="0"/>
+                    </a:p>
+                  </a:txBody>
+                  <a:tcPr/>
+                </a:tc>
+                <a:tc hMerge="1">
+                  <a:txBody>
+                    <a:bodyPr/>
+                    <a:lstStyle/>
+                    <a:p>
+                      <a:endParaRPr lang="de-DE"/>
+                    </a:p>
+                  </a:txBody>
+                  <a:tcPr/>
+                </a:tc>
+                <a:tc hMerge="1">
+                  <a:txBody>
+                    <a:bodyPr/>
+                    <a:lstStyle/>
+                    <a:p>
+                      <a:endParaRPr lang="de-DE"/>
+                    </a:p>
+                  </a:txBody>
+                  <a:tcPr/>
+                </a:tc>
+              </a:tr>
+            </a:tbl>
+          </a:graphicData>
+        </a:graphic>
+      </p:graphicFrame>
+      <p:sp>
+        <p:nvSpPr>
+          <p:cNvPr id="4" name="Fußzeilenplatzhalter 3"/>
+          <p:cNvSpPr>
+            <a:spLocks noGrp="1"/>
+          </p:cNvSpPr>
+          <p:nvPr>
+            <p:ph type="ftr" sz="quarter" idx="11"/>
+          </p:nvPr>
+        </p:nvSpPr>
+        <p:spPr/>
+        <p:txBody>
+          <a:bodyPr/>
+          <a:lstStyle/>
+          <a:p>
+            <a:endParaRPr lang="de-DE"/>
+          </a:p>
+        </p:txBody>
+      </p:sp>
+      <p:sp>
+        <p:nvSpPr>
+          <p:cNvPr id="5" name="Foliennummernplatzhalter 4"/>
+          <p:cNvSpPr>
+            <a:spLocks noGrp="1"/>
+          </p:cNvSpPr>
+          <p:nvPr>
+            <p:ph type="sldNum" sz="quarter" idx="12"/>
+          </p:nvPr>
+        </p:nvSpPr>
+        <p:spPr/>
+        <p:txBody>
+          <a:bodyPr/>
+          <a:lstStyle/>
+          <a:p>
+            <a:fld id="{8C23CA4F-E948-324D-AE99-93DD634CB28D}" type="slidenum">
+              <a:rPr lang="de-DE" smtClean="0"/>
+              <a:t>6</a:t>
+            </a:fld>
+            <a:endParaRPr lang="de-DE"/>
+          </a:p>
+        </p:txBody>
+      </p:sp>
+    </p:spTree>
+    <p:extLst>
+      <p:ext uri="{BB962C8B-B14F-4D97-AF65-F5344CB8AC3E}">
+        <p14:creationId xmlns:p14="http://schemas.microsoft.com/office/powerpoint/2010/main" val="2642451839"/>
+      </p:ext>
+    </p:extLst>
+  </p:cSld>
+  <p:clrMapOvr>
+    <a:masterClrMapping/>
+  </p:clrMapOvr>
+</p:sld>
+</file>
+
+<file path=ppt/slides/slide7.xml><?xml version="1.0" encoding="utf-8"?>
+<p:sld xmlns:a="http://schemas.openxmlformats.org/drawingml/2006/main" xmlns:r="http://schemas.openxmlformats.org/officeDocument/2006/relationships" xmlns:p="http://schemas.openxmlformats.org/presentationml/2006/main">
+  <p:cSld>
+    <p:spTree>
+      <p:nvGrpSpPr>
+        <p:cNvPr id="1" name=""/>
+        <p:cNvGrpSpPr/>
+        <p:nvPr/>
+      </p:nvGrpSpPr>
+      <p:grpSpPr>
+        <a:xfrm>
+          <a:off x="0" y="0"/>
+          <a:ext cx="0" cy="0"/>
+          <a:chOff x="0" y="0"/>
+          <a:chExt cx="0" cy="0"/>
+        </a:xfrm>
+      </p:grpSpPr>
+      <p:sp>
+        <p:nvSpPr>
+          <p:cNvPr id="2" name="Titel 1"/>
+          <p:cNvSpPr>
+            <a:spLocks noGrp="1"/>
+          </p:cNvSpPr>
+          <p:nvPr>
+            <p:ph type="title"/>
+          </p:nvPr>
+        </p:nvSpPr>
+        <p:spPr/>
+        <p:txBody>
+          <a:bodyPr/>
+          <a:lstStyle/>
+          <a:p>
+            <a:r>
+              <a:rPr lang="de-DE" dirty="0" smtClean="0"/>
+              <a:t>2 Meilenstein</a:t>
+            </a:r>
+            <a:endParaRPr lang="de-DE" dirty="0"/>
+          </a:p>
+        </p:txBody>
+      </p:sp>
+      <p:graphicFrame>
+        <p:nvGraphicFramePr>
+          <p:cNvPr id="6" name="Inhaltsplatzhalter 5"/>
+          <p:cNvGraphicFramePr>
+            <a:graphicFrameLocks noGrp="1"/>
+          </p:cNvGraphicFramePr>
+          <p:nvPr>
+            <p:ph idx="1"/>
+            <p:extLst>
+              <p:ext uri="{D42A27DB-BD31-4B8C-83A1-F6EECF244321}">
+                <p14:modId xmlns:p14="http://schemas.microsoft.com/office/powerpoint/2010/main" val="2726047775"/>
+              </p:ext>
+            </p:extLst>
+          </p:nvPr>
+        </p:nvGraphicFramePr>
+        <p:xfrm>
+          <a:off x="457200" y="1600200"/>
+          <a:ext cx="8229600" cy="3667759"/>
+        </p:xfrm>
+        <a:graphic>
+          <a:graphicData uri="http://schemas.openxmlformats.org/drawingml/2006/table">
+            <a:tbl>
+              <a:tblPr firstRow="1" bandRow="1">
+                <a:tableStyleId>{5C22544A-7EE6-4342-B048-85BDC9FD1C3A}</a:tableStyleId>
+              </a:tblPr>
+              <a:tblGrid>
+                <a:gridCol w="2057400"/>
+                <a:gridCol w="2057400"/>
+                <a:gridCol w="2057400"/>
+                <a:gridCol w="2057400"/>
+              </a:tblGrid>
+              <a:tr h="370840">
+                <a:tc>
+                  <a:txBody>
+                    <a:bodyPr/>
+                    <a:lstStyle/>
+                    <a:p>
+                      <a:r>
+                        <a:rPr lang="de-DE" dirty="0" smtClean="0"/>
+                        <a:t>Termin</a:t>
+                      </a:r>
+                      <a:endParaRPr lang="de-DE" dirty="0"/>
+                    </a:p>
+                  </a:txBody>
+                  <a:tcPr/>
+                </a:tc>
+                <a:tc>
+                  <a:txBody>
+                    <a:bodyPr/>
+                    <a:lstStyle/>
+                    <a:p>
+                      <a:r>
+                        <a:rPr lang="de-DE" dirty="0" smtClean="0"/>
+                        <a:t>Ram</a:t>
+                      </a:r>
+                      <a:r>
+                        <a:rPr lang="de-DE" dirty="0" smtClean="0"/>
+                        <a:t>ón</a:t>
+                      </a:r>
+                      <a:r>
+                        <a:rPr lang="de-DE" baseline="0" dirty="0" smtClean="0"/>
+                        <a:t> Wilhelm</a:t>
+                      </a:r>
+                      <a:endParaRPr lang="de-DE" dirty="0"/>
+                    </a:p>
+                  </a:txBody>
+                  <a:tcPr/>
+                </a:tc>
+                <a:tc>
+                  <a:txBody>
+                    <a:bodyPr/>
+                    <a:lstStyle/>
+                    <a:p>
+                      <a:r>
+                        <a:rPr lang="de-DE" dirty="0" smtClean="0"/>
+                        <a:t>Meltem </a:t>
+                      </a:r>
+                      <a:r>
+                        <a:rPr lang="de-DE" dirty="0" err="1" smtClean="0"/>
+                        <a:t>Özkul</a:t>
+                      </a:r>
+                      <a:endParaRPr lang="de-DE" dirty="0"/>
+                    </a:p>
+                  </a:txBody>
+                  <a:tcPr/>
+                </a:tc>
+                <a:tc>
+                  <a:txBody>
+                    <a:bodyPr/>
+                    <a:lstStyle/>
+                    <a:p>
+                      <a:r>
+                        <a:rPr lang="de-DE" dirty="0" smtClean="0"/>
+                        <a:t>Katharina</a:t>
+                      </a:r>
+                      <a:r>
+                        <a:rPr lang="de-DE" baseline="0" dirty="0" smtClean="0"/>
+                        <a:t> Kahlert</a:t>
+                      </a:r>
+                      <a:endParaRPr lang="de-DE" dirty="0"/>
+                    </a:p>
+                  </a:txBody>
+                  <a:tcPr/>
+                </a:tc>
+              </a:tr>
+              <a:tr h="370840">
+                <a:tc>
+                  <a:txBody>
+                    <a:bodyPr/>
+                    <a:lstStyle/>
+                    <a:p>
+                      <a:r>
+                        <a:rPr lang="de-DE" dirty="0" smtClean="0"/>
+                        <a:t>09.08.2015</a:t>
+                      </a:r>
+                      <a:endParaRPr lang="de-DE" dirty="0"/>
+                    </a:p>
+                  </a:txBody>
+                  <a:tcPr/>
+                </a:tc>
+                <a:tc>
+                  <a:txBody>
+                    <a:bodyPr/>
+                    <a:lstStyle/>
+                    <a:p>
+                      <a:r>
+                        <a:rPr lang="de-DE" dirty="0" smtClean="0"/>
+                        <a:t>Erste Programmierung</a:t>
+                      </a:r>
+                      <a:r>
+                        <a:rPr lang="de-DE" baseline="0" dirty="0" smtClean="0"/>
+                        <a:t> der Gameinteraktion</a:t>
+                      </a:r>
+                    </a:p>
+                    <a:p>
+                      <a:r>
+                        <a:rPr lang="de-DE" baseline="0" dirty="0" smtClean="0"/>
+                        <a:t> - Schlange </a:t>
+                      </a:r>
+                      <a:endParaRPr lang="de-DE" dirty="0"/>
+                    </a:p>
+                  </a:txBody>
+                  <a:tcPr/>
+                </a:tc>
+                <a:tc>
+                  <a:txBody>
+                    <a:bodyPr/>
+                    <a:lstStyle/>
+                    <a:p>
+                      <a:r>
+                        <a:rPr lang="de-DE" dirty="0" smtClean="0"/>
+                        <a:t>Erste Programmierung der Steuerung</a:t>
+                      </a:r>
+                      <a:endParaRPr lang="de-DE" dirty="0"/>
+                    </a:p>
+                  </a:txBody>
+                  <a:tcPr/>
+                </a:tc>
+                <a:tc>
+                  <a:txBody>
+                    <a:bodyPr/>
+                    <a:lstStyle/>
+                    <a:p>
+                      <a:r>
+                        <a:rPr lang="de-DE" dirty="0" smtClean="0"/>
+                        <a:t>Erste Programmierung der Kollision</a:t>
+                      </a:r>
+                      <a:r>
+                        <a:rPr lang="de-DE" baseline="0" dirty="0" smtClean="0"/>
+                        <a:t> </a:t>
+                      </a:r>
+                    </a:p>
+                    <a:p>
+                      <a:r>
+                        <a:rPr lang="de-DE" baseline="0" dirty="0" smtClean="0"/>
+                        <a:t> - Wand</a:t>
+                      </a:r>
+                      <a:endParaRPr lang="de-DE" dirty="0" smtClean="0"/>
+                    </a:p>
+                  </a:txBody>
+                  <a:tcPr/>
+                </a:tc>
+              </a:tr>
+              <a:tr h="370840">
+                <a:tc>
+                  <a:txBody>
+                    <a:bodyPr/>
+                    <a:lstStyle/>
+                    <a:p>
+                      <a:r>
+                        <a:rPr lang="de-DE" dirty="0" smtClean="0"/>
+                        <a:t>23.08.2015</a:t>
+                      </a:r>
+                      <a:endParaRPr lang="de-DE" dirty="0"/>
+                    </a:p>
+                  </a:txBody>
+                  <a:tcPr/>
+                </a:tc>
+                <a:tc>
+                  <a:txBody>
+                    <a:bodyPr/>
+                    <a:lstStyle/>
+                    <a:p>
+                      <a:pPr marL="285750" indent="-285750">
+                        <a:buFontTx/>
+                        <a:buChar char="-"/>
+                      </a:pPr>
+                      <a:r>
+                        <a:rPr lang="de-DE" dirty="0" smtClean="0"/>
+                        <a:t>Programmierung</a:t>
+                      </a:r>
+                    </a:p>
+                    <a:p>
+                      <a:pPr marL="285750" indent="-285750">
+                        <a:buFontTx/>
+                        <a:buChar char="-"/>
+                      </a:pPr>
+                      <a:r>
+                        <a:rPr lang="de-DE" dirty="0" smtClean="0"/>
+                        <a:t>Erste Überlegungen zum Essen/Wachsen</a:t>
+                      </a:r>
+                      <a:endParaRPr lang="de-DE" dirty="0"/>
+                    </a:p>
+                  </a:txBody>
+                  <a:tcPr/>
+                </a:tc>
+                <a:tc>
+                  <a:txBody>
+                    <a:bodyPr/>
+                    <a:lstStyle/>
+                    <a:p>
+                      <a:r>
+                        <a:rPr lang="de-DE" dirty="0" smtClean="0"/>
+                        <a:t>- Programmierung</a:t>
+                      </a:r>
+                    </a:p>
+                    <a:p>
+                      <a:r>
+                        <a:rPr lang="de-DE" dirty="0" smtClean="0"/>
+                        <a:t>- Erste Überlegungen zum High </a:t>
+                      </a:r>
+                      <a:r>
+                        <a:rPr lang="de-DE" dirty="0" err="1" smtClean="0"/>
+                        <a:t>Scoure</a:t>
+                      </a:r>
+                      <a:endParaRPr lang="de-DE" dirty="0"/>
+                    </a:p>
+                  </a:txBody>
+                  <a:tcPr/>
+                </a:tc>
+                <a:tc>
+                  <a:txBody>
+                    <a:bodyPr/>
+                    <a:lstStyle/>
+                    <a:p>
+                      <a:r>
+                        <a:rPr lang="de-DE" dirty="0" smtClean="0"/>
+                        <a:t>Programmierung </a:t>
+                      </a:r>
+                    </a:p>
+                    <a:p>
+                      <a:r>
+                        <a:rPr lang="de-DE" dirty="0" smtClean="0"/>
+                        <a:t> -  Schlange </a:t>
+                      </a:r>
+                    </a:p>
+                    <a:p>
+                      <a:r>
+                        <a:rPr lang="de-DE" dirty="0" smtClean="0"/>
+                        <a:t> -</a:t>
+                      </a:r>
+                      <a:r>
+                        <a:rPr lang="de-DE" baseline="0" dirty="0" smtClean="0"/>
+                        <a:t> </a:t>
+                      </a:r>
+                      <a:r>
+                        <a:rPr lang="de-DE" dirty="0" smtClean="0"/>
+                        <a:t>Essen</a:t>
+                      </a:r>
+                      <a:endParaRPr lang="de-DE" dirty="0"/>
+                    </a:p>
+                  </a:txBody>
+                  <a:tcPr/>
+                </a:tc>
+              </a:tr>
+              <a:tr h="370840">
+                <a:tc>
+                  <a:txBody>
+                    <a:bodyPr/>
+                    <a:lstStyle/>
+                    <a:p>
+                      <a:r>
+                        <a:rPr lang="de-DE" dirty="0" smtClean="0"/>
+                        <a:t>06.09.2015 </a:t>
+                      </a:r>
+                      <a:endParaRPr lang="de-DE" dirty="0"/>
+                    </a:p>
+                  </a:txBody>
+                  <a:tcPr/>
+                </a:tc>
+                <a:tc gridSpan="3">
+                  <a:txBody>
+                    <a:bodyPr/>
+                    <a:lstStyle/>
+                    <a:p>
+                      <a:pPr marL="0" indent="0" algn="ctr">
+                        <a:buFontTx/>
+                        <a:buNone/>
+                      </a:pPr>
+                      <a:r>
+                        <a:rPr lang="de-DE" dirty="0" smtClean="0"/>
+                        <a:t>Fertigstellung</a:t>
+                      </a:r>
+                      <a:endParaRPr lang="de-DE" dirty="0"/>
+                    </a:p>
+                  </a:txBody>
+                  <a:tcPr/>
+                </a:tc>
+                <a:tc hMerge="1">
+                  <a:txBody>
+                    <a:bodyPr/>
+                    <a:lstStyle/>
+                    <a:p>
+                      <a:endParaRPr lang="de-DE" dirty="0"/>
+                    </a:p>
+                  </a:txBody>
+                  <a:tcPr/>
+                </a:tc>
+                <a:tc hMerge="1">
+                  <a:txBody>
+                    <a:bodyPr/>
+                    <a:lstStyle/>
+                    <a:p>
+                      <a:pPr marL="285750" indent="-285750">
+                        <a:buFontTx/>
+                        <a:buChar char="-"/>
+                      </a:pPr>
+                      <a:endParaRPr lang="de-DE" dirty="0"/>
+                    </a:p>
+                  </a:txBody>
+                  <a:tcPr/>
+                </a:tc>
+              </a:tr>
+            </a:tbl>
+          </a:graphicData>
+        </a:graphic>
+      </p:graphicFrame>
+      <p:sp>
+        <p:nvSpPr>
+          <p:cNvPr id="4" name="Fußzeilenplatzhalter 3"/>
+          <p:cNvSpPr>
+            <a:spLocks noGrp="1"/>
+          </p:cNvSpPr>
+          <p:nvPr>
+            <p:ph type="ftr" sz="quarter" idx="11"/>
+          </p:nvPr>
+        </p:nvSpPr>
+        <p:spPr/>
+        <p:txBody>
+          <a:bodyPr/>
+          <a:lstStyle/>
+          <a:p>
+            <a:endParaRPr lang="de-DE"/>
+          </a:p>
+        </p:txBody>
+      </p:sp>
+      <p:sp>
+        <p:nvSpPr>
+          <p:cNvPr id="5" name="Foliennummernplatzhalter 4"/>
+          <p:cNvSpPr>
+            <a:spLocks noGrp="1"/>
+          </p:cNvSpPr>
+          <p:nvPr>
+            <p:ph type="sldNum" sz="quarter" idx="12"/>
+          </p:nvPr>
+        </p:nvSpPr>
+        <p:spPr/>
+        <p:txBody>
+          <a:bodyPr/>
+          <a:lstStyle/>
+          <a:p>
+            <a:fld id="{8C23CA4F-E948-324D-AE99-93DD634CB28D}" type="slidenum">
+              <a:rPr lang="de-DE" smtClean="0"/>
+              <a:t>7</a:t>
+            </a:fld>
+            <a:endParaRPr lang="de-DE"/>
+          </a:p>
+        </p:txBody>
+      </p:sp>
+    </p:spTree>
+    <p:extLst>
+      <p:ext uri="{BB962C8B-B14F-4D97-AF65-F5344CB8AC3E}">
+        <p14:creationId xmlns:p14="http://schemas.microsoft.com/office/powerpoint/2010/main" val="1118559313"/>
+      </p:ext>
+    </p:extLst>
+  </p:cSld>
+  <p:clrMapOvr>
+    <a:masterClrMapping/>
+  </p:clrMapOvr>
+</p:sld>
+</file>
+
+<file path=ppt/slides/slide8.xml><?xml version="1.0" encoding="utf-8"?>
+<p:sld xmlns:a="http://schemas.openxmlformats.org/drawingml/2006/main" xmlns:r="http://schemas.openxmlformats.org/officeDocument/2006/relationships" xmlns:p="http://schemas.openxmlformats.org/presentationml/2006/main">
+  <p:cSld>
+    <p:spTree>
+      <p:nvGrpSpPr>
+        <p:cNvPr id="1" name=""/>
+        <p:cNvGrpSpPr/>
+        <p:nvPr/>
+      </p:nvGrpSpPr>
+      <p:grpSpPr>
+        <a:xfrm>
+          <a:off x="0" y="0"/>
+          <a:ext cx="0" cy="0"/>
+          <a:chOff x="0" y="0"/>
+          <a:chExt cx="0" cy="0"/>
+        </a:xfrm>
+      </p:grpSpPr>
+      <p:sp>
+        <p:nvSpPr>
+          <p:cNvPr id="2" name="Titel 1"/>
+          <p:cNvSpPr>
+            <a:spLocks noGrp="1"/>
+          </p:cNvSpPr>
+          <p:nvPr>
+            <p:ph type="title"/>
+          </p:nvPr>
+        </p:nvSpPr>
+        <p:spPr/>
+        <p:txBody>
+          <a:bodyPr/>
+          <a:lstStyle/>
+          <a:p>
+            <a:r>
+              <a:rPr lang="de-DE" dirty="0" smtClean="0"/>
+              <a:t>3 Meilenstein</a:t>
+            </a:r>
+            <a:endParaRPr lang="de-DE" dirty="0"/>
+          </a:p>
+        </p:txBody>
+      </p:sp>
+      <p:graphicFrame>
+        <p:nvGraphicFramePr>
+          <p:cNvPr id="6" name="Inhaltsplatzhalter 5"/>
+          <p:cNvGraphicFramePr>
+            <a:graphicFrameLocks noGrp="1"/>
+          </p:cNvGraphicFramePr>
+          <p:nvPr>
+            <p:ph idx="1"/>
+            <p:extLst>
+              <p:ext uri="{D42A27DB-BD31-4B8C-83A1-F6EECF244321}">
+                <p14:modId xmlns:p14="http://schemas.microsoft.com/office/powerpoint/2010/main" val="3997826104"/>
+              </p:ext>
+            </p:extLst>
+          </p:nvPr>
+        </p:nvGraphicFramePr>
+        <p:xfrm>
+          <a:off x="457200" y="1600200"/>
+          <a:ext cx="8229600" cy="2666999"/>
+        </p:xfrm>
+        <a:graphic>
+          <a:graphicData uri="http://schemas.openxmlformats.org/drawingml/2006/table">
+            <a:tbl>
+              <a:tblPr firstRow="1" bandRow="1">
+                <a:tableStyleId>{5C22544A-7EE6-4342-B048-85BDC9FD1C3A}</a:tableStyleId>
+              </a:tblPr>
+              <a:tblGrid>
+                <a:gridCol w="2057400"/>
+                <a:gridCol w="2057400"/>
+                <a:gridCol w="2057400"/>
+                <a:gridCol w="2057400"/>
+              </a:tblGrid>
+              <a:tr h="370840">
+                <a:tc>
+                  <a:txBody>
+                    <a:bodyPr/>
+                    <a:lstStyle/>
+                    <a:p>
+                      <a:r>
+                        <a:rPr lang="de-DE" dirty="0" smtClean="0"/>
+                        <a:t>Termin</a:t>
+                      </a:r>
+                      <a:endParaRPr lang="de-DE" dirty="0"/>
+                    </a:p>
+                  </a:txBody>
+                  <a:tcPr/>
+                </a:tc>
+                <a:tc>
+                  <a:txBody>
+                    <a:bodyPr/>
+                    <a:lstStyle/>
+                    <a:p>
+                      <a:r>
+                        <a:rPr lang="de-DE" dirty="0" smtClean="0"/>
+                        <a:t>Ram</a:t>
+                      </a:r>
+                      <a:r>
+                        <a:rPr lang="de-DE" dirty="0" smtClean="0"/>
+                        <a:t>ón Wilhelm</a:t>
+                      </a:r>
+                      <a:endParaRPr lang="de-DE" dirty="0"/>
+                    </a:p>
+                  </a:txBody>
+                  <a:tcPr/>
+                </a:tc>
+                <a:tc>
+                  <a:txBody>
+                    <a:bodyPr/>
+                    <a:lstStyle/>
+                    <a:p>
+                      <a:r>
+                        <a:rPr lang="de-DE" dirty="0" smtClean="0"/>
+                        <a:t>Meltem </a:t>
+                      </a:r>
+                      <a:r>
+                        <a:rPr lang="de-DE" dirty="0" err="1" smtClean="0"/>
+                        <a:t>Özkul</a:t>
+                      </a:r>
+                      <a:endParaRPr lang="de-DE" dirty="0"/>
+                    </a:p>
+                  </a:txBody>
+                  <a:tcPr/>
+                </a:tc>
+                <a:tc>
+                  <a:txBody>
+                    <a:bodyPr/>
+                    <a:lstStyle/>
+                    <a:p>
+                      <a:r>
+                        <a:rPr lang="de-DE" dirty="0" smtClean="0"/>
+                        <a:t>Katharina Kahlert</a:t>
+                      </a:r>
+                      <a:endParaRPr lang="de-DE" dirty="0"/>
+                    </a:p>
+                  </a:txBody>
+                  <a:tcPr/>
+                </a:tc>
+              </a:tr>
+              <a:tr h="370840">
+                <a:tc>
+                  <a:txBody>
+                    <a:bodyPr/>
+                    <a:lstStyle/>
+                    <a:p>
+                      <a:r>
+                        <a:rPr lang="de-DE" dirty="0" smtClean="0"/>
+                        <a:t>13.09.2015</a:t>
+                      </a:r>
+                      <a:endParaRPr lang="de-DE" dirty="0"/>
+                    </a:p>
+                  </a:txBody>
+                  <a:tcPr/>
+                </a:tc>
+                <a:tc>
+                  <a:txBody>
+                    <a:bodyPr/>
+                    <a:lstStyle/>
+                    <a:p>
+                      <a:r>
+                        <a:rPr lang="de-DE" dirty="0" smtClean="0"/>
+                        <a:t>Erste</a:t>
+                      </a:r>
+                      <a:r>
+                        <a:rPr lang="de-DE" baseline="0" dirty="0" smtClean="0"/>
+                        <a:t> Programmierung des Essens</a:t>
+                      </a:r>
+                      <a:endParaRPr lang="de-DE" dirty="0"/>
+                    </a:p>
+                  </a:txBody>
+                  <a:tcPr/>
+                </a:tc>
+                <a:tc>
+                  <a:txBody>
+                    <a:bodyPr/>
+                    <a:lstStyle/>
+                    <a:p>
+                      <a:r>
+                        <a:rPr lang="de-DE" dirty="0" smtClean="0"/>
+                        <a:t>Erste Programmierung des </a:t>
+                      </a:r>
+                      <a:r>
+                        <a:rPr lang="de-DE" dirty="0" err="1" smtClean="0"/>
+                        <a:t>High</a:t>
+                      </a:r>
+                      <a:r>
+                        <a:rPr lang="de-DE" baseline="0" dirty="0" err="1" smtClean="0"/>
+                        <a:t>scores</a:t>
+                      </a:r>
+                      <a:endParaRPr lang="de-DE" dirty="0"/>
+                    </a:p>
+                  </a:txBody>
+                  <a:tcPr/>
+                </a:tc>
+                <a:tc>
+                  <a:txBody>
+                    <a:bodyPr/>
+                    <a:lstStyle/>
+                    <a:p>
+                      <a:r>
+                        <a:rPr lang="de-DE" dirty="0" smtClean="0"/>
+                        <a:t>- Erste</a:t>
+                      </a:r>
+                      <a:r>
+                        <a:rPr lang="de-DE" baseline="0" dirty="0" smtClean="0"/>
+                        <a:t> Programmierung der Portalfunktion</a:t>
+                      </a:r>
+                      <a:endParaRPr lang="de-DE" dirty="0"/>
+                    </a:p>
+                  </a:txBody>
+                  <a:tcPr/>
+                </a:tc>
+              </a:tr>
+              <a:tr h="370840">
+                <a:tc>
+                  <a:txBody>
+                    <a:bodyPr/>
+                    <a:lstStyle/>
+                    <a:p>
+                      <a:r>
+                        <a:rPr lang="de-DE" dirty="0" smtClean="0"/>
+                        <a:t>20.09.2015</a:t>
+                      </a:r>
+                      <a:endParaRPr lang="de-DE" dirty="0"/>
+                    </a:p>
+                  </a:txBody>
+                  <a:tcPr/>
+                </a:tc>
+                <a:tc>
+                  <a:txBody>
+                    <a:bodyPr/>
+                    <a:lstStyle/>
+                    <a:p>
+                      <a:r>
+                        <a:rPr lang="de-DE" dirty="0" smtClean="0"/>
+                        <a:t>-Programmierung </a:t>
+                      </a:r>
+                    </a:p>
+                    <a:p>
+                      <a:r>
+                        <a:rPr lang="de-DE" dirty="0" smtClean="0"/>
+                        <a:t>- Erstes Bugfixing</a:t>
+                      </a:r>
+                      <a:endParaRPr lang="de-DE" dirty="0"/>
+                    </a:p>
+                  </a:txBody>
+                  <a:tcPr/>
+                </a:tc>
+                <a:tc>
+                  <a:txBody>
+                    <a:bodyPr/>
+                    <a:lstStyle/>
+                    <a:p>
+                      <a:r>
+                        <a:rPr lang="de-DE" dirty="0" smtClean="0"/>
+                        <a:t>-Programmierung </a:t>
+                      </a:r>
+                    </a:p>
+                    <a:p>
+                      <a:r>
+                        <a:rPr lang="de-DE" dirty="0" smtClean="0"/>
+                        <a:t>- Erstes Bugfixing</a:t>
+                      </a:r>
+                      <a:endParaRPr lang="de-DE" dirty="0"/>
+                    </a:p>
+                  </a:txBody>
+                  <a:tcPr/>
+                </a:tc>
+                <a:tc>
+                  <a:txBody>
+                    <a:bodyPr/>
+                    <a:lstStyle/>
+                    <a:p>
+                      <a:r>
+                        <a:rPr lang="de-DE" dirty="0" smtClean="0"/>
+                        <a:t>- Menü und Anleitung</a:t>
+                      </a:r>
+                      <a:endParaRPr lang="de-DE" dirty="0"/>
+                    </a:p>
+                  </a:txBody>
+                  <a:tcPr/>
+                </a:tc>
+              </a:tr>
+              <a:tr h="370840">
+                <a:tc>
+                  <a:txBody>
+                    <a:bodyPr/>
+                    <a:lstStyle/>
+                    <a:p>
+                      <a:r>
+                        <a:rPr lang="de-DE" dirty="0" smtClean="0"/>
+                        <a:t>27.09</a:t>
+                      </a:r>
+                      <a:endParaRPr lang="de-DE" dirty="0"/>
+                    </a:p>
+                  </a:txBody>
+                  <a:tcPr/>
+                </a:tc>
+                <a:tc gridSpan="3">
+                  <a:txBody>
+                    <a:bodyPr/>
+                    <a:lstStyle/>
+                    <a:p>
+                      <a:pPr algn="ctr"/>
+                      <a:r>
+                        <a:rPr lang="de-DE" dirty="0" smtClean="0"/>
+                        <a:t>Fertigstellung der Aufgaben</a:t>
+                      </a:r>
+                      <a:endParaRPr lang="de-DE" dirty="0"/>
+                    </a:p>
+                  </a:txBody>
+                  <a:tcPr/>
+                </a:tc>
+                <a:tc hMerge="1">
+                  <a:txBody>
+                    <a:bodyPr/>
+                    <a:lstStyle/>
+                    <a:p>
+                      <a:endParaRPr lang="de-DE" dirty="0"/>
+                    </a:p>
+                  </a:txBody>
+                  <a:tcPr/>
+                </a:tc>
+                <a:tc hMerge="1">
+                  <a:txBody>
+                    <a:bodyPr/>
+                    <a:lstStyle/>
+                    <a:p>
+                      <a:endParaRPr lang="de-DE" dirty="0"/>
+                    </a:p>
+                  </a:txBody>
+                  <a:tcPr/>
+                </a:tc>
+              </a:tr>
+              <a:tr h="370840">
+                <a:tc>
+                  <a:txBody>
+                    <a:bodyPr/>
+                    <a:lstStyle/>
+                    <a:p>
+                      <a:r>
+                        <a:rPr lang="de-DE" dirty="0" smtClean="0"/>
+                        <a:t>02.10</a:t>
+                      </a:r>
+                      <a:endParaRPr lang="de-DE" dirty="0"/>
+                    </a:p>
+                  </a:txBody>
+                  <a:tcPr/>
+                </a:tc>
+                <a:tc gridSpan="3">
+                  <a:txBody>
+                    <a:bodyPr/>
+                    <a:lstStyle/>
+                    <a:p>
+                      <a:pPr algn="ctr"/>
+                      <a:r>
+                        <a:rPr lang="de-DE" dirty="0" smtClean="0"/>
+                        <a:t>Finale</a:t>
+                      </a:r>
+                      <a:r>
+                        <a:rPr lang="de-DE" baseline="0" dirty="0" smtClean="0"/>
+                        <a:t> Präsentation</a:t>
+                      </a:r>
+                      <a:endParaRPr lang="de-DE" dirty="0"/>
+                    </a:p>
+                  </a:txBody>
+                  <a:tcPr/>
+                </a:tc>
+                <a:tc hMerge="1">
+                  <a:txBody>
+                    <a:bodyPr/>
+                    <a:lstStyle/>
+                    <a:p>
+                      <a:endParaRPr lang="de-DE" dirty="0"/>
+                    </a:p>
+                  </a:txBody>
+                  <a:tcPr/>
+                </a:tc>
+                <a:tc hMerge="1">
+                  <a:txBody>
+                    <a:bodyPr/>
+                    <a:lstStyle/>
+                    <a:p>
+                      <a:endParaRPr lang="de-DE" dirty="0"/>
+                    </a:p>
+                  </a:txBody>
+                  <a:tcPr/>
+                </a:tc>
+              </a:tr>
+            </a:tbl>
+          </a:graphicData>
+        </a:graphic>
+      </p:graphicFrame>
+      <p:sp>
+        <p:nvSpPr>
+          <p:cNvPr id="4" name="Fußzeilenplatzhalter 3"/>
+          <p:cNvSpPr>
+            <a:spLocks noGrp="1"/>
+          </p:cNvSpPr>
+          <p:nvPr>
+            <p:ph type="ftr" sz="quarter" idx="11"/>
+          </p:nvPr>
+        </p:nvSpPr>
+        <p:spPr/>
+        <p:txBody>
+          <a:bodyPr/>
+          <a:lstStyle/>
+          <a:p>
+            <a:endParaRPr lang="de-DE"/>
+          </a:p>
+        </p:txBody>
+      </p:sp>
+      <p:sp>
+        <p:nvSpPr>
+          <p:cNvPr id="5" name="Foliennummernplatzhalter 4"/>
+          <p:cNvSpPr>
+            <a:spLocks noGrp="1"/>
+          </p:cNvSpPr>
+          <p:nvPr>
+            <p:ph type="sldNum" sz="quarter" idx="12"/>
+          </p:nvPr>
+        </p:nvSpPr>
+        <p:spPr/>
+        <p:txBody>
+          <a:bodyPr/>
+          <a:lstStyle/>
+          <a:p>
+            <a:fld id="{8C23CA4F-E948-324D-AE99-93DD634CB28D}" type="slidenum">
+              <a:rPr lang="de-DE" smtClean="0"/>
+              <a:t>8</a:t>
+            </a:fld>
+            <a:endParaRPr lang="de-DE"/>
+          </a:p>
+        </p:txBody>
+      </p:sp>
+    </p:spTree>
+    <p:extLst>
+      <p:ext uri="{BB962C8B-B14F-4D97-AF65-F5344CB8AC3E}">
+        <p14:creationId xmlns:p14="http://schemas.microsoft.com/office/powerpoint/2010/main" val="3796471960"/>
+      </p:ext>
+    </p:extLst>
+  </p:cSld>
+  <p:clrMapOvr>
+    <a:masterClrMapping/>
+  </p:clrMapOvr>
+</p:sld>
+</file>
+
+<file path=ppt/slides/slide9.xml><?xml version="1.0" encoding="utf-8"?>
+<p:sld xmlns:a="http://schemas.openxmlformats.org/drawingml/2006/main" xmlns:r="http://schemas.openxmlformats.org/officeDocument/2006/relationships" xmlns:p="http://schemas.openxmlformats.org/presentationml/2006/main">
+  <p:cSld>
+    <p:spTree>
+      <p:nvGrpSpPr>
+        <p:cNvPr id="1" name=""/>
+        <p:cNvGrpSpPr/>
+        <p:nvPr/>
+      </p:nvGrpSpPr>
+      <p:grpSpPr>
+        <a:xfrm>
+          <a:off x="0" y="0"/>
+          <a:ext cx="0" cy="0"/>
+          <a:chOff x="0" y="0"/>
+          <a:chExt cx="0" cy="0"/>
+        </a:xfrm>
+      </p:grpSpPr>
+      <p:sp>
+        <p:nvSpPr>
+          <p:cNvPr id="2" name="Titel 1"/>
+          <p:cNvSpPr>
+            <a:spLocks noGrp="1"/>
+          </p:cNvSpPr>
+          <p:nvPr>
+            <p:ph type="title"/>
+          </p:nvPr>
+        </p:nvSpPr>
+        <p:spPr/>
+        <p:txBody>
+          <a:bodyPr/>
+          <a:lstStyle/>
+          <a:p>
+            <a:r>
+              <a:rPr lang="de-DE" dirty="0" smtClean="0"/>
               <a:t>Risiko</a:t>
             </a:r>
             <a:endParaRPr lang="de-DE" dirty="0"/>
@@ -5216,7 +6536,7 @@
           <a:p>
             <a:fld id="{8C23CA4F-E948-324D-AE99-93DD634CB28D}" type="slidenum">
               <a:rPr lang="de-DE" smtClean="0"/>
-              <a:t>6</a:t>
+              <a:t>9</a:t>
             </a:fld>
             <a:endParaRPr lang="de-DE"/>
           </a:p>
@@ -5243,7 +6563,7 @@
             </a:r>
             <a:fld id="{0A097ED9-F555-3646-97DF-32BC18C12F43}" type="slidenum">
               <a:rPr lang="de-DE" smtClean="0"/>
-              <a:t>6</a:t>
+              <a:t>9</a:t>
             </a:fld>
             <a:r>
               <a:rPr lang="de-DE" dirty="0" smtClean="0"/>

--- a/Planungspraesentation-Mitte Juni/Planungspräsentation V. 1.pptx
+++ b/Planungspraesentation-Mitte Juni/Planungspräsentation V. 1.pptx
@@ -4569,14 +4569,14 @@
             <p:ph idx="1"/>
             <p:extLst>
               <p:ext uri="{D42A27DB-BD31-4B8C-83A1-F6EECF244321}">
-                <p14:modId xmlns:p14="http://schemas.microsoft.com/office/powerpoint/2010/main" val="1838411641"/>
+                <p14:modId xmlns:p14="http://schemas.microsoft.com/office/powerpoint/2010/main" val="4119163521"/>
               </p:ext>
             </p:extLst>
           </p:nvPr>
         </p:nvGraphicFramePr>
         <p:xfrm>
           <a:off x="457200" y="1600200"/>
-          <a:ext cx="8229600" cy="4033520"/>
+          <a:ext cx="9014079" cy="3759200"/>
         </p:xfrm>
         <a:graphic>
           <a:graphicData uri="http://schemas.openxmlformats.org/drawingml/2006/table">
@@ -4586,7 +4586,7 @@
               </a:tblPr>
               <a:tblGrid>
                 <a:gridCol w="2057400"/>
-                <a:gridCol w="2057400"/>
+                <a:gridCol w="2841879"/>
                 <a:gridCol w="2057400"/>
                 <a:gridCol w="2057400"/>
               </a:tblGrid>
@@ -4664,7 +4664,7 @@
                     <a:p>
                       <a:r>
                         <a:rPr lang="de-DE" dirty="0" smtClean="0"/>
-                        <a:t>12.07.2015</a:t>
+                        <a:t>Bis 12.07.2015</a:t>
                       </a:r>
                       <a:endParaRPr lang="de-DE" dirty="0"/>
                     </a:p>
@@ -4786,7 +4786,7 @@
                     <a:p>
                       <a:r>
                         <a:rPr lang="de-DE" dirty="0" smtClean="0"/>
-                        <a:t>30.08.2015</a:t>
+                        <a:t>Bis 30.08.2015</a:t>
                       </a:r>
                       <a:endParaRPr lang="de-DE" dirty="0"/>
                     </a:p>
@@ -4889,7 +4889,7 @@
                     <a:p>
                       <a:r>
                         <a:rPr lang="de-DE" dirty="0" smtClean="0"/>
-                        <a:t>02.10.2015</a:t>
+                        <a:t>Bis 02.10.2015</a:t>
                       </a:r>
                       <a:endParaRPr lang="de-DE" dirty="0"/>
                     </a:p>

--- a/Planungspraesentation-Mitte Juni/Planungspräsentation V. 1.pptx
+++ b/Planungspraesentation-Mitte Juni/Planungspräsentation V. 1.pptx
@@ -117,7 +117,7 @@
   </p:defaultTextStyle>
   <p:extLst>
     <p:ext uri="{EFAFB233-063F-42B5-8137-9DF3F51BA10A}">
-      <p15:sldGuideLst xmlns:p15="http://schemas.microsoft.com/office/powerpoint/2012/main">
+      <p15:sldGuideLst xmlns:p15="http://schemas.microsoft.com/office/powerpoint/2012/main" xmlns="">
         <p15:guide id="1" orient="horz" pos="2160">
           <p15:clr>
             <a:srgbClr val="A4A3A4"/>
@@ -216,7 +216,7 @@
           <a:p>
             <a:fld id="{B4FF162B-CE6F-6948-9E4E-CF339F017EF0}" type="datetime1">
               <a:rPr lang="de-DE" smtClean="0"/>
-              <a:t>23.06.2015</a:t>
+              <a:t>24.06.15</a:t>
             </a:fld>
             <a:endParaRPr lang="de-DE"/>
           </a:p>
@@ -382,7 +382,7 @@
           <a:p>
             <a:fld id="{F8F687C1-49B9-FC43-A5F5-4E2CAE8623DA}" type="datetime1">
               <a:rPr lang="de-DE" smtClean="0"/>
-              <a:t>23.06.2015</a:t>
+              <a:t>24.06.15</a:t>
             </a:fld>
             <a:endParaRPr lang="de-DE"/>
           </a:p>
@@ -916,7 +916,7 @@
           <a:p>
             <a:fld id="{1DACE3BB-339C-AD47-A52D-662320F7C205}" type="datetime1">
               <a:rPr lang="de-DE" smtClean="0"/>
-              <a:t>23.06.2015</a:t>
+              <a:t>24.06.15</a:t>
             </a:fld>
             <a:endParaRPr lang="de-DE"/>
           </a:p>
@@ -1086,7 +1086,7 @@
           <a:p>
             <a:fld id="{F42559F4-B3EB-344D-B633-69F007223D30}" type="datetime1">
               <a:rPr lang="de-DE" smtClean="0"/>
-              <a:t>23.06.2015</a:t>
+              <a:t>24.06.15</a:t>
             </a:fld>
             <a:endParaRPr lang="de-DE"/>
           </a:p>
@@ -1266,7 +1266,7 @@
           <a:p>
             <a:fld id="{42AF2205-F992-9F41-987F-7238F8B9F0B5}" type="datetime1">
               <a:rPr lang="de-DE" smtClean="0"/>
-              <a:t>23.06.2015</a:t>
+              <a:t>24.06.15</a:t>
             </a:fld>
             <a:endParaRPr lang="de-DE"/>
           </a:p>
@@ -1436,7 +1436,7 @@
           <a:p>
             <a:fld id="{FF84A754-A284-FB40-B909-6C25294AD20F}" type="datetime1">
               <a:rPr lang="de-DE" smtClean="0"/>
-              <a:t>23.06.2015</a:t>
+              <a:t>24.06.15</a:t>
             </a:fld>
             <a:endParaRPr lang="de-DE"/>
           </a:p>
@@ -1682,7 +1682,7 @@
           <a:p>
             <a:fld id="{CA605955-6352-BD4C-B0F3-ECEE8C6EE720}" type="datetime1">
               <a:rPr lang="de-DE" smtClean="0"/>
-              <a:t>23.06.2015</a:t>
+              <a:t>24.06.15</a:t>
             </a:fld>
             <a:endParaRPr lang="de-DE"/>
           </a:p>
@@ -1970,7 +1970,7 @@
           <a:p>
             <a:fld id="{C86AEEF6-0385-0844-9861-D3417F6C1E98}" type="datetime1">
               <a:rPr lang="de-DE" smtClean="0"/>
-              <a:t>23.06.2015</a:t>
+              <a:t>24.06.15</a:t>
             </a:fld>
             <a:endParaRPr lang="de-DE"/>
           </a:p>
@@ -2392,7 +2392,7 @@
           <a:p>
             <a:fld id="{84A495D8-31AC-6141-A708-923E383D2969}" type="datetime1">
               <a:rPr lang="de-DE" smtClean="0"/>
-              <a:t>23.06.2015</a:t>
+              <a:t>24.06.15</a:t>
             </a:fld>
             <a:endParaRPr lang="de-DE"/>
           </a:p>
@@ -2510,7 +2510,7 @@
           <a:p>
             <a:fld id="{6B9BBFBE-94A6-EE41-BDE2-C36DF8BDD6AC}" type="datetime1">
               <a:rPr lang="de-DE" smtClean="0"/>
-              <a:t>23.06.2015</a:t>
+              <a:t>24.06.15</a:t>
             </a:fld>
             <a:endParaRPr lang="de-DE"/>
           </a:p>
@@ -2605,7 +2605,7 @@
           <a:p>
             <a:fld id="{8A3BDDF1-32E1-AA48-AD7E-B28DB9397AA4}" type="datetime1">
               <a:rPr lang="de-DE" smtClean="0"/>
-              <a:t>23.06.2015</a:t>
+              <a:t>24.06.15</a:t>
             </a:fld>
             <a:endParaRPr lang="de-DE"/>
           </a:p>
@@ -2882,7 +2882,7 @@
           <a:p>
             <a:fld id="{BF30ED29-63A2-654D-9D7C-1CB6D6E00183}" type="datetime1">
               <a:rPr lang="de-DE" smtClean="0"/>
-              <a:t>23.06.2015</a:t>
+              <a:t>24.06.15</a:t>
             </a:fld>
             <a:endParaRPr lang="de-DE"/>
           </a:p>
@@ -3135,7 +3135,7 @@
           <a:p>
             <a:fld id="{4FB359BF-9004-C740-93E9-376A57F77EA5}" type="datetime1">
               <a:rPr lang="de-DE" smtClean="0"/>
-              <a:t>23.06.2015</a:t>
+              <a:t>24.06.15</a:t>
             </a:fld>
             <a:endParaRPr lang="de-DE"/>
           </a:p>
@@ -3348,7 +3348,7 @@
           <a:p>
             <a:fld id="{88615D7D-6342-384A-A16F-53E369E57F7B}" type="datetime1">
               <a:rPr lang="de-DE" smtClean="0"/>
-              <a:t>23.06.2015</a:t>
+              <a:t>24.06.15</a:t>
             </a:fld>
             <a:endParaRPr lang="de-DE"/>
           </a:p>
@@ -4283,7 +4283,15 @@
           <a:p>
             <a:r>
               <a:rPr lang="de-DE" dirty="0"/>
-              <a:t>Die kleine Schlange Nimmersatt braucht deine Hilfe, sie findet ihr Futter nicht in dieser riesen großen Welt. Führe sie zu ihrem Futter, doch gib acht es liegt auch ab und an was auf dem Weg, was Nimmersatt nicht verträgt! </a:t>
+              <a:t>Die kleine Schlange Nimmersatt braucht deine Hilfe, sie findet ihr Futter nicht in dieser riesen großen Welt. Führe sie zu ihrem Futter, doch gib </a:t>
+            </a:r>
+            <a:r>
+              <a:rPr lang="de-DE" dirty="0" smtClean="0"/>
+              <a:t>Acht </a:t>
+            </a:r>
+            <a:r>
+              <a:rPr lang="de-DE" dirty="0"/>
+              <a:t>es liegt auch ab und an was auf dem Weg, was Nimmersatt nicht verträgt! </a:t>
             </a:r>
           </a:p>
           <a:p>
@@ -4569,14 +4577,14 @@
             <p:ph idx="1"/>
             <p:extLst>
               <p:ext uri="{D42A27DB-BD31-4B8C-83A1-F6EECF244321}">
-                <p14:modId xmlns:p14="http://schemas.microsoft.com/office/powerpoint/2010/main" val="4119163521"/>
+                <p14:modId xmlns:p14="http://schemas.microsoft.com/office/powerpoint/2010/main" val="1299363985"/>
               </p:ext>
             </p:extLst>
           </p:nvPr>
         </p:nvGraphicFramePr>
         <p:xfrm>
-          <a:off x="457200" y="1600200"/>
-          <a:ext cx="9014079" cy="3759200"/>
+          <a:off x="129921" y="1600200"/>
+          <a:ext cx="9014079" cy="4302759"/>
         </p:xfrm>
         <a:graphic>
           <a:graphicData uri="http://schemas.openxmlformats.org/drawingml/2006/table">
@@ -4585,8 +4593,8 @@
                 <a:tableStyleId>{5C22544A-7EE6-4342-B048-85BDC9FD1C3A}</a:tableStyleId>
               </a:tblPr>
               <a:tblGrid>
-                <a:gridCol w="2057400"/>
-                <a:gridCol w="2841879"/>
+                <a:gridCol w="1795866"/>
+                <a:gridCol w="3103413"/>
                 <a:gridCol w="2057400"/>
                 <a:gridCol w="2057400"/>
               </a:tblGrid>
